--- a/IFDTC_presentation_RTech.pptx
+++ b/IFDTC_presentation_RTech.pptx
@@ -151,18 +151,18 @@
   <pc:docChgLst>
     <pc:chgData name="Looby, Charlotte" userId="bf3d6bd8-f166-46a1-964c-bf7b72577bbd" providerId="ADAL" clId="{7B26D5CA-4353-4ECF-916E-671D697ADDAD}"/>
     <pc:docChg chg="undo redo custSel addSld delSld modSld sldOrd modMainMaster">
-      <pc:chgData name="Looby, Charlotte" userId="bf3d6bd8-f166-46a1-964c-bf7b72577bbd" providerId="ADAL" clId="{7B26D5CA-4353-4ECF-916E-671D697ADDAD}" dt="2023-06-21T15:15:58.558" v="6776" actId="14100"/>
+      <pc:chgData name="Looby, Charlotte" userId="bf3d6bd8-f166-46a1-964c-bf7b72577bbd" providerId="ADAL" clId="{7B26D5CA-4353-4ECF-916E-671D697ADDAD}" dt="2023-06-23T14:46:56.681" v="7425" actId="1076"/>
       <pc:docMkLst>
         <pc:docMk/>
       </pc:docMkLst>
       <pc:sldChg chg="modSp mod">
-        <pc:chgData name="Looby, Charlotte" userId="bf3d6bd8-f166-46a1-964c-bf7b72577bbd" providerId="ADAL" clId="{7B26D5CA-4353-4ECF-916E-671D697ADDAD}" dt="2023-06-21T12:16:33.068" v="5386"/>
+        <pc:chgData name="Looby, Charlotte" userId="bf3d6bd8-f166-46a1-964c-bf7b72577bbd" providerId="ADAL" clId="{7B26D5CA-4353-4ECF-916E-671D697ADDAD}" dt="2023-06-23T14:40:23.412" v="7424"/>
         <pc:sldMkLst>
           <pc:docMk/>
           <pc:sldMk cId="2803670308" sldId="256"/>
         </pc:sldMkLst>
         <pc:spChg chg="mod">
-          <ac:chgData name="Looby, Charlotte" userId="bf3d6bd8-f166-46a1-964c-bf7b72577bbd" providerId="ADAL" clId="{7B26D5CA-4353-4ECF-916E-671D697ADDAD}" dt="2023-06-21T12:16:33.068" v="5386"/>
+          <ac:chgData name="Looby, Charlotte" userId="bf3d6bd8-f166-46a1-964c-bf7b72577bbd" providerId="ADAL" clId="{7B26D5CA-4353-4ECF-916E-671D697ADDAD}" dt="2023-06-23T14:40:22.186" v="7423" actId="21"/>
           <ac:spMkLst>
             <pc:docMk/>
             <pc:sldMk cId="2803670308" sldId="256"/>
@@ -170,7 +170,7 @@
           </ac:spMkLst>
         </pc:spChg>
         <pc:spChg chg="mod">
-          <ac:chgData name="Looby, Charlotte" userId="bf3d6bd8-f166-46a1-964c-bf7b72577bbd" providerId="ADAL" clId="{7B26D5CA-4353-4ECF-916E-671D697ADDAD}" dt="2023-06-21T12:16:33.068" v="5386"/>
+          <ac:chgData name="Looby, Charlotte" userId="bf3d6bd8-f166-46a1-964c-bf7b72577bbd" providerId="ADAL" clId="{7B26D5CA-4353-4ECF-916E-671D697ADDAD}" dt="2023-06-23T14:40:23.412" v="7424"/>
           <ac:spMkLst>
             <pc:docMk/>
             <pc:sldMk cId="2803670308" sldId="256"/>
@@ -179,7 +179,7 @@
         </pc:spChg>
       </pc:sldChg>
       <pc:sldChg chg="modSp mod">
-        <pc:chgData name="Looby, Charlotte" userId="bf3d6bd8-f166-46a1-964c-bf7b72577bbd" providerId="ADAL" clId="{7B26D5CA-4353-4ECF-916E-671D697ADDAD}" dt="2023-06-21T12:16:33.068" v="5386"/>
+        <pc:chgData name="Looby, Charlotte" userId="bf3d6bd8-f166-46a1-964c-bf7b72577bbd" providerId="ADAL" clId="{7B26D5CA-4353-4ECF-916E-671D697ADDAD}" dt="2023-06-23T14:39:00.224" v="7381" actId="20577"/>
         <pc:sldMkLst>
           <pc:docMk/>
           <pc:sldMk cId="1843797070" sldId="257"/>
@@ -193,7 +193,7 @@
           </ac:spMkLst>
         </pc:spChg>
         <pc:spChg chg="mod">
-          <ac:chgData name="Looby, Charlotte" userId="bf3d6bd8-f166-46a1-964c-bf7b72577bbd" providerId="ADAL" clId="{7B26D5CA-4353-4ECF-916E-671D697ADDAD}" dt="2023-06-21T12:16:33.068" v="5386"/>
+          <ac:chgData name="Looby, Charlotte" userId="bf3d6bd8-f166-46a1-964c-bf7b72577bbd" providerId="ADAL" clId="{7B26D5CA-4353-4ECF-916E-671D697ADDAD}" dt="2023-06-23T14:39:00.224" v="7381" actId="20577"/>
           <ac:spMkLst>
             <pc:docMk/>
             <pc:sldMk cId="1843797070" sldId="257"/>
@@ -201,8 +201,8 @@
           </ac:spMkLst>
         </pc:spChg>
       </pc:sldChg>
-      <pc:sldChg chg="modSp new mod">
-        <pc:chgData name="Looby, Charlotte" userId="bf3d6bd8-f166-46a1-964c-bf7b72577bbd" providerId="ADAL" clId="{7B26D5CA-4353-4ECF-916E-671D697ADDAD}" dt="2023-06-21T12:16:33.068" v="5386"/>
+      <pc:sldChg chg="addSp delSp modSp new mod">
+        <pc:chgData name="Looby, Charlotte" userId="bf3d6bd8-f166-46a1-964c-bf7b72577bbd" providerId="ADAL" clId="{7B26D5CA-4353-4ECF-916E-671D697ADDAD}" dt="2023-06-21T16:01:50.393" v="7301" actId="1076"/>
         <pc:sldMkLst>
           <pc:docMk/>
           <pc:sldMk cId="2267340605" sldId="258"/>
@@ -216,13 +216,37 @@
           </ac:spMkLst>
         </pc:spChg>
         <pc:spChg chg="mod">
-          <ac:chgData name="Looby, Charlotte" userId="bf3d6bd8-f166-46a1-964c-bf7b72577bbd" providerId="ADAL" clId="{7B26D5CA-4353-4ECF-916E-671D697ADDAD}" dt="2023-06-21T12:16:33.068" v="5386"/>
+          <ac:chgData name="Looby, Charlotte" userId="bf3d6bd8-f166-46a1-964c-bf7b72577bbd" providerId="ADAL" clId="{7B26D5CA-4353-4ECF-916E-671D697ADDAD}" dt="2023-06-21T16:01:09.086" v="7296" actId="20577"/>
           <ac:spMkLst>
             <pc:docMk/>
             <pc:sldMk cId="2267340605" sldId="258"/>
             <ac:spMk id="3" creationId="{482CE79E-D453-A117-9F35-A588AC9F4D19}"/>
           </ac:spMkLst>
         </pc:spChg>
+        <pc:picChg chg="add del mod">
+          <ac:chgData name="Looby, Charlotte" userId="bf3d6bd8-f166-46a1-964c-bf7b72577bbd" providerId="ADAL" clId="{7B26D5CA-4353-4ECF-916E-671D697ADDAD}" dt="2023-06-21T16:00:03.262" v="7175" actId="22"/>
+          <ac:picMkLst>
+            <pc:docMk/>
+            <pc:sldMk cId="2267340605" sldId="258"/>
+            <ac:picMk id="5" creationId="{918D0E21-146F-FE3C-E562-8E183FE0E25D}"/>
+          </ac:picMkLst>
+        </pc:picChg>
+        <pc:picChg chg="add mod">
+          <ac:chgData name="Looby, Charlotte" userId="bf3d6bd8-f166-46a1-964c-bf7b72577bbd" providerId="ADAL" clId="{7B26D5CA-4353-4ECF-916E-671D697ADDAD}" dt="2023-06-21T16:01:50.393" v="7301" actId="1076"/>
+          <ac:picMkLst>
+            <pc:docMk/>
+            <pc:sldMk cId="2267340605" sldId="258"/>
+            <ac:picMk id="7" creationId="{4942CA27-1366-2B40-198A-15DB5F8CB90E}"/>
+          </ac:picMkLst>
+        </pc:picChg>
+        <pc:picChg chg="add mod">
+          <ac:chgData name="Looby, Charlotte" userId="bf3d6bd8-f166-46a1-964c-bf7b72577bbd" providerId="ADAL" clId="{7B26D5CA-4353-4ECF-916E-671D697ADDAD}" dt="2023-06-21T16:01:38.168" v="7300" actId="692"/>
+          <ac:picMkLst>
+            <pc:docMk/>
+            <pc:sldMk cId="2267340605" sldId="258"/>
+            <ac:picMk id="9" creationId="{FC897781-295B-F3A9-45BB-586F2BAB2730}"/>
+          </ac:picMkLst>
+        </pc:picChg>
       </pc:sldChg>
       <pc:sldChg chg="addSp modSp new del mod">
         <pc:chgData name="Looby, Charlotte" userId="bf3d6bd8-f166-46a1-964c-bf7b72577bbd" providerId="ADAL" clId="{7B26D5CA-4353-4ECF-916E-671D697ADDAD}" dt="2023-06-20T21:31:44.995" v="4279" actId="2696"/>
@@ -264,7 +288,7 @@
         </pc:picChg>
       </pc:sldChg>
       <pc:sldChg chg="addSp delSp modSp mod">
-        <pc:chgData name="Looby, Charlotte" userId="bf3d6bd8-f166-46a1-964c-bf7b72577bbd" providerId="ADAL" clId="{7B26D5CA-4353-4ECF-916E-671D697ADDAD}" dt="2023-06-21T12:16:33.068" v="5386"/>
+        <pc:chgData name="Looby, Charlotte" userId="bf3d6bd8-f166-46a1-964c-bf7b72577bbd" providerId="ADAL" clId="{7B26D5CA-4353-4ECF-916E-671D697ADDAD}" dt="2023-06-21T15:57:04.247" v="7062" actId="692"/>
         <pc:sldMkLst>
           <pc:docMk/>
           <pc:sldMk cId="2222497524" sldId="259"/>
@@ -318,7 +342,7 @@
           </ac:picMkLst>
         </pc:picChg>
         <pc:picChg chg="add mod">
-          <ac:chgData name="Looby, Charlotte" userId="bf3d6bd8-f166-46a1-964c-bf7b72577bbd" providerId="ADAL" clId="{7B26D5CA-4353-4ECF-916E-671D697ADDAD}" dt="2023-06-20T21:36:10.862" v="4347" actId="692"/>
+          <ac:chgData name="Looby, Charlotte" userId="bf3d6bd8-f166-46a1-964c-bf7b72577bbd" providerId="ADAL" clId="{7B26D5CA-4353-4ECF-916E-671D697ADDAD}" dt="2023-06-21T15:57:01.819" v="7061" actId="692"/>
           <ac:picMkLst>
             <pc:docMk/>
             <pc:sldMk cId="2222497524" sldId="259"/>
@@ -326,7 +350,7 @@
           </ac:picMkLst>
         </pc:picChg>
         <pc:picChg chg="add mod">
-          <ac:chgData name="Looby, Charlotte" userId="bf3d6bd8-f166-46a1-964c-bf7b72577bbd" providerId="ADAL" clId="{7B26D5CA-4353-4ECF-916E-671D697ADDAD}" dt="2023-06-20T21:36:42.925" v="4350" actId="1076"/>
+          <ac:chgData name="Looby, Charlotte" userId="bf3d6bd8-f166-46a1-964c-bf7b72577bbd" providerId="ADAL" clId="{7B26D5CA-4353-4ECF-916E-671D697ADDAD}" dt="2023-06-21T15:57:04.247" v="7062" actId="692"/>
           <ac:picMkLst>
             <pc:docMk/>
             <pc:sldMk cId="2222497524" sldId="259"/>
@@ -335,13 +359,13 @@
         </pc:picChg>
       </pc:sldChg>
       <pc:sldChg chg="addSp delSp modSp new mod ord">
-        <pc:chgData name="Looby, Charlotte" userId="bf3d6bd8-f166-46a1-964c-bf7b72577bbd" providerId="ADAL" clId="{7B26D5CA-4353-4ECF-916E-671D697ADDAD}" dt="2023-06-21T12:16:33.068" v="5386"/>
+        <pc:chgData name="Looby, Charlotte" userId="bf3d6bd8-f166-46a1-964c-bf7b72577bbd" providerId="ADAL" clId="{7B26D5CA-4353-4ECF-916E-671D697ADDAD}" dt="2023-06-21T15:52:18.232" v="6923" actId="692"/>
         <pc:sldMkLst>
           <pc:docMk/>
           <pc:sldMk cId="3478185170" sldId="260"/>
         </pc:sldMkLst>
         <pc:spChg chg="mod">
-          <ac:chgData name="Looby, Charlotte" userId="bf3d6bd8-f166-46a1-964c-bf7b72577bbd" providerId="ADAL" clId="{7B26D5CA-4353-4ECF-916E-671D697ADDAD}" dt="2023-06-21T12:16:33.068" v="5386"/>
+          <ac:chgData name="Looby, Charlotte" userId="bf3d6bd8-f166-46a1-964c-bf7b72577bbd" providerId="ADAL" clId="{7B26D5CA-4353-4ECF-916E-671D697ADDAD}" dt="2023-06-21T15:49:47.305" v="6910" actId="1076"/>
           <ac:spMkLst>
             <pc:docMk/>
             <pc:sldMk cId="3478185170" sldId="260"/>
@@ -349,7 +373,7 @@
           </ac:spMkLst>
         </pc:spChg>
         <pc:spChg chg="mod">
-          <ac:chgData name="Looby, Charlotte" userId="bf3d6bd8-f166-46a1-964c-bf7b72577bbd" providerId="ADAL" clId="{7B26D5CA-4353-4ECF-916E-671D697ADDAD}" dt="2023-06-21T12:16:33.068" v="5386"/>
+          <ac:chgData name="Looby, Charlotte" userId="bf3d6bd8-f166-46a1-964c-bf7b72577bbd" providerId="ADAL" clId="{7B26D5CA-4353-4ECF-916E-671D697ADDAD}" dt="2023-06-21T15:48:08.008" v="6897" actId="20577"/>
           <ac:spMkLst>
             <pc:docMk/>
             <pc:sldMk cId="3478185170" sldId="260"/>
@@ -364,6 +388,14 @@
             <ac:picMk id="5" creationId="{3D840493-AAF8-B590-383C-5CE249FCAA8A}"/>
           </ac:picMkLst>
         </pc:picChg>
+        <pc:picChg chg="add mod">
+          <ac:chgData name="Looby, Charlotte" userId="bf3d6bd8-f166-46a1-964c-bf7b72577bbd" providerId="ADAL" clId="{7B26D5CA-4353-4ECF-916E-671D697ADDAD}" dt="2023-06-21T15:52:18.232" v="6923" actId="692"/>
+          <ac:picMkLst>
+            <pc:docMk/>
+            <pc:sldMk cId="3478185170" sldId="260"/>
+            <ac:picMk id="5" creationId="{D1C671D1-B6CA-E0B6-CA6C-174B277EC7D8}"/>
+          </ac:picMkLst>
+        </pc:picChg>
         <pc:picChg chg="add del mod">
           <ac:chgData name="Looby, Charlotte" userId="bf3d6bd8-f166-46a1-964c-bf7b72577bbd" providerId="ADAL" clId="{7B26D5CA-4353-4ECF-916E-671D697ADDAD}" dt="2023-06-16T19:12:40.832" v="1104" actId="21"/>
           <ac:picMkLst>
@@ -372,8 +404,8 @@
             <ac:picMk id="5" creationId="{DDBA9B8B-624A-838C-5B63-4D6D5BF2442F}"/>
           </ac:picMkLst>
         </pc:picChg>
-        <pc:picChg chg="add mod">
-          <ac:chgData name="Looby, Charlotte" userId="bf3d6bd8-f166-46a1-964c-bf7b72577bbd" providerId="ADAL" clId="{7B26D5CA-4353-4ECF-916E-671D697ADDAD}" dt="2023-06-20T19:43:24.086" v="1510" actId="1076"/>
+        <pc:picChg chg="add del mod">
+          <ac:chgData name="Looby, Charlotte" userId="bf3d6bd8-f166-46a1-964c-bf7b72577bbd" providerId="ADAL" clId="{7B26D5CA-4353-4ECF-916E-671D697ADDAD}" dt="2023-06-21T15:45:36.865" v="6833" actId="21"/>
           <ac:picMkLst>
             <pc:docMk/>
             <pc:sldMk cId="3478185170" sldId="260"/>
@@ -381,7 +413,15 @@
           </ac:picMkLst>
         </pc:picChg>
         <pc:picChg chg="add mod">
-          <ac:chgData name="Looby, Charlotte" userId="bf3d6bd8-f166-46a1-964c-bf7b72577bbd" providerId="ADAL" clId="{7B26D5CA-4353-4ECF-916E-671D697ADDAD}" dt="2023-06-20T19:43:08.024" v="1499" actId="1076"/>
+          <ac:chgData name="Looby, Charlotte" userId="bf3d6bd8-f166-46a1-964c-bf7b72577bbd" providerId="ADAL" clId="{7B26D5CA-4353-4ECF-916E-671D697ADDAD}" dt="2023-06-21T15:52:15.005" v="6922" actId="692"/>
+          <ac:picMkLst>
+            <pc:docMk/>
+            <pc:sldMk cId="3478185170" sldId="260"/>
+            <ac:picMk id="8" creationId="{514943F8-2840-A8B9-E2B1-87057C410B80}"/>
+          </ac:picMkLst>
+        </pc:picChg>
+        <pc:picChg chg="add del mod">
+          <ac:chgData name="Looby, Charlotte" userId="bf3d6bd8-f166-46a1-964c-bf7b72577bbd" providerId="ADAL" clId="{7B26D5CA-4353-4ECF-916E-671D697ADDAD}" dt="2023-06-21T15:44:37.535" v="6827" actId="21"/>
           <ac:picMkLst>
             <pc:docMk/>
             <pc:sldMk cId="3478185170" sldId="260"/>
@@ -389,7 +429,7 @@
           </ac:picMkLst>
         </pc:picChg>
         <pc:picChg chg="add mod">
-          <ac:chgData name="Looby, Charlotte" userId="bf3d6bd8-f166-46a1-964c-bf7b72577bbd" providerId="ADAL" clId="{7B26D5CA-4353-4ECF-916E-671D697ADDAD}" dt="2023-06-20T19:45:42.386" v="1703" actId="1076"/>
+          <ac:chgData name="Looby, Charlotte" userId="bf3d6bd8-f166-46a1-964c-bf7b72577bbd" providerId="ADAL" clId="{7B26D5CA-4353-4ECF-916E-671D697ADDAD}" dt="2023-06-21T15:52:01.988" v="6921" actId="692"/>
           <ac:picMkLst>
             <pc:docMk/>
             <pc:sldMk cId="3478185170" sldId="260"/>
@@ -421,7 +461,7 @@
         </pc:spChg>
       </pc:sldChg>
       <pc:sldChg chg="addSp delSp modSp new mod">
-        <pc:chgData name="Looby, Charlotte" userId="bf3d6bd8-f166-46a1-964c-bf7b72577bbd" providerId="ADAL" clId="{7B26D5CA-4353-4ECF-916E-671D697ADDAD}" dt="2023-06-21T12:16:33.068" v="5386"/>
+        <pc:chgData name="Looby, Charlotte" userId="bf3d6bd8-f166-46a1-964c-bf7b72577bbd" providerId="ADAL" clId="{7B26D5CA-4353-4ECF-916E-671D697ADDAD}" dt="2023-06-21T15:55:59.818" v="7016" actId="692"/>
         <pc:sldMkLst>
           <pc:docMk/>
           <pc:sldMk cId="1495666468" sldId="262"/>
@@ -459,7 +499,7 @@
           </ac:picMkLst>
         </pc:picChg>
         <pc:picChg chg="add mod">
-          <ac:chgData name="Looby, Charlotte" userId="bf3d6bd8-f166-46a1-964c-bf7b72577bbd" providerId="ADAL" clId="{7B26D5CA-4353-4ECF-916E-671D697ADDAD}" dt="2023-06-20T20:45:38.373" v="2999" actId="692"/>
+          <ac:chgData name="Looby, Charlotte" userId="bf3d6bd8-f166-46a1-964c-bf7b72577bbd" providerId="ADAL" clId="{7B26D5CA-4353-4ECF-916E-671D697ADDAD}" dt="2023-06-21T15:55:57.806" v="7015" actId="692"/>
           <ac:picMkLst>
             <pc:docMk/>
             <pc:sldMk cId="1495666468" sldId="262"/>
@@ -467,7 +507,7 @@
           </ac:picMkLst>
         </pc:picChg>
         <pc:picChg chg="add mod">
-          <ac:chgData name="Looby, Charlotte" userId="bf3d6bd8-f166-46a1-964c-bf7b72577bbd" providerId="ADAL" clId="{7B26D5CA-4353-4ECF-916E-671D697ADDAD}" dt="2023-06-20T20:46:51.876" v="3006" actId="14100"/>
+          <ac:chgData name="Looby, Charlotte" userId="bf3d6bd8-f166-46a1-964c-bf7b72577bbd" providerId="ADAL" clId="{7B26D5CA-4353-4ECF-916E-671D697ADDAD}" dt="2023-06-21T15:55:59.818" v="7016" actId="692"/>
           <ac:picMkLst>
             <pc:docMk/>
             <pc:sldMk cId="1495666468" sldId="262"/>
@@ -476,7 +516,7 @@
         </pc:picChg>
       </pc:sldChg>
       <pc:sldChg chg="addSp modSp new mod">
-        <pc:chgData name="Looby, Charlotte" userId="bf3d6bd8-f166-46a1-964c-bf7b72577bbd" providerId="ADAL" clId="{7B26D5CA-4353-4ECF-916E-671D697ADDAD}" dt="2023-06-21T15:04:17.424" v="6344" actId="20577"/>
+        <pc:chgData name="Looby, Charlotte" userId="bf3d6bd8-f166-46a1-964c-bf7b72577bbd" providerId="ADAL" clId="{7B26D5CA-4353-4ECF-916E-671D697ADDAD}" dt="2023-06-21T15:56:41.766" v="7054" actId="692"/>
         <pc:sldMkLst>
           <pc:docMk/>
           <pc:sldMk cId="1122709562" sldId="263"/>
@@ -498,7 +538,7 @@
           </ac:spMkLst>
         </pc:spChg>
         <pc:picChg chg="add mod">
-          <ac:chgData name="Looby, Charlotte" userId="bf3d6bd8-f166-46a1-964c-bf7b72577bbd" providerId="ADAL" clId="{7B26D5CA-4353-4ECF-916E-671D697ADDAD}" dt="2023-06-21T15:00:24.256" v="6190" actId="1076"/>
+          <ac:chgData name="Looby, Charlotte" userId="bf3d6bd8-f166-46a1-964c-bf7b72577bbd" providerId="ADAL" clId="{7B26D5CA-4353-4ECF-916E-671D697ADDAD}" dt="2023-06-21T15:56:38.035" v="7048" actId="692"/>
           <ac:picMkLst>
             <pc:docMk/>
             <pc:sldMk cId="1122709562" sldId="263"/>
@@ -514,7 +554,7 @@
           </ac:picMkLst>
         </pc:picChg>
         <pc:picChg chg="add mod">
-          <ac:chgData name="Looby, Charlotte" userId="bf3d6bd8-f166-46a1-964c-bf7b72577bbd" providerId="ADAL" clId="{7B26D5CA-4353-4ECF-916E-671D697ADDAD}" dt="2023-06-20T21:55:12.472" v="4643" actId="1076"/>
+          <ac:chgData name="Looby, Charlotte" userId="bf3d6bd8-f166-46a1-964c-bf7b72577bbd" providerId="ADAL" clId="{7B26D5CA-4353-4ECF-916E-671D697ADDAD}" dt="2023-06-21T15:56:41.766" v="7054" actId="692"/>
           <ac:picMkLst>
             <pc:docMk/>
             <pc:sldMk cId="1122709562" sldId="263"/>
@@ -539,7 +579,7 @@
         </pc:cxnChg>
       </pc:sldChg>
       <pc:sldChg chg="addSp delSp modSp new mod ord">
-        <pc:chgData name="Looby, Charlotte" userId="bf3d6bd8-f166-46a1-964c-bf7b72577bbd" providerId="ADAL" clId="{7B26D5CA-4353-4ECF-916E-671D697ADDAD}" dt="2023-06-21T12:46:44.633" v="6070" actId="21"/>
+        <pc:chgData name="Looby, Charlotte" userId="bf3d6bd8-f166-46a1-964c-bf7b72577bbd" providerId="ADAL" clId="{7B26D5CA-4353-4ECF-916E-671D697ADDAD}" dt="2023-06-21T15:56:12.600" v="7028" actId="692"/>
         <pc:sldMkLst>
           <pc:docMk/>
           <pc:sldMk cId="802875563" sldId="264"/>
@@ -569,7 +609,7 @@
           </ac:spMkLst>
         </pc:spChg>
         <pc:picChg chg="add mod">
-          <ac:chgData name="Looby, Charlotte" userId="bf3d6bd8-f166-46a1-964c-bf7b72577bbd" providerId="ADAL" clId="{7B26D5CA-4353-4ECF-916E-671D697ADDAD}" dt="2023-06-20T21:28:15.644" v="4274" actId="1076"/>
+          <ac:chgData name="Looby, Charlotte" userId="bf3d6bd8-f166-46a1-964c-bf7b72577bbd" providerId="ADAL" clId="{7B26D5CA-4353-4ECF-916E-671D697ADDAD}" dt="2023-06-21T15:56:07.681" v="7022" actId="692"/>
           <ac:picMkLst>
             <pc:docMk/>
             <pc:sldMk cId="802875563" sldId="264"/>
@@ -585,7 +625,7 @@
           </ac:picMkLst>
         </pc:picChg>
         <pc:picChg chg="add mod">
-          <ac:chgData name="Looby, Charlotte" userId="bf3d6bd8-f166-46a1-964c-bf7b72577bbd" providerId="ADAL" clId="{7B26D5CA-4353-4ECF-916E-671D697ADDAD}" dt="2023-06-20T21:28:19.414" v="4276" actId="1076"/>
+          <ac:chgData name="Looby, Charlotte" userId="bf3d6bd8-f166-46a1-964c-bf7b72577bbd" providerId="ADAL" clId="{7B26D5CA-4353-4ECF-916E-671D697ADDAD}" dt="2023-06-21T15:56:12.600" v="7028" actId="692"/>
           <ac:picMkLst>
             <pc:docMk/>
             <pc:sldMk cId="802875563" sldId="264"/>
@@ -657,7 +697,7 @@
         </pc:spChg>
       </pc:sldChg>
       <pc:sldChg chg="addSp delSp modSp new mod modShow">
-        <pc:chgData name="Looby, Charlotte" userId="bf3d6bd8-f166-46a1-964c-bf7b72577bbd" providerId="ADAL" clId="{7B26D5CA-4353-4ECF-916E-671D697ADDAD}" dt="2023-06-21T12:16:33.068" v="5386"/>
+        <pc:chgData name="Looby, Charlotte" userId="bf3d6bd8-f166-46a1-964c-bf7b72577bbd" providerId="ADAL" clId="{7B26D5CA-4353-4ECF-916E-671D697ADDAD}" dt="2023-06-21T15:53:04.969" v="6946" actId="692"/>
         <pc:sldMkLst>
           <pc:docMk/>
           <pc:sldMk cId="428804301" sldId="266"/>
@@ -695,7 +735,7 @@
           </ac:picMkLst>
         </pc:picChg>
         <pc:picChg chg="add mod">
-          <ac:chgData name="Looby, Charlotte" userId="bf3d6bd8-f166-46a1-964c-bf7b72577bbd" providerId="ADAL" clId="{7B26D5CA-4353-4ECF-916E-671D697ADDAD}" dt="2023-06-20T21:25:33.132" v="4149" actId="1076"/>
+          <ac:chgData name="Looby, Charlotte" userId="bf3d6bd8-f166-46a1-964c-bf7b72577bbd" providerId="ADAL" clId="{7B26D5CA-4353-4ECF-916E-671D697ADDAD}" dt="2023-06-21T15:53:04.969" v="6946" actId="692"/>
           <ac:picMkLst>
             <pc:docMk/>
             <pc:sldMk cId="428804301" sldId="266"/>
@@ -704,13 +744,13 @@
         </pc:picChg>
       </pc:sldChg>
       <pc:sldChg chg="modSp new mod">
-        <pc:chgData name="Looby, Charlotte" userId="bf3d6bd8-f166-46a1-964c-bf7b72577bbd" providerId="ADAL" clId="{7B26D5CA-4353-4ECF-916E-671D697ADDAD}" dt="2023-06-21T12:16:33.068" v="5386"/>
+        <pc:chgData name="Looby, Charlotte" userId="bf3d6bd8-f166-46a1-964c-bf7b72577bbd" providerId="ADAL" clId="{7B26D5CA-4353-4ECF-916E-671D697ADDAD}" dt="2023-06-21T16:48:39.131" v="7371" actId="20577"/>
         <pc:sldMkLst>
           <pc:docMk/>
           <pc:sldMk cId="2165220853" sldId="267"/>
         </pc:sldMkLst>
         <pc:spChg chg="mod">
-          <ac:chgData name="Looby, Charlotte" userId="bf3d6bd8-f166-46a1-964c-bf7b72577bbd" providerId="ADAL" clId="{7B26D5CA-4353-4ECF-916E-671D697ADDAD}" dt="2023-06-21T12:16:33.068" v="5386"/>
+          <ac:chgData name="Looby, Charlotte" userId="bf3d6bd8-f166-46a1-964c-bf7b72577bbd" providerId="ADAL" clId="{7B26D5CA-4353-4ECF-916E-671D697ADDAD}" dt="2023-06-21T16:15:30.244" v="7307" actId="1076"/>
           <ac:spMkLst>
             <pc:docMk/>
             <pc:sldMk cId="2165220853" sldId="267"/>
@@ -718,7 +758,7 @@
           </ac:spMkLst>
         </pc:spChg>
         <pc:spChg chg="mod">
-          <ac:chgData name="Looby, Charlotte" userId="bf3d6bd8-f166-46a1-964c-bf7b72577bbd" providerId="ADAL" clId="{7B26D5CA-4353-4ECF-916E-671D697ADDAD}" dt="2023-06-21T12:16:33.068" v="5386"/>
+          <ac:chgData name="Looby, Charlotte" userId="bf3d6bd8-f166-46a1-964c-bf7b72577bbd" providerId="ADAL" clId="{7B26D5CA-4353-4ECF-916E-671D697ADDAD}" dt="2023-06-21T16:48:39.131" v="7371" actId="20577"/>
           <ac:spMkLst>
             <pc:docMk/>
             <pc:sldMk cId="2165220853" sldId="267"/>
@@ -821,7 +861,7 @@
         </pc:sldMkLst>
       </pc:sldChg>
       <pc:sldChg chg="addSp delSp modSp new mod modClrScheme chgLayout">
-        <pc:chgData name="Looby, Charlotte" userId="bf3d6bd8-f166-46a1-964c-bf7b72577bbd" providerId="ADAL" clId="{7B26D5CA-4353-4ECF-916E-671D697ADDAD}" dt="2023-06-21T12:16:33.068" v="5386"/>
+        <pc:chgData name="Looby, Charlotte" userId="bf3d6bd8-f166-46a1-964c-bf7b72577bbd" providerId="ADAL" clId="{7B26D5CA-4353-4ECF-916E-671D697ADDAD}" dt="2023-06-21T15:53:25.545" v="6960" actId="692"/>
         <pc:sldMkLst>
           <pc:docMk/>
           <pc:sldMk cId="3572434294" sldId="269"/>
@@ -867,7 +907,7 @@
           </ac:spMkLst>
         </pc:spChg>
         <pc:picChg chg="add del mod ord">
-          <ac:chgData name="Looby, Charlotte" userId="bf3d6bd8-f166-46a1-964c-bf7b72577bbd" providerId="ADAL" clId="{7B26D5CA-4353-4ECF-916E-671D697ADDAD}" dt="2023-06-20T21:26:13.216" v="4155" actId="700"/>
+          <ac:chgData name="Looby, Charlotte" userId="bf3d6bd8-f166-46a1-964c-bf7b72577bbd" providerId="ADAL" clId="{7B26D5CA-4353-4ECF-916E-671D697ADDAD}" dt="2023-06-21T15:53:20.910" v="6954" actId="692"/>
           <ac:picMkLst>
             <pc:docMk/>
             <pc:sldMk cId="3572434294" sldId="269"/>
@@ -899,7 +939,7 @@
           </ac:picMkLst>
         </pc:picChg>
         <pc:picChg chg="add mod">
-          <ac:chgData name="Looby, Charlotte" userId="bf3d6bd8-f166-46a1-964c-bf7b72577bbd" providerId="ADAL" clId="{7B26D5CA-4353-4ECF-916E-671D697ADDAD}" dt="2023-06-20T20:12:18.519" v="2008" actId="1076"/>
+          <ac:chgData name="Looby, Charlotte" userId="bf3d6bd8-f166-46a1-964c-bf7b72577bbd" providerId="ADAL" clId="{7B26D5CA-4353-4ECF-916E-671D697ADDAD}" dt="2023-06-21T15:53:25.545" v="6960" actId="692"/>
           <ac:picMkLst>
             <pc:docMk/>
             <pc:sldMk cId="3572434294" sldId="269"/>
@@ -916,7 +956,7 @@
         </pc:picChg>
       </pc:sldChg>
       <pc:sldChg chg="addSp delSp modSp new mod">
-        <pc:chgData name="Looby, Charlotte" userId="bf3d6bd8-f166-46a1-964c-bf7b72577bbd" providerId="ADAL" clId="{7B26D5CA-4353-4ECF-916E-671D697ADDAD}" dt="2023-06-21T12:16:33.068" v="5386"/>
+        <pc:chgData name="Looby, Charlotte" userId="bf3d6bd8-f166-46a1-964c-bf7b72577bbd" providerId="ADAL" clId="{7B26D5CA-4353-4ECF-916E-671D697ADDAD}" dt="2023-06-21T15:54:40.362" v="6977" actId="692"/>
         <pc:sldMkLst>
           <pc:docMk/>
           <pc:sldMk cId="2085239359" sldId="270"/>
@@ -938,7 +978,7 @@
           </ac:spMkLst>
         </pc:spChg>
         <pc:picChg chg="add mod">
-          <ac:chgData name="Looby, Charlotte" userId="bf3d6bd8-f166-46a1-964c-bf7b72577bbd" providerId="ADAL" clId="{7B26D5CA-4353-4ECF-916E-671D697ADDAD}" dt="2023-06-20T20:19:15.625" v="2227" actId="1076"/>
+          <ac:chgData name="Looby, Charlotte" userId="bf3d6bd8-f166-46a1-964c-bf7b72577bbd" providerId="ADAL" clId="{7B26D5CA-4353-4ECF-916E-671D697ADDAD}" dt="2023-06-21T15:54:10.064" v="6973" actId="1076"/>
           <ac:picMkLst>
             <pc:docMk/>
             <pc:sldMk cId="2085239359" sldId="270"/>
@@ -962,7 +1002,7 @@
           </ac:picMkLst>
         </pc:picChg>
         <pc:picChg chg="add mod">
-          <ac:chgData name="Looby, Charlotte" userId="bf3d6bd8-f166-46a1-964c-bf7b72577bbd" providerId="ADAL" clId="{7B26D5CA-4353-4ECF-916E-671D697ADDAD}" dt="2023-06-20T20:20:24.516" v="2317" actId="1076"/>
+          <ac:chgData name="Looby, Charlotte" userId="bf3d6bd8-f166-46a1-964c-bf7b72577bbd" providerId="ADAL" clId="{7B26D5CA-4353-4ECF-916E-671D697ADDAD}" dt="2023-06-21T15:54:36.954" v="6976" actId="692"/>
           <ac:picMkLst>
             <pc:docMk/>
             <pc:sldMk cId="2085239359" sldId="270"/>
@@ -970,7 +1010,7 @@
           </ac:picMkLst>
         </pc:picChg>
         <pc:picChg chg="add mod">
-          <ac:chgData name="Looby, Charlotte" userId="bf3d6bd8-f166-46a1-964c-bf7b72577bbd" providerId="ADAL" clId="{7B26D5CA-4353-4ECF-916E-671D697ADDAD}" dt="2023-06-20T20:21:52.408" v="2327" actId="692"/>
+          <ac:chgData name="Looby, Charlotte" userId="bf3d6bd8-f166-46a1-964c-bf7b72577bbd" providerId="ADAL" clId="{7B26D5CA-4353-4ECF-916E-671D697ADDAD}" dt="2023-06-21T15:54:17.218" v="6974" actId="1076"/>
           <ac:picMkLst>
             <pc:docMk/>
             <pc:sldMk cId="2085239359" sldId="270"/>
@@ -978,7 +1018,7 @@
           </ac:picMkLst>
         </pc:picChg>
         <pc:picChg chg="add mod">
-          <ac:chgData name="Looby, Charlotte" userId="bf3d6bd8-f166-46a1-964c-bf7b72577bbd" providerId="ADAL" clId="{7B26D5CA-4353-4ECF-916E-671D697ADDAD}" dt="2023-06-20T20:23:29.014" v="2393" actId="14100"/>
+          <ac:chgData name="Looby, Charlotte" userId="bf3d6bd8-f166-46a1-964c-bf7b72577bbd" providerId="ADAL" clId="{7B26D5CA-4353-4ECF-916E-671D697ADDAD}" dt="2023-06-21T15:54:40.362" v="6977" actId="692"/>
           <ac:picMkLst>
             <pc:docMk/>
             <pc:sldMk cId="2085239359" sldId="270"/>
@@ -987,7 +1027,7 @@
         </pc:picChg>
       </pc:sldChg>
       <pc:sldChg chg="addSp modSp new mod">
-        <pc:chgData name="Looby, Charlotte" userId="bf3d6bd8-f166-46a1-964c-bf7b72577bbd" providerId="ADAL" clId="{7B26D5CA-4353-4ECF-916E-671D697ADDAD}" dt="2023-06-21T12:16:33.068" v="5386"/>
+        <pc:chgData name="Looby, Charlotte" userId="bf3d6bd8-f166-46a1-964c-bf7b72577bbd" providerId="ADAL" clId="{7B26D5CA-4353-4ECF-916E-671D697ADDAD}" dt="2023-06-23T14:46:56.681" v="7425" actId="1076"/>
         <pc:sldMkLst>
           <pc:docMk/>
           <pc:sldMk cId="162872985" sldId="271"/>
@@ -1009,7 +1049,7 @@
           </ac:spMkLst>
         </pc:spChg>
         <pc:picChg chg="add mod">
-          <ac:chgData name="Looby, Charlotte" userId="bf3d6bd8-f166-46a1-964c-bf7b72577bbd" providerId="ADAL" clId="{7B26D5CA-4353-4ECF-916E-671D697ADDAD}" dt="2023-06-20T20:27:38.619" v="2602" actId="14100"/>
+          <ac:chgData name="Looby, Charlotte" userId="bf3d6bd8-f166-46a1-964c-bf7b72577bbd" providerId="ADAL" clId="{7B26D5CA-4353-4ECF-916E-671D697ADDAD}" dt="2023-06-23T14:46:56.681" v="7425" actId="1076"/>
           <ac:picMkLst>
             <pc:docMk/>
             <pc:sldMk cId="162872985" sldId="271"/>
@@ -1017,7 +1057,7 @@
           </ac:picMkLst>
         </pc:picChg>
         <pc:picChg chg="add mod">
-          <ac:chgData name="Looby, Charlotte" userId="bf3d6bd8-f166-46a1-964c-bf7b72577bbd" providerId="ADAL" clId="{7B26D5CA-4353-4ECF-916E-671D697ADDAD}" dt="2023-06-20T20:27:44.190" v="2604" actId="1076"/>
+          <ac:chgData name="Looby, Charlotte" userId="bf3d6bd8-f166-46a1-964c-bf7b72577bbd" providerId="ADAL" clId="{7B26D5CA-4353-4ECF-916E-671D697ADDAD}" dt="2023-06-21T15:55:11.880" v="6988" actId="1076"/>
           <ac:picMkLst>
             <pc:docMk/>
             <pc:sldMk cId="162872985" sldId="271"/>
@@ -1025,7 +1065,7 @@
           </ac:picMkLst>
         </pc:picChg>
         <pc:picChg chg="add mod">
-          <ac:chgData name="Looby, Charlotte" userId="bf3d6bd8-f166-46a1-964c-bf7b72577bbd" providerId="ADAL" clId="{7B26D5CA-4353-4ECF-916E-671D697ADDAD}" dt="2023-06-20T20:29:43.228" v="2688" actId="692"/>
+          <ac:chgData name="Looby, Charlotte" userId="bf3d6bd8-f166-46a1-964c-bf7b72577bbd" providerId="ADAL" clId="{7B26D5CA-4353-4ECF-916E-671D697ADDAD}" dt="2023-06-21T15:55:14.388" v="6989" actId="1076"/>
           <ac:picMkLst>
             <pc:docMk/>
             <pc:sldMk cId="162872985" sldId="271"/>
@@ -1034,7 +1074,7 @@
         </pc:picChg>
       </pc:sldChg>
       <pc:sldChg chg="addSp modSp new mod">
-        <pc:chgData name="Looby, Charlotte" userId="bf3d6bd8-f166-46a1-964c-bf7b72577bbd" providerId="ADAL" clId="{7B26D5CA-4353-4ECF-916E-671D697ADDAD}" dt="2023-06-21T12:16:33.068" v="5386"/>
+        <pc:chgData name="Looby, Charlotte" userId="bf3d6bd8-f166-46a1-964c-bf7b72577bbd" providerId="ADAL" clId="{7B26D5CA-4353-4ECF-916E-671D697ADDAD}" dt="2023-06-21T15:55:25.935" v="6995" actId="692"/>
         <pc:sldMkLst>
           <pc:docMk/>
           <pc:sldMk cId="2104819857" sldId="272"/>
@@ -1056,7 +1096,7 @@
           </ac:spMkLst>
         </pc:spChg>
         <pc:picChg chg="add mod">
-          <ac:chgData name="Looby, Charlotte" userId="bf3d6bd8-f166-46a1-964c-bf7b72577bbd" providerId="ADAL" clId="{7B26D5CA-4353-4ECF-916E-671D697ADDAD}" dt="2023-06-20T20:31:15.814" v="2785" actId="692"/>
+          <ac:chgData name="Looby, Charlotte" userId="bf3d6bd8-f166-46a1-964c-bf7b72577bbd" providerId="ADAL" clId="{7B26D5CA-4353-4ECF-916E-671D697ADDAD}" dt="2023-06-21T15:55:25.935" v="6995" actId="692"/>
           <ac:picMkLst>
             <pc:docMk/>
             <pc:sldMk cId="2104819857" sldId="272"/>
@@ -1119,7 +1159,7 @@
         </pc:spChg>
       </pc:sldChg>
       <pc:sldChg chg="addSp modSp new mod">
-        <pc:chgData name="Looby, Charlotte" userId="bf3d6bd8-f166-46a1-964c-bf7b72577bbd" providerId="ADAL" clId="{7B26D5CA-4353-4ECF-916E-671D697ADDAD}" dt="2023-06-21T12:16:33.068" v="5386"/>
+        <pc:chgData name="Looby, Charlotte" userId="bf3d6bd8-f166-46a1-964c-bf7b72577bbd" providerId="ADAL" clId="{7B26D5CA-4353-4ECF-916E-671D697ADDAD}" dt="2023-06-21T15:55:37.395" v="7002" actId="692"/>
         <pc:sldMkLst>
           <pc:docMk/>
           <pc:sldMk cId="3567726507" sldId="273"/>
@@ -1141,7 +1181,7 @@
           </ac:spMkLst>
         </pc:spChg>
         <pc:picChg chg="add mod">
-          <ac:chgData name="Looby, Charlotte" userId="bf3d6bd8-f166-46a1-964c-bf7b72577bbd" providerId="ADAL" clId="{7B26D5CA-4353-4ECF-916E-671D697ADDAD}" dt="2023-06-20T21:04:33.859" v="3458" actId="692"/>
+          <ac:chgData name="Looby, Charlotte" userId="bf3d6bd8-f166-46a1-964c-bf7b72577bbd" providerId="ADAL" clId="{7B26D5CA-4353-4ECF-916E-671D697ADDAD}" dt="2023-06-21T15:55:34.819" v="7001" actId="692"/>
           <ac:picMkLst>
             <pc:docMk/>
             <pc:sldMk cId="3567726507" sldId="273"/>
@@ -1149,7 +1189,7 @@
           </ac:picMkLst>
         </pc:picChg>
         <pc:picChg chg="add mod">
-          <ac:chgData name="Looby, Charlotte" userId="bf3d6bd8-f166-46a1-964c-bf7b72577bbd" providerId="ADAL" clId="{7B26D5CA-4353-4ECF-916E-671D697ADDAD}" dt="2023-06-20T21:05:03.636" v="3464" actId="1076"/>
+          <ac:chgData name="Looby, Charlotte" userId="bf3d6bd8-f166-46a1-964c-bf7b72577bbd" providerId="ADAL" clId="{7B26D5CA-4353-4ECF-916E-671D697ADDAD}" dt="2023-06-21T15:55:37.395" v="7002" actId="692"/>
           <ac:picMkLst>
             <pc:docMk/>
             <pc:sldMk cId="3567726507" sldId="273"/>
@@ -1158,7 +1198,7 @@
         </pc:picChg>
       </pc:sldChg>
       <pc:sldChg chg="addSp modSp new mod">
-        <pc:chgData name="Looby, Charlotte" userId="bf3d6bd8-f166-46a1-964c-bf7b72577bbd" providerId="ADAL" clId="{7B26D5CA-4353-4ECF-916E-671D697ADDAD}" dt="2023-06-21T12:16:33.068" v="5386"/>
+        <pc:chgData name="Looby, Charlotte" userId="bf3d6bd8-f166-46a1-964c-bf7b72577bbd" providerId="ADAL" clId="{7B26D5CA-4353-4ECF-916E-671D697ADDAD}" dt="2023-06-21T15:55:48.736" v="7009" actId="692"/>
         <pc:sldMkLst>
           <pc:docMk/>
           <pc:sldMk cId="1651651205" sldId="274"/>
@@ -1180,7 +1220,7 @@
           </ac:spMkLst>
         </pc:spChg>
         <pc:picChg chg="add mod">
-          <ac:chgData name="Looby, Charlotte" userId="bf3d6bd8-f166-46a1-964c-bf7b72577bbd" providerId="ADAL" clId="{7B26D5CA-4353-4ECF-916E-671D697ADDAD}" dt="2023-06-20T21:07:53.909" v="3730" actId="692"/>
+          <ac:chgData name="Looby, Charlotte" userId="bf3d6bd8-f166-46a1-964c-bf7b72577bbd" providerId="ADAL" clId="{7B26D5CA-4353-4ECF-916E-671D697ADDAD}" dt="2023-06-21T15:55:46.335" v="7008" actId="692"/>
           <ac:picMkLst>
             <pc:docMk/>
             <pc:sldMk cId="1651651205" sldId="274"/>
@@ -1188,7 +1228,7 @@
           </ac:picMkLst>
         </pc:picChg>
         <pc:picChg chg="add mod">
-          <ac:chgData name="Looby, Charlotte" userId="bf3d6bd8-f166-46a1-964c-bf7b72577bbd" providerId="ADAL" clId="{7B26D5CA-4353-4ECF-916E-671D697ADDAD}" dt="2023-06-20T21:08:16.078" v="3732" actId="1076"/>
+          <ac:chgData name="Looby, Charlotte" userId="bf3d6bd8-f166-46a1-964c-bf7b72577bbd" providerId="ADAL" clId="{7B26D5CA-4353-4ECF-916E-671D697ADDAD}" dt="2023-06-21T15:55:48.736" v="7009" actId="692"/>
           <ac:picMkLst>
             <pc:docMk/>
             <pc:sldMk cId="1651651205" sldId="274"/>
@@ -1197,7 +1237,7 @@
         </pc:picChg>
       </pc:sldChg>
       <pc:sldChg chg="addSp modSp new mod">
-        <pc:chgData name="Looby, Charlotte" userId="bf3d6bd8-f166-46a1-964c-bf7b72577bbd" providerId="ADAL" clId="{7B26D5CA-4353-4ECF-916E-671D697ADDAD}" dt="2023-06-21T12:16:33.068" v="5386"/>
+        <pc:chgData name="Looby, Charlotte" userId="bf3d6bd8-f166-46a1-964c-bf7b72577bbd" providerId="ADAL" clId="{7B26D5CA-4353-4ECF-916E-671D697ADDAD}" dt="2023-06-21T15:52:51.451" v="6935" actId="692"/>
         <pc:sldMkLst>
           <pc:docMk/>
           <pc:sldMk cId="1803903226" sldId="275"/>
@@ -1211,7 +1251,7 @@
           </ac:spMkLst>
         </pc:spChg>
         <pc:spChg chg="mod">
-          <ac:chgData name="Looby, Charlotte" userId="bf3d6bd8-f166-46a1-964c-bf7b72577bbd" providerId="ADAL" clId="{7B26D5CA-4353-4ECF-916E-671D697ADDAD}" dt="2023-06-21T12:16:33.068" v="5386"/>
+          <ac:chgData name="Looby, Charlotte" userId="bf3d6bd8-f166-46a1-964c-bf7b72577bbd" providerId="ADAL" clId="{7B26D5CA-4353-4ECF-916E-671D697ADDAD}" dt="2023-06-21T15:20:57.421" v="6784" actId="20577"/>
           <ac:spMkLst>
             <pc:docMk/>
             <pc:sldMk cId="1803903226" sldId="275"/>
@@ -1219,7 +1259,7 @@
           </ac:spMkLst>
         </pc:spChg>
         <pc:picChg chg="add mod">
-          <ac:chgData name="Looby, Charlotte" userId="bf3d6bd8-f166-46a1-964c-bf7b72577bbd" providerId="ADAL" clId="{7B26D5CA-4353-4ECF-916E-671D697ADDAD}" dt="2023-06-20T21:56:52.116" v="4684" actId="692"/>
+          <ac:chgData name="Looby, Charlotte" userId="bf3d6bd8-f166-46a1-964c-bf7b72577bbd" providerId="ADAL" clId="{7B26D5CA-4353-4ECF-916E-671D697ADDAD}" dt="2023-06-21T15:52:46.314" v="6929" actId="692"/>
           <ac:picMkLst>
             <pc:docMk/>
             <pc:sldMk cId="1803903226" sldId="275"/>
@@ -1227,7 +1267,7 @@
           </ac:picMkLst>
         </pc:picChg>
         <pc:picChg chg="add mod">
-          <ac:chgData name="Looby, Charlotte" userId="bf3d6bd8-f166-46a1-964c-bf7b72577bbd" providerId="ADAL" clId="{7B26D5CA-4353-4ECF-916E-671D697ADDAD}" dt="2023-06-20T21:57:59.083" v="4729" actId="14100"/>
+          <ac:chgData name="Looby, Charlotte" userId="bf3d6bd8-f166-46a1-964c-bf7b72577bbd" providerId="ADAL" clId="{7B26D5CA-4353-4ECF-916E-671D697ADDAD}" dt="2023-06-21T15:52:51.451" v="6935" actId="692"/>
           <ac:picMkLst>
             <pc:docMk/>
             <pc:sldMk cId="1803903226" sldId="275"/>
@@ -1236,13 +1276,13 @@
         </pc:picChg>
       </pc:sldChg>
       <pc:sldChg chg="modSp new mod">
-        <pc:chgData name="Looby, Charlotte" userId="bf3d6bd8-f166-46a1-964c-bf7b72577bbd" providerId="ADAL" clId="{7B26D5CA-4353-4ECF-916E-671D697ADDAD}" dt="2023-06-21T12:18:05.002" v="5398" actId="20577"/>
+        <pc:chgData name="Looby, Charlotte" userId="bf3d6bd8-f166-46a1-964c-bf7b72577bbd" providerId="ADAL" clId="{7B26D5CA-4353-4ECF-916E-671D697ADDAD}" dt="2023-06-21T16:02:58.030" v="7303" actId="207"/>
         <pc:sldMkLst>
           <pc:docMk/>
           <pc:sldMk cId="1930796634" sldId="276"/>
         </pc:sldMkLst>
         <pc:spChg chg="mod">
-          <ac:chgData name="Looby, Charlotte" userId="bf3d6bd8-f166-46a1-964c-bf7b72577bbd" providerId="ADAL" clId="{7B26D5CA-4353-4ECF-916E-671D697ADDAD}" dt="2023-06-21T12:16:33.068" v="5386"/>
+          <ac:chgData name="Looby, Charlotte" userId="bf3d6bd8-f166-46a1-964c-bf7b72577bbd" providerId="ADAL" clId="{7B26D5CA-4353-4ECF-916E-671D697ADDAD}" dt="2023-06-21T16:02:58.030" v="7303" actId="207"/>
           <ac:spMkLst>
             <pc:docMk/>
             <pc:sldMk cId="1930796634" sldId="276"/>
@@ -1259,13 +1299,13 @@
         </pc:spChg>
       </pc:sldChg>
       <pc:sldChg chg="modSp new mod">
-        <pc:chgData name="Looby, Charlotte" userId="bf3d6bd8-f166-46a1-964c-bf7b72577bbd" providerId="ADAL" clId="{7B26D5CA-4353-4ECF-916E-671D697ADDAD}" dt="2023-06-21T15:05:34.186" v="6505" actId="20577"/>
+        <pc:chgData name="Looby, Charlotte" userId="bf3d6bd8-f166-46a1-964c-bf7b72577bbd" providerId="ADAL" clId="{7B26D5CA-4353-4ECF-916E-671D697ADDAD}" dt="2023-06-21T16:03:04.798" v="7304" actId="207"/>
         <pc:sldMkLst>
           <pc:docMk/>
           <pc:sldMk cId="14179200" sldId="277"/>
         </pc:sldMkLst>
         <pc:spChg chg="mod">
-          <ac:chgData name="Looby, Charlotte" userId="bf3d6bd8-f166-46a1-964c-bf7b72577bbd" providerId="ADAL" clId="{7B26D5CA-4353-4ECF-916E-671D697ADDAD}" dt="2023-06-21T12:18:59.866" v="5443" actId="207"/>
+          <ac:chgData name="Looby, Charlotte" userId="bf3d6bd8-f166-46a1-964c-bf7b72577bbd" providerId="ADAL" clId="{7B26D5CA-4353-4ECF-916E-671D697ADDAD}" dt="2023-06-21T16:03:04.798" v="7304" actId="207"/>
           <ac:spMkLst>
             <pc:docMk/>
             <pc:sldMk cId="14179200" sldId="277"/>
@@ -1282,7 +1322,7 @@
         </pc:spChg>
       </pc:sldChg>
       <pc:sldChg chg="addSp delSp modSp new mod ord">
-        <pc:chgData name="Looby, Charlotte" userId="bf3d6bd8-f166-46a1-964c-bf7b72577bbd" providerId="ADAL" clId="{7B26D5CA-4353-4ECF-916E-671D697ADDAD}" dt="2023-06-21T12:36:22.568" v="5990" actId="1076"/>
+        <pc:chgData name="Looby, Charlotte" userId="bf3d6bd8-f166-46a1-964c-bf7b72577bbd" providerId="ADAL" clId="{7B26D5CA-4353-4ECF-916E-671D697ADDAD}" dt="2023-06-21T15:56:19.337" v="7034" actId="692"/>
         <pc:sldMkLst>
           <pc:docMk/>
           <pc:sldMk cId="3947315685" sldId="278"/>
@@ -1304,7 +1344,7 @@
           </ac:spMkLst>
         </pc:spChg>
         <pc:picChg chg="add mod ord">
-          <ac:chgData name="Looby, Charlotte" userId="bf3d6bd8-f166-46a1-964c-bf7b72577bbd" providerId="ADAL" clId="{7B26D5CA-4353-4ECF-916E-671D697ADDAD}" dt="2023-06-21T12:36:22.568" v="5990" actId="1076"/>
+          <ac:chgData name="Looby, Charlotte" userId="bf3d6bd8-f166-46a1-964c-bf7b72577bbd" providerId="ADAL" clId="{7B26D5CA-4353-4ECF-916E-671D697ADDAD}" dt="2023-06-21T15:56:19.337" v="7034" actId="692"/>
           <ac:picMkLst>
             <pc:docMk/>
             <pc:sldMk cId="3947315685" sldId="278"/>
@@ -1321,7 +1361,7 @@
         </pc:picChg>
       </pc:sldChg>
       <pc:sldChg chg="addSp delSp modSp new mod">
-        <pc:chgData name="Looby, Charlotte" userId="bf3d6bd8-f166-46a1-964c-bf7b72577bbd" providerId="ADAL" clId="{7B26D5CA-4353-4ECF-916E-671D697ADDAD}" dt="2023-06-21T12:46:47.276" v="6071"/>
+        <pc:chgData name="Looby, Charlotte" userId="bf3d6bd8-f166-46a1-964c-bf7b72577bbd" providerId="ADAL" clId="{7B26D5CA-4353-4ECF-916E-671D697ADDAD}" dt="2023-06-21T15:56:28.318" v="7040" actId="692"/>
         <pc:sldMkLst>
           <pc:docMk/>
           <pc:sldMk cId="3962177149" sldId="279"/>
@@ -1351,7 +1391,7 @@
           </ac:spMkLst>
         </pc:spChg>
         <pc:picChg chg="add mod ord">
-          <ac:chgData name="Looby, Charlotte" userId="bf3d6bd8-f166-46a1-964c-bf7b72577bbd" providerId="ADAL" clId="{7B26D5CA-4353-4ECF-916E-671D697ADDAD}" dt="2023-06-21T12:43:41.757" v="6043" actId="692"/>
+          <ac:chgData name="Looby, Charlotte" userId="bf3d6bd8-f166-46a1-964c-bf7b72577bbd" providerId="ADAL" clId="{7B26D5CA-4353-4ECF-916E-671D697ADDAD}" dt="2023-06-21T15:56:28.318" v="7040" actId="692"/>
           <ac:picMkLst>
             <pc:docMk/>
             <pc:sldMk cId="3962177149" sldId="279"/>
@@ -1423,7 +1463,7 @@
         </pc:picChg>
       </pc:sldChg>
       <pc:sldChg chg="addSp modSp new mod">
-        <pc:chgData name="Looby, Charlotte" userId="bf3d6bd8-f166-46a1-964c-bf7b72577bbd" providerId="ADAL" clId="{7B26D5CA-4353-4ECF-916E-671D697ADDAD}" dt="2023-06-21T15:03:10.208" v="6259" actId="1076"/>
+        <pc:chgData name="Looby, Charlotte" userId="bf3d6bd8-f166-46a1-964c-bf7b72577bbd" providerId="ADAL" clId="{7B26D5CA-4353-4ECF-916E-671D697ADDAD}" dt="2023-06-21T15:56:50.389" v="7055" actId="692"/>
         <pc:sldMkLst>
           <pc:docMk/>
           <pc:sldMk cId="933155884" sldId="281"/>
@@ -1453,7 +1493,7 @@
           </ac:spMkLst>
         </pc:spChg>
         <pc:picChg chg="add mod">
-          <ac:chgData name="Looby, Charlotte" userId="bf3d6bd8-f166-46a1-964c-bf7b72577bbd" providerId="ADAL" clId="{7B26D5CA-4353-4ECF-916E-671D697ADDAD}" dt="2023-06-21T15:01:55.289" v="6219" actId="1076"/>
+          <ac:chgData name="Looby, Charlotte" userId="bf3d6bd8-f166-46a1-964c-bf7b72577bbd" providerId="ADAL" clId="{7B26D5CA-4353-4ECF-916E-671D697ADDAD}" dt="2023-06-21T15:56:50.389" v="7055" actId="692"/>
           <ac:picMkLst>
             <pc:docMk/>
             <pc:sldMk cId="933155884" sldId="281"/>
@@ -1478,13 +1518,13 @@
         </pc:picChg>
       </pc:sldChg>
       <pc:sldChg chg="modSp new mod">
-        <pc:chgData name="Looby, Charlotte" userId="bf3d6bd8-f166-46a1-964c-bf7b72577bbd" providerId="ADAL" clId="{7B26D5CA-4353-4ECF-916E-671D697ADDAD}" dt="2023-06-21T15:08:05.864" v="6662" actId="207"/>
+        <pc:chgData name="Looby, Charlotte" userId="bf3d6bd8-f166-46a1-964c-bf7b72577bbd" providerId="ADAL" clId="{7B26D5CA-4353-4ECF-916E-671D697ADDAD}" dt="2023-06-21T16:03:11.151" v="7305" actId="207"/>
         <pc:sldMkLst>
           <pc:docMk/>
           <pc:sldMk cId="3572648947" sldId="282"/>
         </pc:sldMkLst>
         <pc:spChg chg="mod">
-          <ac:chgData name="Looby, Charlotte" userId="bf3d6bd8-f166-46a1-964c-bf7b72577bbd" providerId="ADAL" clId="{7B26D5CA-4353-4ECF-916E-671D697ADDAD}" dt="2023-06-21T15:08:05.864" v="6662" actId="207"/>
+          <ac:chgData name="Looby, Charlotte" userId="bf3d6bd8-f166-46a1-964c-bf7b72577bbd" providerId="ADAL" clId="{7B26D5CA-4353-4ECF-916E-671D697ADDAD}" dt="2023-06-21T16:03:11.151" v="7305" actId="207"/>
           <ac:spMkLst>
             <pc:docMk/>
             <pc:sldMk cId="3572648947" sldId="282"/>
@@ -1501,13 +1541,13 @@
         </pc:spChg>
       </pc:sldChg>
       <pc:sldChg chg="modSp new mod">
-        <pc:chgData name="Looby, Charlotte" userId="bf3d6bd8-f166-46a1-964c-bf7b72577bbd" providerId="ADAL" clId="{7B26D5CA-4353-4ECF-916E-671D697ADDAD}" dt="2023-06-21T15:15:58.558" v="6776" actId="14100"/>
+        <pc:chgData name="Looby, Charlotte" userId="bf3d6bd8-f166-46a1-964c-bf7b72577bbd" providerId="ADAL" clId="{7B26D5CA-4353-4ECF-916E-671D697ADDAD}" dt="2023-06-23T14:39:58.417" v="7420" actId="20577"/>
         <pc:sldMkLst>
           <pc:docMk/>
           <pc:sldMk cId="3624614859" sldId="283"/>
         </pc:sldMkLst>
         <pc:spChg chg="mod">
-          <ac:chgData name="Looby, Charlotte" userId="bf3d6bd8-f166-46a1-964c-bf7b72577bbd" providerId="ADAL" clId="{7B26D5CA-4353-4ECF-916E-671D697ADDAD}" dt="2023-06-21T15:07:57.860" v="6661" actId="207"/>
+          <ac:chgData name="Looby, Charlotte" userId="bf3d6bd8-f166-46a1-964c-bf7b72577bbd" providerId="ADAL" clId="{7B26D5CA-4353-4ECF-916E-671D697ADDAD}" dt="2023-06-23T14:39:58.417" v="7420" actId="20577"/>
           <ac:spMkLst>
             <pc:docMk/>
             <pc:sldMk cId="3624614859" sldId="283"/>
@@ -1524,13 +1564,13 @@
         </pc:spChg>
       </pc:sldChg>
       <pc:sldChg chg="modSp new mod">
-        <pc:chgData name="Looby, Charlotte" userId="bf3d6bd8-f166-46a1-964c-bf7b72577bbd" providerId="ADAL" clId="{7B26D5CA-4353-4ECF-916E-671D697ADDAD}" dt="2023-06-21T15:09:34.779" v="6772" actId="20577"/>
+        <pc:chgData name="Looby, Charlotte" userId="bf3d6bd8-f166-46a1-964c-bf7b72577bbd" providerId="ADAL" clId="{7B26D5CA-4353-4ECF-916E-671D697ADDAD}" dt="2023-06-21T16:03:16.985" v="7306" actId="207"/>
         <pc:sldMkLst>
           <pc:docMk/>
           <pc:sldMk cId="2409939731" sldId="284"/>
         </pc:sldMkLst>
         <pc:spChg chg="mod">
-          <ac:chgData name="Looby, Charlotte" userId="bf3d6bd8-f166-46a1-964c-bf7b72577bbd" providerId="ADAL" clId="{7B26D5CA-4353-4ECF-916E-671D697ADDAD}" dt="2023-06-21T15:08:22.528" v="6699" actId="207"/>
+          <ac:chgData name="Looby, Charlotte" userId="bf3d6bd8-f166-46a1-964c-bf7b72577bbd" providerId="ADAL" clId="{7B26D5CA-4353-4ECF-916E-671D697ADDAD}" dt="2023-06-21T16:03:16.985" v="7306" actId="207"/>
           <ac:spMkLst>
             <pc:docMk/>
             <pc:sldMk cId="2409939731" sldId="284"/>
@@ -1784,7 +1824,7 @@
           <a:p>
             <a:fld id="{10DABE82-0F0B-4104-BFF9-C1E06061CEC4}" type="datetimeFigureOut">
               <a:rPr lang="en-US" smtClean="0"/>
-              <a:t>6/21/2023</a:t>
+              <a:t>6/23/2023</a:t>
             </a:fld>
             <a:endParaRPr lang="en-US"/>
           </a:p>
@@ -2082,7 +2122,7 @@
           <a:p>
             <a:fld id="{10DABE82-0F0B-4104-BFF9-C1E06061CEC4}" type="datetimeFigureOut">
               <a:rPr lang="en-US" smtClean="0"/>
-              <a:t>6/21/2023</a:t>
+              <a:t>6/23/2023</a:t>
             </a:fld>
             <a:endParaRPr lang="en-US"/>
           </a:p>
@@ -2274,7 +2314,7 @@
           <a:p>
             <a:fld id="{10DABE82-0F0B-4104-BFF9-C1E06061CEC4}" type="datetimeFigureOut">
               <a:rPr lang="en-US" smtClean="0"/>
-              <a:t>6/21/2023</a:t>
+              <a:t>6/23/2023</a:t>
             </a:fld>
             <a:endParaRPr lang="en-US"/>
           </a:p>
@@ -2535,7 +2575,7 @@
           <a:p>
             <a:fld id="{10DABE82-0F0B-4104-BFF9-C1E06061CEC4}" type="datetimeFigureOut">
               <a:rPr lang="en-US" smtClean="0"/>
-              <a:t>6/21/2023</a:t>
+              <a:t>6/23/2023</a:t>
             </a:fld>
             <a:endParaRPr lang="en-US"/>
           </a:p>
@@ -2959,7 +2999,7 @@
           <a:p>
             <a:fld id="{10DABE82-0F0B-4104-BFF9-C1E06061CEC4}" type="datetimeFigureOut">
               <a:rPr lang="en-US" smtClean="0"/>
-              <a:t>6/21/2023</a:t>
+              <a:t>6/23/2023</a:t>
             </a:fld>
             <a:endParaRPr lang="en-US"/>
           </a:p>
@@ -3496,7 +3536,7 @@
           <a:p>
             <a:fld id="{10DABE82-0F0B-4104-BFF9-C1E06061CEC4}" type="datetimeFigureOut">
               <a:rPr lang="en-US" smtClean="0"/>
-              <a:t>6/21/2023</a:t>
+              <a:t>6/23/2023</a:t>
             </a:fld>
             <a:endParaRPr lang="en-US"/>
           </a:p>
@@ -4360,7 +4400,7 @@
           <a:p>
             <a:fld id="{10DABE82-0F0B-4104-BFF9-C1E06061CEC4}" type="datetimeFigureOut">
               <a:rPr lang="en-US" smtClean="0"/>
-              <a:t>6/21/2023</a:t>
+              <a:t>6/23/2023</a:t>
             </a:fld>
             <a:endParaRPr lang="en-US"/>
           </a:p>
@@ -4530,7 +4570,7 @@
           <a:p>
             <a:fld id="{10DABE82-0F0B-4104-BFF9-C1E06061CEC4}" type="datetimeFigureOut">
               <a:rPr lang="en-US" smtClean="0"/>
-              <a:t>6/21/2023</a:t>
+              <a:t>6/23/2023</a:t>
             </a:fld>
             <a:endParaRPr lang="en-US"/>
           </a:p>
@@ -4714,7 +4754,7 @@
           <a:p>
             <a:fld id="{10DABE82-0F0B-4104-BFF9-C1E06061CEC4}" type="datetimeFigureOut">
               <a:rPr lang="en-US" smtClean="0"/>
-              <a:t>6/21/2023</a:t>
+              <a:t>6/23/2023</a:t>
             </a:fld>
             <a:endParaRPr lang="en-US"/>
           </a:p>
@@ -4884,7 +4924,7 @@
           <a:p>
             <a:fld id="{10DABE82-0F0B-4104-BFF9-C1E06061CEC4}" type="datetimeFigureOut">
               <a:rPr lang="en-US" smtClean="0"/>
-              <a:t>6/21/2023</a:t>
+              <a:t>6/23/2023</a:t>
             </a:fld>
             <a:endParaRPr lang="en-US"/>
           </a:p>
@@ -5128,7 +5168,7 @@
           <a:p>
             <a:fld id="{10DABE82-0F0B-4104-BFF9-C1E06061CEC4}" type="datetimeFigureOut">
               <a:rPr lang="en-US" smtClean="0"/>
-              <a:t>6/21/2023</a:t>
+              <a:t>6/23/2023</a:t>
             </a:fld>
             <a:endParaRPr lang="en-US"/>
           </a:p>
@@ -5364,7 +5404,7 @@
           <a:p>
             <a:fld id="{10DABE82-0F0B-4104-BFF9-C1E06061CEC4}" type="datetimeFigureOut">
               <a:rPr lang="en-US" smtClean="0"/>
-              <a:t>6/21/2023</a:t>
+              <a:t>6/23/2023</a:t>
             </a:fld>
             <a:endParaRPr lang="en-US"/>
           </a:p>
@@ -5830,7 +5870,7 @@
           <a:p>
             <a:fld id="{10DABE82-0F0B-4104-BFF9-C1E06061CEC4}" type="datetimeFigureOut">
               <a:rPr lang="en-US" smtClean="0"/>
-              <a:t>6/21/2023</a:t>
+              <a:t>6/23/2023</a:t>
             </a:fld>
             <a:endParaRPr lang="en-US"/>
           </a:p>
@@ -5948,7 +5988,7 @@
           <a:p>
             <a:fld id="{10DABE82-0F0B-4104-BFF9-C1E06061CEC4}" type="datetimeFigureOut">
               <a:rPr lang="en-US" smtClean="0"/>
-              <a:t>6/21/2023</a:t>
+              <a:t>6/23/2023</a:t>
             </a:fld>
             <a:endParaRPr lang="en-US"/>
           </a:p>
@@ -6043,7 +6083,7 @@
           <a:p>
             <a:fld id="{10DABE82-0F0B-4104-BFF9-C1E06061CEC4}" type="datetimeFigureOut">
               <a:rPr lang="en-US" smtClean="0"/>
-              <a:t>6/21/2023</a:t>
+              <a:t>6/23/2023</a:t>
             </a:fld>
             <a:endParaRPr lang="en-US"/>
           </a:p>
@@ -6298,7 +6338,7 @@
           <a:p>
             <a:fld id="{10DABE82-0F0B-4104-BFF9-C1E06061CEC4}" type="datetimeFigureOut">
               <a:rPr lang="en-US" smtClean="0"/>
-              <a:t>6/21/2023</a:t>
+              <a:t>6/23/2023</a:t>
             </a:fld>
             <a:endParaRPr lang="en-US"/>
           </a:p>
@@ -6598,7 +6638,7 @@
           <a:p>
             <a:fld id="{10DABE82-0F0B-4104-BFF9-C1E06061CEC4}" type="datetimeFigureOut">
               <a:rPr lang="en-US" smtClean="0"/>
-              <a:t>6/21/2023</a:t>
+              <a:t>6/23/2023</a:t>
             </a:fld>
             <a:endParaRPr lang="en-US"/>
           </a:p>
@@ -6832,7 +6872,7 @@
           <a:p>
             <a:fld id="{10DABE82-0F0B-4104-BFF9-C1E06061CEC4}" type="datetimeFigureOut">
               <a:rPr lang="en-US" smtClean="0"/>
-              <a:t>6/21/2023</a:t>
+              <a:t>6/23/2023</a:t>
             </a:fld>
             <a:endParaRPr lang="en-US"/>
           </a:p>
@@ -7530,10 +7570,7 @@
             <a:br>
               <a:rPr lang="en-US" dirty="0"/>
             </a:br>
-            <a:r>
-              <a:rPr lang="en-US" dirty="0"/>
-              <a:t>R Workshop – Tech</a:t>
-            </a:r>
+            <a:endParaRPr lang="en-US" dirty="0"/>
           </a:p>
         </p:txBody>
       </p:sp>
@@ -7556,9 +7593,15 @@
         <p:spPr/>
         <p:txBody>
           <a:bodyPr>
-            <a:normAutofit/>
+            <a:normAutofit fontScale="85000" lnSpcReduction="10000"/>
           </a:bodyPr>
           <a:lstStyle/>
+          <a:p>
+            <a:r>
+              <a:rPr lang="en-US" dirty="0"/>
+              <a:t>R Workshop – Tech</a:t>
+            </a:r>
+          </a:p>
           <a:p>
             <a:r>
               <a:rPr lang="en-US" dirty="0"/>
@@ -7735,15 +7778,15 @@
         </p:blipFill>
         <p:spPr>
           <a:xfrm>
-            <a:off x="1241569" y="2724453"/>
+            <a:off x="1260042" y="2595998"/>
             <a:ext cx="7487390" cy="347951"/>
           </a:xfrm>
           <a:prstGeom prst="rect">
             <a:avLst/>
           </a:prstGeom>
-          <a:ln w="25400">
+          <a:ln w="9525">
             <a:solidFill>
-              <a:srgbClr val="FFC000"/>
+              <a:srgbClr val="0070C0"/>
             </a:solidFill>
           </a:ln>
         </p:spPr>
@@ -7776,6 +7819,11 @@
           <a:prstGeom prst="rect">
             <a:avLst/>
           </a:prstGeom>
+          <a:ln>
+            <a:solidFill>
+              <a:srgbClr val="0070C0"/>
+            </a:solidFill>
+          </a:ln>
         </p:spPr>
       </p:pic>
       <p:pic>
@@ -7800,15 +7848,15 @@
         </p:blipFill>
         <p:spPr>
           <a:xfrm>
-            <a:off x="1173480" y="4265905"/>
+            <a:off x="1173480" y="4193999"/>
             <a:ext cx="6738879" cy="336944"/>
           </a:xfrm>
           <a:prstGeom prst="rect">
             <a:avLst/>
           </a:prstGeom>
-          <a:ln w="25400">
+          <a:ln w="9525">
             <a:solidFill>
-              <a:srgbClr val="FFC000"/>
+              <a:srgbClr val="0070C0"/>
             </a:solidFill>
           </a:ln>
         </p:spPr>
@@ -7835,12 +7883,17 @@
         </p:blipFill>
         <p:spPr>
           <a:xfrm>
-            <a:off x="1173480" y="5327959"/>
+            <a:off x="1173480" y="5203023"/>
             <a:ext cx="5355883" cy="963815"/>
           </a:xfrm>
           <a:prstGeom prst="rect">
             <a:avLst/>
           </a:prstGeom>
+          <a:ln>
+            <a:solidFill>
+              <a:srgbClr val="0070C0"/>
+            </a:solidFill>
+          </a:ln>
         </p:spPr>
       </p:pic>
     </p:spTree>
@@ -7994,12 +8047,17 @@
         </p:blipFill>
         <p:spPr>
           <a:xfrm>
-            <a:off x="1191597" y="2217380"/>
+            <a:off x="1191597" y="2126108"/>
             <a:ext cx="6198248" cy="799145"/>
           </a:xfrm>
           <a:prstGeom prst="rect">
             <a:avLst/>
           </a:prstGeom>
+          <a:ln>
+            <a:solidFill>
+              <a:srgbClr val="0070C0"/>
+            </a:solidFill>
+          </a:ln>
         </p:spPr>
       </p:pic>
       <p:pic>
@@ -8024,12 +8082,17 @@
         </p:blipFill>
         <p:spPr>
           <a:xfrm>
-            <a:off x="543994" y="3625664"/>
+            <a:off x="562467" y="3471311"/>
             <a:ext cx="11458575" cy="581025"/>
           </a:xfrm>
           <a:prstGeom prst="rect">
             <a:avLst/>
           </a:prstGeom>
+          <a:ln>
+            <a:solidFill>
+              <a:srgbClr val="0070C0"/>
+            </a:solidFill>
+          </a:ln>
         </p:spPr>
       </p:pic>
       <p:pic>
@@ -8054,15 +8117,15 @@
         </p:blipFill>
         <p:spPr>
           <a:xfrm>
-            <a:off x="1191597" y="4918882"/>
+            <a:off x="1191597" y="4761256"/>
             <a:ext cx="6134457" cy="950212"/>
           </a:xfrm>
           <a:prstGeom prst="rect">
             <a:avLst/>
           </a:prstGeom>
-          <a:ln w="25400">
+          <a:ln w="9525">
             <a:solidFill>
-              <a:srgbClr val="FFC000"/>
+              <a:srgbClr val="0070C0"/>
             </a:solidFill>
           </a:ln>
         </p:spPr>
@@ -8190,9 +8253,9 @@
           <a:prstGeom prst="rect">
             <a:avLst/>
           </a:prstGeom>
-          <a:ln w="25400">
+          <a:ln w="9525">
             <a:solidFill>
-              <a:srgbClr val="FFC000"/>
+              <a:srgbClr val="0070C0"/>
             </a:solidFill>
           </a:ln>
         </p:spPr>
@@ -8281,7 +8344,7 @@
             <a:r>
               <a:rPr lang="en-US" dirty="0">
                 <a:solidFill>
-                  <a:srgbClr val="00B0F0"/>
+                  <a:srgbClr val="92D050"/>
                 </a:solidFill>
               </a:rPr>
               <a:t>Exercise #1: Formatting Data</a:t>
@@ -8528,9 +8591,9 @@
           <a:prstGeom prst="rect">
             <a:avLst/>
           </a:prstGeom>
-          <a:ln w="25400">
+          <a:ln w="9525">
             <a:solidFill>
-              <a:srgbClr val="FFC000"/>
+              <a:srgbClr val="0070C0"/>
             </a:solidFill>
           </a:ln>
         </p:spPr>
@@ -8563,6 +8626,11 @@
           <a:prstGeom prst="rect">
             <a:avLst/>
           </a:prstGeom>
+          <a:ln>
+            <a:solidFill>
+              <a:srgbClr val="0070C0"/>
+            </a:solidFill>
+          </a:ln>
         </p:spPr>
       </p:pic>
     </p:spTree>
@@ -8684,9 +8752,9 @@
           <a:prstGeom prst="rect">
             <a:avLst/>
           </a:prstGeom>
-          <a:ln w="25400">
+          <a:ln w="9525">
             <a:solidFill>
-              <a:srgbClr val="FFC000"/>
+              <a:srgbClr val="0070C0"/>
             </a:solidFill>
           </a:ln>
         </p:spPr>
@@ -8719,6 +8787,11 @@
           <a:prstGeom prst="rect">
             <a:avLst/>
           </a:prstGeom>
+          <a:ln>
+            <a:solidFill>
+              <a:srgbClr val="0070C0"/>
+            </a:solidFill>
+          </a:ln>
         </p:spPr>
       </p:pic>
     </p:spTree>
@@ -8846,9 +8919,9 @@
           <a:prstGeom prst="rect">
             <a:avLst/>
           </a:prstGeom>
-          <a:ln w="25400">
+          <a:ln w="9525">
             <a:solidFill>
-              <a:srgbClr val="FFC000"/>
+              <a:srgbClr val="0070C0"/>
             </a:solidFill>
           </a:ln>
         </p:spPr>
@@ -8881,6 +8954,11 @@
           <a:prstGeom prst="rect">
             <a:avLst/>
           </a:prstGeom>
+          <a:ln>
+            <a:solidFill>
+              <a:srgbClr val="0070C0"/>
+            </a:solidFill>
+          </a:ln>
         </p:spPr>
       </p:pic>
     </p:spTree>
@@ -9025,9 +9103,9 @@
           <a:prstGeom prst="rect">
             <a:avLst/>
           </a:prstGeom>
-          <a:ln w="25400">
+          <a:ln w="9525">
             <a:solidFill>
-              <a:srgbClr val="FFC000"/>
+              <a:srgbClr val="0070C0"/>
             </a:solidFill>
           </a:ln>
         </p:spPr>
@@ -9131,9 +9209,9 @@
           <a:prstGeom prst="rect">
             <a:avLst/>
           </a:prstGeom>
-          <a:ln w="25400">
+          <a:ln w="9525">
             <a:solidFill>
-              <a:srgbClr val="FFC000"/>
+              <a:srgbClr val="0070C0"/>
             </a:solidFill>
           </a:ln>
         </p:spPr>
@@ -9268,9 +9346,9 @@
             <a:off x="1881525" y="1340322"/>
             <a:ext cx="7858125" cy="609600"/>
           </a:xfrm>
-          <a:ln w="25400">
+          <a:ln w="9525">
             <a:solidFill>
-              <a:srgbClr val="FFC000"/>
+              <a:srgbClr val="0070C0"/>
             </a:solidFill>
           </a:ln>
         </p:spPr>
@@ -9403,9 +9481,9 @@
             <a:off x="1937182" y="1132681"/>
             <a:ext cx="7772400" cy="990600"/>
           </a:xfrm>
-          <a:ln w="25400">
+          <a:ln w="9525">
             <a:solidFill>
-              <a:srgbClr val="FFC000"/>
+              <a:srgbClr val="0070C0"/>
             </a:solidFill>
           </a:ln>
         </p:spPr>
@@ -9590,7 +9668,10 @@
               <a:rPr lang="en-US" dirty="0" err="1"/>
               <a:t>Tidyverse</a:t>
             </a:r>
-            <a:endParaRPr lang="en-US" dirty="0"/>
+            <a:r>
+              <a:rPr lang="en-US" dirty="0"/>
+              <a:t> (briefly)</a:t>
+            </a:r>
           </a:p>
           <a:p>
             <a:r>
@@ -9697,7 +9778,7 @@
             <a:r>
               <a:rPr lang="en-US" dirty="0">
                 <a:solidFill>
-                  <a:srgbClr val="00B0F0"/>
+                  <a:srgbClr val="92D050"/>
                 </a:solidFill>
               </a:rPr>
               <a:t>Exercise #2: Summary statistics and </a:t>
@@ -9705,14 +9786,14 @@
             <a:r>
               <a:rPr lang="en-US" dirty="0" err="1">
                 <a:solidFill>
-                  <a:srgbClr val="00B0F0"/>
+                  <a:srgbClr val="92D050"/>
                 </a:solidFill>
               </a:rPr>
               <a:t>kable</a:t>
             </a:r>
             <a:endParaRPr lang="en-US" dirty="0">
               <a:solidFill>
-                <a:srgbClr val="00B0F0"/>
+                <a:srgbClr val="92D050"/>
               </a:solidFill>
             </a:endParaRPr>
           </a:p>
@@ -10077,9 +10158,9 @@
           <a:prstGeom prst="rect">
             <a:avLst/>
           </a:prstGeom>
-          <a:ln w="31750">
+          <a:ln w="9525">
             <a:solidFill>
-              <a:srgbClr val="FFC000"/>
+              <a:srgbClr val="0070C0"/>
             </a:solidFill>
           </a:ln>
         </p:spPr>
@@ -10142,9 +10223,9 @@
           <a:prstGeom prst="rect">
             <a:avLst/>
           </a:prstGeom>
-          <a:ln w="25400">
+          <a:ln w="9525">
             <a:solidFill>
-              <a:srgbClr val="FFC000"/>
+              <a:srgbClr val="0070C0"/>
             </a:solidFill>
           </a:ln>
         </p:spPr>
@@ -10351,6 +10432,11 @@
           <a:prstGeom prst="rect">
             <a:avLst/>
           </a:prstGeom>
+          <a:ln>
+            <a:solidFill>
+              <a:srgbClr val="0070C0"/>
+            </a:solidFill>
+          </a:ln>
         </p:spPr>
       </p:pic>
       <p:pic>
@@ -10502,7 +10588,7 @@
             <a:r>
               <a:rPr lang="en-US" dirty="0">
                 <a:solidFill>
-                  <a:srgbClr val="00B0F0"/>
+                  <a:srgbClr val="92D050"/>
                 </a:solidFill>
               </a:rPr>
               <a:t>Exercise #3: Create graphs using ggplot2</a:t>
@@ -10716,9 +10802,9 @@
           <a:prstGeom prst="rect">
             <a:avLst/>
           </a:prstGeom>
-          <a:ln w="25400">
+          <a:ln w="9525">
             <a:solidFill>
-              <a:srgbClr val="FFC000"/>
+              <a:srgbClr val="0070C0"/>
             </a:solidFill>
           </a:ln>
         </p:spPr>
@@ -10751,6 +10837,11 @@
           <a:prstGeom prst="rect">
             <a:avLst/>
           </a:prstGeom>
+          <a:ln>
+            <a:solidFill>
+              <a:srgbClr val="0070C0"/>
+            </a:solidFill>
+          </a:ln>
         </p:spPr>
       </p:pic>
     </p:spTree>
@@ -10807,7 +10898,7 @@
             <a:r>
               <a:rPr lang="en-US" dirty="0">
                 <a:solidFill>
-                  <a:srgbClr val="00B0F0"/>
+                  <a:srgbClr val="92D050"/>
                 </a:solidFill>
               </a:rPr>
               <a:t>Exercise #4: De-identify data</a:t>
@@ -10892,7 +10983,12 @@
             <p:ph type="title"/>
           </p:nvPr>
         </p:nvSpPr>
-        <p:spPr/>
+        <p:spPr>
+          <a:xfrm>
+            <a:off x="913795" y="96350"/>
+            <a:ext cx="10353762" cy="970450"/>
+          </a:xfrm>
+        </p:spPr>
         <p:txBody>
           <a:bodyPr/>
           <a:lstStyle/>
@@ -10920,12 +11016,50 @@
             <p:ph idx="1"/>
           </p:nvPr>
         </p:nvSpPr>
-        <p:spPr/>
+        <p:spPr>
+          <a:xfrm>
+            <a:off x="913795" y="905164"/>
+            <a:ext cx="10353762" cy="5856485"/>
+          </a:xfrm>
+        </p:spPr>
         <p:txBody>
           <a:bodyPr/>
           <a:lstStyle/>
           <a:p>
-            <a:endParaRPr lang="en-US"/>
+            <a:r>
+              <a:rPr lang="en-US" dirty="0" err="1"/>
+              <a:t>tidyverse</a:t>
+            </a:r>
+            <a:r>
+              <a:rPr lang="en-US" dirty="0"/>
+              <a:t>:</a:t>
+            </a:r>
+          </a:p>
+          <a:p>
+            <a:r>
+              <a:rPr lang="en-US" dirty="0" err="1"/>
+              <a:t>kableExtra</a:t>
+            </a:r>
+            <a:r>
+              <a:rPr lang="en-US" dirty="0"/>
+              <a:t>: </a:t>
+            </a:r>
+          </a:p>
+          <a:p>
+            <a:r>
+              <a:rPr lang="en-US" dirty="0"/>
+              <a:t>ggplot2:</a:t>
+            </a:r>
+          </a:p>
+          <a:p>
+            <a:r>
+              <a:rPr lang="en-US" dirty="0" err="1"/>
+              <a:t>rmarkdown</a:t>
+            </a:r>
+            <a:r>
+              <a:rPr lang="en-US" dirty="0"/>
+              <a:t>: </a:t>
+            </a:r>
           </a:p>
         </p:txBody>
       </p:sp>
@@ -11018,11 +11152,19 @@
             </a:r>
             <a:r>
               <a:rPr lang="en-US" dirty="0" err="1"/>
+              <a:t>readr</a:t>
+            </a:r>
+            <a:r>
+              <a:rPr lang="en-US" dirty="0"/>
+              <a:t>, </a:t>
+            </a:r>
+            <a:r>
+              <a:rPr lang="en-US" dirty="0" err="1"/>
               <a:t>stringr</a:t>
             </a:r>
             <a:r>
               <a:rPr lang="en-US" dirty="0"/>
-              <a:t> and ggplot2 packages we’ll use)</a:t>
+              <a:t>, and ggplot2 packages we’ll use)</a:t>
             </a:r>
           </a:p>
           <a:p>
@@ -11099,9 +11241,9 @@
           <a:prstGeom prst="rect">
             <a:avLst/>
           </a:prstGeom>
-          <a:ln w="25400">
+          <a:ln w="9525">
             <a:solidFill>
-              <a:srgbClr val="FFC000"/>
+              <a:srgbClr val="0070C0"/>
             </a:solidFill>
           </a:ln>
         </p:spPr>
@@ -11134,9 +11276,9 @@
           <a:prstGeom prst="rect">
             <a:avLst/>
           </a:prstGeom>
-          <a:ln w="25400">
+          <a:ln w="9525">
             <a:solidFill>
-              <a:srgbClr val="FFC000"/>
+              <a:srgbClr val="0070C0"/>
             </a:solidFill>
           </a:ln>
         </p:spPr>
@@ -11284,9 +11426,9 @@
           <a:prstGeom prst="rect">
             <a:avLst/>
           </a:prstGeom>
-          <a:ln w="41275">
+          <a:ln w="9525">
             <a:solidFill>
-              <a:srgbClr val="FFC000"/>
+              <a:srgbClr val="0070C0"/>
             </a:solidFill>
           </a:ln>
         </p:spPr>
@@ -11370,14 +11512,171 @@
           <a:bodyPr/>
           <a:lstStyle/>
           <a:p>
+            <a:pPr marL="36900" indent="0">
+              <a:buNone/>
+            </a:pPr>
+            <a:r>
+              <a:rPr lang="en-US" dirty="0">
+                <a:solidFill>
+                  <a:schemeClr val="tx1"/>
+                </a:solidFill>
+              </a:rPr>
+              <a:t>Use the </a:t>
+            </a:r>
+            <a:r>
+              <a:rPr lang="en-US" dirty="0" err="1">
+                <a:solidFill>
+                  <a:schemeClr val="tx1"/>
+                </a:solidFill>
+              </a:rPr>
+              <a:t>read_csv</a:t>
+            </a:r>
+            <a:r>
+              <a:rPr lang="en-US" dirty="0">
+                <a:solidFill>
+                  <a:schemeClr val="tx1"/>
+                </a:solidFill>
+              </a:rPr>
+              <a:t> function from the </a:t>
+            </a:r>
+            <a:r>
+              <a:rPr lang="en-US" dirty="0" err="1">
+                <a:solidFill>
+                  <a:schemeClr val="tx1"/>
+                </a:solidFill>
+              </a:rPr>
+              <a:t>readr</a:t>
+            </a:r>
+            <a:r>
+              <a:rPr lang="en-US" dirty="0">
+                <a:solidFill>
+                  <a:schemeClr val="tx1"/>
+                </a:solidFill>
+              </a:rPr>
+              <a:t> package (in </a:t>
+            </a:r>
+            <a:r>
+              <a:rPr lang="en-US" dirty="0" err="1">
+                <a:solidFill>
+                  <a:schemeClr val="tx1"/>
+                </a:solidFill>
+              </a:rPr>
+              <a:t>tidyverse</a:t>
+            </a:r>
+            <a:r>
+              <a:rPr lang="en-US" dirty="0">
+                <a:solidFill>
+                  <a:schemeClr val="tx1"/>
+                </a:solidFill>
+              </a:rPr>
+              <a:t>).</a:t>
+            </a:r>
+          </a:p>
+          <a:p>
+            <a:pPr marL="36900" indent="0">
+              <a:buNone/>
+            </a:pPr>
             <a:endParaRPr lang="en-US" dirty="0">
               <a:solidFill>
                 <a:schemeClr val="tx1"/>
               </a:solidFill>
             </a:endParaRPr>
           </a:p>
-        </p:txBody>
-      </p:sp>
+          <a:p>
+            <a:pPr marL="36900" indent="0">
+              <a:buNone/>
+            </a:pPr>
+            <a:endParaRPr lang="en-US" dirty="0">
+              <a:solidFill>
+                <a:schemeClr val="tx1"/>
+              </a:solidFill>
+            </a:endParaRPr>
+          </a:p>
+          <a:p>
+            <a:pPr marL="36900" indent="0">
+              <a:buNone/>
+            </a:pPr>
+            <a:r>
+              <a:rPr lang="en-US" dirty="0">
+                <a:solidFill>
+                  <a:schemeClr val="tx1"/>
+                </a:solidFill>
+              </a:rPr>
+              <a:t>The console will display information about the CSV.</a:t>
+            </a:r>
+          </a:p>
+        </p:txBody>
+      </p:sp>
+      <p:pic>
+        <p:nvPicPr>
+          <p:cNvPr id="7" name="Picture 6">
+            <a:extLst>
+              <a:ext uri="{FF2B5EF4-FFF2-40B4-BE49-F238E27FC236}">
+                <a16:creationId xmlns:a16="http://schemas.microsoft.com/office/drawing/2014/main" id="{4942CA27-1366-2B40-198A-15DB5F8CB90E}"/>
+              </a:ext>
+            </a:extLst>
+          </p:cNvPr>
+          <p:cNvPicPr>
+            <a:picLocks noChangeAspect="1"/>
+          </p:cNvPicPr>
+          <p:nvPr/>
+        </p:nvPicPr>
+        <p:blipFill>
+          <a:blip r:embed="rId2"/>
+          <a:stretch>
+            <a:fillRect/>
+          </a:stretch>
+        </p:blipFill>
+        <p:spPr>
+          <a:xfrm>
+            <a:off x="1519958" y="2381538"/>
+            <a:ext cx="4567054" cy="343189"/>
+          </a:xfrm>
+          <a:prstGeom prst="rect">
+            <a:avLst/>
+          </a:prstGeom>
+          <a:ln>
+            <a:solidFill>
+              <a:srgbClr val="0070C0"/>
+            </a:solidFill>
+          </a:ln>
+        </p:spPr>
+      </p:pic>
+      <p:pic>
+        <p:nvPicPr>
+          <p:cNvPr id="9" name="Picture 8">
+            <a:extLst>
+              <a:ext uri="{FF2B5EF4-FFF2-40B4-BE49-F238E27FC236}">
+                <a16:creationId xmlns:a16="http://schemas.microsoft.com/office/drawing/2014/main" id="{FC897781-295B-F3A9-45BB-586F2BAB2730}"/>
+              </a:ext>
+            </a:extLst>
+          </p:cNvPr>
+          <p:cNvPicPr>
+            <a:picLocks noChangeAspect="1"/>
+          </p:cNvPicPr>
+          <p:nvPr/>
+        </p:nvPicPr>
+        <p:blipFill>
+          <a:blip r:embed="rId3"/>
+          <a:stretch>
+            <a:fillRect/>
+          </a:stretch>
+        </p:blipFill>
+        <p:spPr>
+          <a:xfrm>
+            <a:off x="1519958" y="3761823"/>
+            <a:ext cx="9274159" cy="2260285"/>
+          </a:xfrm>
+          <a:prstGeom prst="rect">
+            <a:avLst/>
+          </a:prstGeom>
+          <a:ln>
+            <a:solidFill>
+              <a:srgbClr val="0070C0"/>
+            </a:solidFill>
+          </a:ln>
+        </p:spPr>
+      </p:pic>
     </p:spTree>
     <p:extLst>
       <p:ext uri="{BB962C8B-B14F-4D97-AF65-F5344CB8AC3E}">
@@ -11432,10 +11731,10 @@
             <a:r>
               <a:rPr lang="en-US" dirty="0">
                 <a:solidFill>
-                  <a:srgbClr val="00B0F0"/>
+                  <a:srgbClr val="92D050"/>
                 </a:solidFill>
               </a:rPr>
-              <a:t>Exercise 0: Import CSV</a:t>
+              <a:t>Exercise 0: Install packages and import CSV</a:t>
             </a:r>
           </a:p>
         </p:txBody>
@@ -11531,7 +11830,12 @@
             <p:ph type="title"/>
           </p:nvPr>
         </p:nvSpPr>
-        <p:spPr/>
+        <p:spPr>
+          <a:xfrm>
+            <a:off x="913795" y="483862"/>
+            <a:ext cx="10353762" cy="970450"/>
+          </a:xfrm>
+        </p:spPr>
         <p:txBody>
           <a:bodyPr/>
           <a:lstStyle/>
@@ -11559,7 +11863,12 @@
             <p:ph idx="1"/>
           </p:nvPr>
         </p:nvSpPr>
-        <p:spPr/>
+        <p:spPr>
+          <a:xfrm>
+            <a:off x="913795" y="1367407"/>
+            <a:ext cx="10353762" cy="4423794"/>
+          </a:xfrm>
+        </p:spPr>
         <p:txBody>
           <a:bodyPr>
             <a:normAutofit/>
@@ -11571,7 +11880,7 @@
             </a:pPr>
             <a:r>
               <a:rPr lang="en-US" dirty="0"/>
-              <a:t>CSV files will have dates as character, but should be converted to classification “Date”.</a:t>
+              <a:t>Depending on the format, some dates will be read from CSV files as character. These should be converted to classification “Date”.</a:t>
             </a:r>
           </a:p>
           <a:p>
@@ -11658,76 +11967,6 @@
           </a:p>
         </p:txBody>
       </p:sp>
-      <p:pic>
-        <p:nvPicPr>
-          <p:cNvPr id="7" name="Picture 6">
-            <a:extLst>
-              <a:ext uri="{FF2B5EF4-FFF2-40B4-BE49-F238E27FC236}">
-                <a16:creationId xmlns:a16="http://schemas.microsoft.com/office/drawing/2014/main" id="{710CEA59-1006-5DDA-CE99-ED03F5BA64E7}"/>
-              </a:ext>
-            </a:extLst>
-          </p:cNvPr>
-          <p:cNvPicPr>
-            <a:picLocks noChangeAspect="1"/>
-          </p:cNvPicPr>
-          <p:nvPr/>
-        </p:nvPicPr>
-        <p:blipFill>
-          <a:blip r:embed="rId2"/>
-          <a:stretch>
-            <a:fillRect/>
-          </a:stretch>
-        </p:blipFill>
-        <p:spPr>
-          <a:xfrm>
-            <a:off x="1127760" y="4006600"/>
-            <a:ext cx="9681556" cy="374425"/>
-          </a:xfrm>
-          <a:prstGeom prst="rect">
-            <a:avLst/>
-          </a:prstGeom>
-          <a:ln w="25400">
-            <a:solidFill>
-              <a:srgbClr val="FFC000"/>
-            </a:solidFill>
-          </a:ln>
-        </p:spPr>
-      </p:pic>
-      <p:pic>
-        <p:nvPicPr>
-          <p:cNvPr id="9" name="Picture 8">
-            <a:extLst>
-              <a:ext uri="{FF2B5EF4-FFF2-40B4-BE49-F238E27FC236}">
-                <a16:creationId xmlns:a16="http://schemas.microsoft.com/office/drawing/2014/main" id="{3A9DE555-0E2E-47B6-C58F-50840723BBDB}"/>
-              </a:ext>
-            </a:extLst>
-          </p:cNvPr>
-          <p:cNvPicPr>
-            <a:picLocks noChangeAspect="1"/>
-          </p:cNvPicPr>
-          <p:nvPr/>
-        </p:nvPicPr>
-        <p:blipFill>
-          <a:blip r:embed="rId3"/>
-          <a:stretch>
-            <a:fillRect/>
-          </a:stretch>
-        </p:blipFill>
-        <p:spPr>
-          <a:xfrm>
-            <a:off x="1127760" y="2623774"/>
-            <a:ext cx="9997440" cy="514297"/>
-          </a:xfrm>
-          <a:prstGeom prst="rect">
-            <a:avLst/>
-          </a:prstGeom>
-          <a:ln w="25400">
-            <a:solidFill>
-              <a:srgbClr val="FFC000"/>
-            </a:solidFill>
-          </a:ln>
-        </p:spPr>
-      </p:pic>
       <p:pic>
         <p:nvPicPr>
           <p:cNvPr id="11" name="Picture 10">
@@ -11743,6 +11982,76 @@
           <p:nvPr/>
         </p:nvPicPr>
         <p:blipFill>
+          <a:blip r:embed="rId2"/>
+          <a:stretch>
+            <a:fillRect/>
+          </a:stretch>
+        </p:blipFill>
+        <p:spPr>
+          <a:xfrm>
+            <a:off x="1002570" y="5171606"/>
+            <a:ext cx="2343150" cy="771525"/>
+          </a:xfrm>
+          <a:prstGeom prst="rect">
+            <a:avLst/>
+          </a:prstGeom>
+          <a:ln w="9525">
+            <a:solidFill>
+              <a:srgbClr val="0070C0"/>
+            </a:solidFill>
+          </a:ln>
+        </p:spPr>
+      </p:pic>
+      <p:pic>
+        <p:nvPicPr>
+          <p:cNvPr id="5" name="Picture 4">
+            <a:extLst>
+              <a:ext uri="{FF2B5EF4-FFF2-40B4-BE49-F238E27FC236}">
+                <a16:creationId xmlns:a16="http://schemas.microsoft.com/office/drawing/2014/main" id="{D1C671D1-B6CA-E0B6-CA6C-174B277EC7D8}"/>
+              </a:ext>
+            </a:extLst>
+          </p:cNvPr>
+          <p:cNvPicPr>
+            <a:picLocks noChangeAspect="1"/>
+          </p:cNvPicPr>
+          <p:nvPr/>
+        </p:nvPicPr>
+        <p:blipFill>
+          <a:blip r:embed="rId3"/>
+          <a:stretch>
+            <a:fillRect/>
+          </a:stretch>
+        </p:blipFill>
+        <p:spPr>
+          <a:xfrm>
+            <a:off x="1002571" y="3845257"/>
+            <a:ext cx="9373536" cy="374425"/>
+          </a:xfrm>
+          <a:prstGeom prst="rect">
+            <a:avLst/>
+          </a:prstGeom>
+          <a:ln>
+            <a:solidFill>
+              <a:srgbClr val="0070C0"/>
+            </a:solidFill>
+          </a:ln>
+        </p:spPr>
+      </p:pic>
+      <p:pic>
+        <p:nvPicPr>
+          <p:cNvPr id="8" name="Picture 7">
+            <a:extLst>
+              <a:ext uri="{FF2B5EF4-FFF2-40B4-BE49-F238E27FC236}">
+                <a16:creationId xmlns:a16="http://schemas.microsoft.com/office/drawing/2014/main" id="{514943F8-2840-A8B9-E2B1-87057C410B80}"/>
+              </a:ext>
+            </a:extLst>
+          </p:cNvPr>
+          <p:cNvPicPr>
+            <a:picLocks noChangeAspect="1"/>
+          </p:cNvPicPr>
+          <p:nvPr/>
+        </p:nvPicPr>
+        <p:blipFill>
           <a:blip r:embed="rId4"/>
           <a:stretch>
             <a:fillRect/>
@@ -11750,15 +12059,15 @@
         </p:blipFill>
         <p:spPr>
           <a:xfrm>
-            <a:off x="1127760" y="5370801"/>
-            <a:ext cx="2343150" cy="771525"/>
+            <a:off x="1002570" y="2511667"/>
+            <a:ext cx="9946359" cy="501076"/>
           </a:xfrm>
           <a:prstGeom prst="rect">
             <a:avLst/>
           </a:prstGeom>
-          <a:ln w="25400">
+          <a:ln>
             <a:solidFill>
-              <a:srgbClr val="FFC000"/>
+              <a:srgbClr val="0070C0"/>
             </a:solidFill>
           </a:ln>
         </p:spPr>
@@ -12157,9 +12466,9 @@
             <a:off x="1251375" y="2038224"/>
             <a:ext cx="2636239" cy="404423"/>
           </a:xfrm>
-          <a:ln w="25400">
+          <a:ln w="9525">
             <a:solidFill>
-              <a:srgbClr val="FFC000"/>
+              <a:srgbClr val="0070C0"/>
             </a:solidFill>
           </a:ln>
         </p:spPr>
@@ -12222,9 +12531,9 @@
           <a:prstGeom prst="rect">
             <a:avLst/>
           </a:prstGeom>
-          <a:ln w="25400">
+          <a:ln w="9525">
             <a:solidFill>
-              <a:srgbClr val="FFC000"/>
+              <a:srgbClr val="0070C0"/>
             </a:solidFill>
           </a:ln>
         </p:spPr>

--- a/IFDTC_presentation_RTech.pptx
+++ b/IFDTC_presentation_RTech.pptx
@@ -17,21 +17,23 @@
     <p:sldId id="270" r:id="rId11"/>
     <p:sldId id="271" r:id="rId12"/>
     <p:sldId id="272" r:id="rId13"/>
-    <p:sldId id="276" r:id="rId14"/>
-    <p:sldId id="273" r:id="rId15"/>
-    <p:sldId id="274" r:id="rId16"/>
-    <p:sldId id="262" r:id="rId17"/>
-    <p:sldId id="264" r:id="rId18"/>
-    <p:sldId id="278" r:id="rId19"/>
-    <p:sldId id="279" r:id="rId20"/>
-    <p:sldId id="277" r:id="rId21"/>
-    <p:sldId id="280" r:id="rId22"/>
-    <p:sldId id="263" r:id="rId23"/>
-    <p:sldId id="281" r:id="rId24"/>
-    <p:sldId id="282" r:id="rId25"/>
-    <p:sldId id="259" r:id="rId26"/>
-    <p:sldId id="284" r:id="rId27"/>
-    <p:sldId id="267" r:id="rId28"/>
+    <p:sldId id="285" r:id="rId14"/>
+    <p:sldId id="286" r:id="rId15"/>
+    <p:sldId id="276" r:id="rId16"/>
+    <p:sldId id="273" r:id="rId17"/>
+    <p:sldId id="274" r:id="rId18"/>
+    <p:sldId id="262" r:id="rId19"/>
+    <p:sldId id="264" r:id="rId20"/>
+    <p:sldId id="278" r:id="rId21"/>
+    <p:sldId id="279" r:id="rId22"/>
+    <p:sldId id="277" r:id="rId23"/>
+    <p:sldId id="280" r:id="rId24"/>
+    <p:sldId id="263" r:id="rId25"/>
+    <p:sldId id="281" r:id="rId26"/>
+    <p:sldId id="282" r:id="rId27"/>
+    <p:sldId id="259" r:id="rId28"/>
+    <p:sldId id="284" r:id="rId29"/>
+    <p:sldId id="267" r:id="rId30"/>
   </p:sldIdLst>
   <p:sldSz cx="12192000" cy="6858000"/>
   <p:notesSz cx="6858000" cy="9144000"/>
@@ -141,7 +143,7 @@
 <file path=ppt/revisionInfo.xml><?xml version="1.0" encoding="utf-8"?>
 <p1510:revInfo xmlns:a="http://schemas.openxmlformats.org/drawingml/2006/main" xmlns:r="http://schemas.openxmlformats.org/officeDocument/2006/relationships" xmlns:p1510="http://schemas.microsoft.com/office/powerpoint/2015/10/main">
   <p1510:revLst>
-    <p1510:client id="{7B26D5CA-4353-4ECF-916E-671D697ADDAD}" v="189" dt="2023-06-21T15:02:29.890"/>
+    <p1510:client id="{7B26D5CA-4353-4ECF-916E-671D697ADDAD}" v="203" dt="2023-06-23T22:30:48.081"/>
   </p1510:revLst>
 </p1510:revInfo>
 </file>
@@ -150,19 +152,19 @@
 <pc:chgInfo xmlns:a="http://schemas.openxmlformats.org/drawingml/2006/main" xmlns:r="http://schemas.openxmlformats.org/officeDocument/2006/relationships" xmlns:ac="http://schemas.microsoft.com/office/drawing/2013/main/command" xmlns:pc="http://schemas.microsoft.com/office/powerpoint/2013/main/command">
   <pc:docChgLst>
     <pc:chgData name="Looby, Charlotte" userId="bf3d6bd8-f166-46a1-964c-bf7b72577bbd" providerId="ADAL" clId="{7B26D5CA-4353-4ECF-916E-671D697ADDAD}"/>
-    <pc:docChg chg="undo redo custSel addSld delSld modSld sldOrd modMainMaster">
-      <pc:chgData name="Looby, Charlotte" userId="bf3d6bd8-f166-46a1-964c-bf7b72577bbd" providerId="ADAL" clId="{7B26D5CA-4353-4ECF-916E-671D697ADDAD}" dt="2023-06-23T14:46:56.681" v="7425" actId="1076"/>
+    <pc:docChg chg="undo redo custSel addSld delSld modSld sldOrd addMainMaster delMainMaster modMainMaster">
+      <pc:chgData name="Looby, Charlotte" userId="bf3d6bd8-f166-46a1-964c-bf7b72577bbd" providerId="ADAL" clId="{7B26D5CA-4353-4ECF-916E-671D697ADDAD}" dt="2023-06-23T22:31:04.301" v="9588" actId="255"/>
       <pc:docMkLst>
         <pc:docMk/>
       </pc:docMkLst>
       <pc:sldChg chg="modSp mod">
-        <pc:chgData name="Looby, Charlotte" userId="bf3d6bd8-f166-46a1-964c-bf7b72577bbd" providerId="ADAL" clId="{7B26D5CA-4353-4ECF-916E-671D697ADDAD}" dt="2023-06-23T14:40:23.412" v="7424"/>
+        <pc:chgData name="Looby, Charlotte" userId="bf3d6bd8-f166-46a1-964c-bf7b72577bbd" providerId="ADAL" clId="{7B26D5CA-4353-4ECF-916E-671D697ADDAD}" dt="2023-06-23T22:26:01.400" v="9332" actId="1076"/>
         <pc:sldMkLst>
           <pc:docMk/>
           <pc:sldMk cId="2803670308" sldId="256"/>
         </pc:sldMkLst>
         <pc:spChg chg="mod">
-          <ac:chgData name="Looby, Charlotte" userId="bf3d6bd8-f166-46a1-964c-bf7b72577bbd" providerId="ADAL" clId="{7B26D5CA-4353-4ECF-916E-671D697ADDAD}" dt="2023-06-23T14:40:22.186" v="7423" actId="21"/>
+          <ac:chgData name="Looby, Charlotte" userId="bf3d6bd8-f166-46a1-964c-bf7b72577bbd" providerId="ADAL" clId="{7B26D5CA-4353-4ECF-916E-671D697ADDAD}" dt="2023-06-23T22:26:01.400" v="9332" actId="1076"/>
           <ac:spMkLst>
             <pc:docMk/>
             <pc:sldMk cId="2803670308" sldId="256"/>
@@ -179,7 +181,7 @@
         </pc:spChg>
       </pc:sldChg>
       <pc:sldChg chg="modSp mod">
-        <pc:chgData name="Looby, Charlotte" userId="bf3d6bd8-f166-46a1-964c-bf7b72577bbd" providerId="ADAL" clId="{7B26D5CA-4353-4ECF-916E-671D697ADDAD}" dt="2023-06-23T14:39:00.224" v="7381" actId="20577"/>
+        <pc:chgData name="Looby, Charlotte" userId="bf3d6bd8-f166-46a1-964c-bf7b72577bbd" providerId="ADAL" clId="{7B26D5CA-4353-4ECF-916E-671D697ADDAD}" dt="2023-06-23T20:33:57.761" v="7426" actId="20577"/>
         <pc:sldMkLst>
           <pc:docMk/>
           <pc:sldMk cId="1843797070" sldId="257"/>
@@ -193,7 +195,7 @@
           </ac:spMkLst>
         </pc:spChg>
         <pc:spChg chg="mod">
-          <ac:chgData name="Looby, Charlotte" userId="bf3d6bd8-f166-46a1-964c-bf7b72577bbd" providerId="ADAL" clId="{7B26D5CA-4353-4ECF-916E-671D697ADDAD}" dt="2023-06-23T14:39:00.224" v="7381" actId="20577"/>
+          <ac:chgData name="Looby, Charlotte" userId="bf3d6bd8-f166-46a1-964c-bf7b72577bbd" providerId="ADAL" clId="{7B26D5CA-4353-4ECF-916E-671D697ADDAD}" dt="2023-06-23T20:33:57.761" v="7426" actId="20577"/>
           <ac:spMkLst>
             <pc:docMk/>
             <pc:sldMk cId="1843797070" sldId="257"/>
@@ -288,13 +290,13 @@
         </pc:picChg>
       </pc:sldChg>
       <pc:sldChg chg="addSp delSp modSp mod">
-        <pc:chgData name="Looby, Charlotte" userId="bf3d6bd8-f166-46a1-964c-bf7b72577bbd" providerId="ADAL" clId="{7B26D5CA-4353-4ECF-916E-671D697ADDAD}" dt="2023-06-21T15:57:04.247" v="7062" actId="692"/>
+        <pc:chgData name="Looby, Charlotte" userId="bf3d6bd8-f166-46a1-964c-bf7b72577bbd" providerId="ADAL" clId="{7B26D5CA-4353-4ECF-916E-671D697ADDAD}" dt="2023-06-23T22:22:30.150" v="9175" actId="692"/>
         <pc:sldMkLst>
           <pc:docMk/>
           <pc:sldMk cId="2222497524" sldId="259"/>
         </pc:sldMkLst>
         <pc:spChg chg="mod">
-          <ac:chgData name="Looby, Charlotte" userId="bf3d6bd8-f166-46a1-964c-bf7b72577bbd" providerId="ADAL" clId="{7B26D5CA-4353-4ECF-916E-671D697ADDAD}" dt="2023-06-21T12:16:33.068" v="5386"/>
+          <ac:chgData name="Looby, Charlotte" userId="bf3d6bd8-f166-46a1-964c-bf7b72577bbd" providerId="ADAL" clId="{7B26D5CA-4353-4ECF-916E-671D697ADDAD}" dt="2023-06-23T22:15:25.455" v="9093" actId="14100"/>
           <ac:spMkLst>
             <pc:docMk/>
             <pc:sldMk cId="2222497524" sldId="259"/>
@@ -302,13 +304,21 @@
           </ac:spMkLst>
         </pc:spChg>
         <pc:spChg chg="mod">
-          <ac:chgData name="Looby, Charlotte" userId="bf3d6bd8-f166-46a1-964c-bf7b72577bbd" providerId="ADAL" clId="{7B26D5CA-4353-4ECF-916E-671D697ADDAD}" dt="2023-06-21T12:16:33.068" v="5386"/>
+          <ac:chgData name="Looby, Charlotte" userId="bf3d6bd8-f166-46a1-964c-bf7b72577bbd" providerId="ADAL" clId="{7B26D5CA-4353-4ECF-916E-671D697ADDAD}" dt="2023-06-23T22:18:36.244" v="9130" actId="20577"/>
           <ac:spMkLst>
             <pc:docMk/>
             <pc:sldMk cId="2222497524" sldId="259"/>
             <ac:spMk id="3" creationId="{B76C2A73-4A23-FC11-5AEF-72AFF797D99C}"/>
           </ac:spMkLst>
         </pc:spChg>
+        <pc:picChg chg="add del mod">
+          <ac:chgData name="Looby, Charlotte" userId="bf3d6bd8-f166-46a1-964c-bf7b72577bbd" providerId="ADAL" clId="{7B26D5CA-4353-4ECF-916E-671D697ADDAD}" dt="2023-06-23T22:20:05.968" v="9136" actId="21"/>
+          <ac:picMkLst>
+            <pc:docMk/>
+            <pc:sldMk cId="2222497524" sldId="259"/>
+            <ac:picMk id="5" creationId="{9564261C-5A83-86DF-C002-DF74B296DA82}"/>
+          </ac:picMkLst>
+        </pc:picChg>
         <pc:picChg chg="del mod">
           <ac:chgData name="Looby, Charlotte" userId="bf3d6bd8-f166-46a1-964c-bf7b72577bbd" providerId="ADAL" clId="{7B26D5CA-4353-4ECF-916E-671D697ADDAD}" dt="2023-06-20T21:35:56.335" v="4336" actId="21"/>
           <ac:picMkLst>
@@ -333,6 +343,14 @@
             <ac:picMk id="7" creationId="{875F0D69-380D-E552-4541-488ECF6BC8B7}"/>
           </ac:picMkLst>
         </pc:picChg>
+        <pc:picChg chg="add mod">
+          <ac:chgData name="Looby, Charlotte" userId="bf3d6bd8-f166-46a1-964c-bf7b72577bbd" providerId="ADAL" clId="{7B26D5CA-4353-4ECF-916E-671D697ADDAD}" dt="2023-06-23T22:22:30.150" v="9175" actId="692"/>
+          <ac:picMkLst>
+            <pc:docMk/>
+            <pc:sldMk cId="2222497524" sldId="259"/>
+            <ac:picMk id="7" creationId="{C4833CAC-F4F3-64A1-B075-908516CC66E5}"/>
+          </ac:picMkLst>
+        </pc:picChg>
         <pc:picChg chg="add del mod">
           <ac:chgData name="Looby, Charlotte" userId="bf3d6bd8-f166-46a1-964c-bf7b72577bbd" providerId="ADAL" clId="{7B26D5CA-4353-4ECF-916E-671D697ADDAD}" dt="2023-06-20T21:35:58.800" v="4338"/>
           <ac:picMkLst>
@@ -342,7 +360,7 @@
           </ac:picMkLst>
         </pc:picChg>
         <pc:picChg chg="add mod">
-          <ac:chgData name="Looby, Charlotte" userId="bf3d6bd8-f166-46a1-964c-bf7b72577bbd" providerId="ADAL" clId="{7B26D5CA-4353-4ECF-916E-671D697ADDAD}" dt="2023-06-21T15:57:01.819" v="7061" actId="692"/>
+          <ac:chgData name="Looby, Charlotte" userId="bf3d6bd8-f166-46a1-964c-bf7b72577bbd" providerId="ADAL" clId="{7B26D5CA-4353-4ECF-916E-671D697ADDAD}" dt="2023-06-23T22:15:33.770" v="9095" actId="1076"/>
           <ac:picMkLst>
             <pc:docMk/>
             <pc:sldMk cId="2222497524" sldId="259"/>
@@ -350,7 +368,7 @@
           </ac:picMkLst>
         </pc:picChg>
         <pc:picChg chg="add mod">
-          <ac:chgData name="Looby, Charlotte" userId="bf3d6bd8-f166-46a1-964c-bf7b72577bbd" providerId="ADAL" clId="{7B26D5CA-4353-4ECF-916E-671D697ADDAD}" dt="2023-06-21T15:57:04.247" v="7062" actId="692"/>
+          <ac:chgData name="Looby, Charlotte" userId="bf3d6bd8-f166-46a1-964c-bf7b72577bbd" providerId="ADAL" clId="{7B26D5CA-4353-4ECF-916E-671D697ADDAD}" dt="2023-06-23T22:15:41.923" v="9098" actId="1076"/>
           <ac:picMkLst>
             <pc:docMk/>
             <pc:sldMk cId="2222497524" sldId="259"/>
@@ -359,7 +377,7 @@
         </pc:picChg>
       </pc:sldChg>
       <pc:sldChg chg="addSp delSp modSp new mod ord">
-        <pc:chgData name="Looby, Charlotte" userId="bf3d6bd8-f166-46a1-964c-bf7b72577bbd" providerId="ADAL" clId="{7B26D5CA-4353-4ECF-916E-671D697ADDAD}" dt="2023-06-21T15:52:18.232" v="6923" actId="692"/>
+        <pc:chgData name="Looby, Charlotte" userId="bf3d6bd8-f166-46a1-964c-bf7b72577bbd" providerId="ADAL" clId="{7B26D5CA-4353-4ECF-916E-671D697ADDAD}" dt="2023-06-23T20:57:17.791" v="8027" actId="20577"/>
         <pc:sldMkLst>
           <pc:docMk/>
           <pc:sldMk cId="3478185170" sldId="260"/>
@@ -373,7 +391,7 @@
           </ac:spMkLst>
         </pc:spChg>
         <pc:spChg chg="mod">
-          <ac:chgData name="Looby, Charlotte" userId="bf3d6bd8-f166-46a1-964c-bf7b72577bbd" providerId="ADAL" clId="{7B26D5CA-4353-4ECF-916E-671D697ADDAD}" dt="2023-06-21T15:48:08.008" v="6897" actId="20577"/>
+          <ac:chgData name="Looby, Charlotte" userId="bf3d6bd8-f166-46a1-964c-bf7b72577bbd" providerId="ADAL" clId="{7B26D5CA-4353-4ECF-916E-671D697ADDAD}" dt="2023-06-23T20:57:17.791" v="8027" actId="20577"/>
           <ac:spMkLst>
             <pc:docMk/>
             <pc:sldMk cId="3478185170" sldId="260"/>
@@ -389,7 +407,7 @@
           </ac:picMkLst>
         </pc:picChg>
         <pc:picChg chg="add mod">
-          <ac:chgData name="Looby, Charlotte" userId="bf3d6bd8-f166-46a1-964c-bf7b72577bbd" providerId="ADAL" clId="{7B26D5CA-4353-4ECF-916E-671D697ADDAD}" dt="2023-06-21T15:52:18.232" v="6923" actId="692"/>
+          <ac:chgData name="Looby, Charlotte" userId="bf3d6bd8-f166-46a1-964c-bf7b72577bbd" providerId="ADAL" clId="{7B26D5CA-4353-4ECF-916E-671D697ADDAD}" dt="2023-06-23T20:56:58.911" v="8010" actId="1076"/>
           <ac:picMkLst>
             <pc:docMk/>
             <pc:sldMk cId="3478185170" sldId="260"/>
@@ -413,7 +431,7 @@
           </ac:picMkLst>
         </pc:picChg>
         <pc:picChg chg="add mod">
-          <ac:chgData name="Looby, Charlotte" userId="bf3d6bd8-f166-46a1-964c-bf7b72577bbd" providerId="ADAL" clId="{7B26D5CA-4353-4ECF-916E-671D697ADDAD}" dt="2023-06-21T15:52:15.005" v="6922" actId="692"/>
+          <ac:chgData name="Looby, Charlotte" userId="bf3d6bd8-f166-46a1-964c-bf7b72577bbd" providerId="ADAL" clId="{7B26D5CA-4353-4ECF-916E-671D697ADDAD}" dt="2023-06-23T20:56:57.436" v="8009" actId="1076"/>
           <ac:picMkLst>
             <pc:docMk/>
             <pc:sldMk cId="3478185170" sldId="260"/>
@@ -429,7 +447,7 @@
           </ac:picMkLst>
         </pc:picChg>
         <pc:picChg chg="add mod">
-          <ac:chgData name="Looby, Charlotte" userId="bf3d6bd8-f166-46a1-964c-bf7b72577bbd" providerId="ADAL" clId="{7B26D5CA-4353-4ECF-916E-671D697ADDAD}" dt="2023-06-21T15:52:01.988" v="6921" actId="692"/>
+          <ac:chgData name="Looby, Charlotte" userId="bf3d6bd8-f166-46a1-964c-bf7b72577bbd" providerId="ADAL" clId="{7B26D5CA-4353-4ECF-916E-671D697ADDAD}" dt="2023-06-23T20:57:00.393" v="8011" actId="1076"/>
           <ac:picMkLst>
             <pc:docMk/>
             <pc:sldMk cId="3478185170" sldId="260"/>
@@ -461,13 +479,13 @@
         </pc:spChg>
       </pc:sldChg>
       <pc:sldChg chg="addSp delSp modSp new mod">
-        <pc:chgData name="Looby, Charlotte" userId="bf3d6bd8-f166-46a1-964c-bf7b72577bbd" providerId="ADAL" clId="{7B26D5CA-4353-4ECF-916E-671D697ADDAD}" dt="2023-06-21T15:55:59.818" v="7016" actId="692"/>
+        <pc:chgData name="Looby, Charlotte" userId="bf3d6bd8-f166-46a1-964c-bf7b72577bbd" providerId="ADAL" clId="{7B26D5CA-4353-4ECF-916E-671D697ADDAD}" dt="2023-06-23T22:11:26.340" v="9061" actId="1076"/>
         <pc:sldMkLst>
           <pc:docMk/>
           <pc:sldMk cId="1495666468" sldId="262"/>
         </pc:sldMkLst>
         <pc:spChg chg="mod">
-          <ac:chgData name="Looby, Charlotte" userId="bf3d6bd8-f166-46a1-964c-bf7b72577bbd" providerId="ADAL" clId="{7B26D5CA-4353-4ECF-916E-671D697ADDAD}" dt="2023-06-21T12:16:33.068" v="5386"/>
+          <ac:chgData name="Looby, Charlotte" userId="bf3d6bd8-f166-46a1-964c-bf7b72577bbd" providerId="ADAL" clId="{7B26D5CA-4353-4ECF-916E-671D697ADDAD}" dt="2023-06-23T22:09:54.259" v="9035" actId="20577"/>
           <ac:spMkLst>
             <pc:docMk/>
             <pc:sldMk cId="1495666468" sldId="262"/>
@@ -482,12 +500,28 @@
             <ac:spMk id="3" creationId="{DF9E725B-BD16-C25A-38BB-35BA62C59792}"/>
           </ac:spMkLst>
         </pc:spChg>
+        <pc:spChg chg="add mod">
+          <ac:chgData name="Looby, Charlotte" userId="bf3d6bd8-f166-46a1-964c-bf7b72577bbd" providerId="ADAL" clId="{7B26D5CA-4353-4ECF-916E-671D697ADDAD}" dt="2023-06-23T22:10:43.456" v="9057" actId="20577"/>
+          <ac:spMkLst>
+            <pc:docMk/>
+            <pc:sldMk cId="1495666468" sldId="262"/>
+            <ac:spMk id="6" creationId="{3E0C9E19-A96D-03A6-8D9F-9C98D0361A3F}"/>
+          </ac:spMkLst>
+        </pc:spChg>
         <pc:picChg chg="add del mod">
           <ac:chgData name="Looby, Charlotte" userId="bf3d6bd8-f166-46a1-964c-bf7b72577bbd" providerId="ADAL" clId="{7B26D5CA-4353-4ECF-916E-671D697ADDAD}" dt="2023-06-20T20:44:53.124" v="2962" actId="21"/>
           <ac:picMkLst>
             <pc:docMk/>
             <pc:sldMk cId="1495666468" sldId="262"/>
             <ac:picMk id="5" creationId="{F4424B9C-DC39-229C-AE0E-F17158679377}"/>
+          </ac:picMkLst>
+        </pc:picChg>
+        <pc:picChg chg="add mod">
+          <ac:chgData name="Looby, Charlotte" userId="bf3d6bd8-f166-46a1-964c-bf7b72577bbd" providerId="ADAL" clId="{7B26D5CA-4353-4ECF-916E-671D697ADDAD}" dt="2023-06-23T22:11:26.340" v="9061" actId="1076"/>
+          <ac:picMkLst>
+            <pc:docMk/>
+            <pc:sldMk cId="1495666468" sldId="262"/>
+            <ac:picMk id="5" creationId="{F6D467F7-BC98-7FD0-93A8-7EF5D462F2E2}"/>
           </ac:picMkLst>
         </pc:picChg>
         <pc:picChg chg="add del mod">
@@ -516,13 +550,13 @@
         </pc:picChg>
       </pc:sldChg>
       <pc:sldChg chg="addSp modSp new mod">
-        <pc:chgData name="Looby, Charlotte" userId="bf3d6bd8-f166-46a1-964c-bf7b72577bbd" providerId="ADAL" clId="{7B26D5CA-4353-4ECF-916E-671D697ADDAD}" dt="2023-06-21T15:56:41.766" v="7054" actId="692"/>
+        <pc:chgData name="Looby, Charlotte" userId="bf3d6bd8-f166-46a1-964c-bf7b72577bbd" providerId="ADAL" clId="{7B26D5CA-4353-4ECF-916E-671D697ADDAD}" dt="2023-06-23T22:22:28.599" v="9173" actId="255"/>
         <pc:sldMkLst>
           <pc:docMk/>
           <pc:sldMk cId="1122709562" sldId="263"/>
         </pc:sldMkLst>
         <pc:spChg chg="mod">
-          <ac:chgData name="Looby, Charlotte" userId="bf3d6bd8-f166-46a1-964c-bf7b72577bbd" providerId="ADAL" clId="{7B26D5CA-4353-4ECF-916E-671D697ADDAD}" dt="2023-06-21T13:56:11.930" v="6079" actId="20577"/>
+          <ac:chgData name="Looby, Charlotte" userId="bf3d6bd8-f166-46a1-964c-bf7b72577bbd" providerId="ADAL" clId="{7B26D5CA-4353-4ECF-916E-671D697ADDAD}" dt="2023-06-23T22:22:28.599" v="9173" actId="255"/>
           <ac:spMkLst>
             <pc:docMk/>
             <pc:sldMk cId="1122709562" sldId="263"/>
@@ -744,7 +778,7 @@
         </pc:picChg>
       </pc:sldChg>
       <pc:sldChg chg="modSp new mod">
-        <pc:chgData name="Looby, Charlotte" userId="bf3d6bd8-f166-46a1-964c-bf7b72577bbd" providerId="ADAL" clId="{7B26D5CA-4353-4ECF-916E-671D697ADDAD}" dt="2023-06-21T16:48:39.131" v="7371" actId="20577"/>
+        <pc:chgData name="Looby, Charlotte" userId="bf3d6bd8-f166-46a1-964c-bf7b72577bbd" providerId="ADAL" clId="{7B26D5CA-4353-4ECF-916E-671D697ADDAD}" dt="2023-06-23T22:31:04.301" v="9588" actId="255"/>
         <pc:sldMkLst>
           <pc:docMk/>
           <pc:sldMk cId="2165220853" sldId="267"/>
@@ -758,7 +792,7 @@
           </ac:spMkLst>
         </pc:spChg>
         <pc:spChg chg="mod">
-          <ac:chgData name="Looby, Charlotte" userId="bf3d6bd8-f166-46a1-964c-bf7b72577bbd" providerId="ADAL" clId="{7B26D5CA-4353-4ECF-916E-671D697ADDAD}" dt="2023-06-21T16:48:39.131" v="7371" actId="20577"/>
+          <ac:chgData name="Looby, Charlotte" userId="bf3d6bd8-f166-46a1-964c-bf7b72577bbd" providerId="ADAL" clId="{7B26D5CA-4353-4ECF-916E-671D697ADDAD}" dt="2023-06-23T22:31:04.301" v="9588" actId="255"/>
           <ac:spMkLst>
             <pc:docMk/>
             <pc:sldMk cId="2165220853" sldId="267"/>
@@ -956,7 +990,7 @@
         </pc:picChg>
       </pc:sldChg>
       <pc:sldChg chg="addSp delSp modSp new mod">
-        <pc:chgData name="Looby, Charlotte" userId="bf3d6bd8-f166-46a1-964c-bf7b72577bbd" providerId="ADAL" clId="{7B26D5CA-4353-4ECF-916E-671D697ADDAD}" dt="2023-06-21T15:54:40.362" v="6977" actId="692"/>
+        <pc:chgData name="Looby, Charlotte" userId="bf3d6bd8-f166-46a1-964c-bf7b72577bbd" providerId="ADAL" clId="{7B26D5CA-4353-4ECF-916E-671D697ADDAD}" dt="2023-06-23T21:40:50.110" v="8918" actId="692"/>
         <pc:sldMkLst>
           <pc:docMk/>
           <pc:sldMk cId="2085239359" sldId="270"/>
@@ -977,12 +1011,20 @@
             <ac:spMk id="3" creationId="{23983BA9-8544-9118-48B8-FF1AB9909A1B}"/>
           </ac:spMkLst>
         </pc:spChg>
-        <pc:picChg chg="add mod">
-          <ac:chgData name="Looby, Charlotte" userId="bf3d6bd8-f166-46a1-964c-bf7b72577bbd" providerId="ADAL" clId="{7B26D5CA-4353-4ECF-916E-671D697ADDAD}" dt="2023-06-21T15:54:10.064" v="6973" actId="1076"/>
+        <pc:picChg chg="add del mod">
+          <ac:chgData name="Looby, Charlotte" userId="bf3d6bd8-f166-46a1-964c-bf7b72577bbd" providerId="ADAL" clId="{7B26D5CA-4353-4ECF-916E-671D697ADDAD}" dt="2023-06-23T21:40:35.751" v="8912" actId="478"/>
           <ac:picMkLst>
             <pc:docMk/>
             <pc:sldMk cId="2085239359" sldId="270"/>
             <ac:picMk id="5" creationId="{79B727E4-1CD6-420F-3D70-C3766AF545BC}"/>
+          </ac:picMkLst>
+        </pc:picChg>
+        <pc:picChg chg="add mod">
+          <ac:chgData name="Looby, Charlotte" userId="bf3d6bd8-f166-46a1-964c-bf7b72577bbd" providerId="ADAL" clId="{7B26D5CA-4353-4ECF-916E-671D697ADDAD}" dt="2023-06-23T21:40:50.110" v="8918" actId="692"/>
+          <ac:picMkLst>
+            <pc:docMk/>
+            <pc:sldMk cId="2085239359" sldId="270"/>
+            <ac:picMk id="6" creationId="{61031051-CC6F-B712-2222-4BC0130BEECC}"/>
           </ac:picMkLst>
         </pc:picChg>
         <pc:picChg chg="add del mod">
@@ -1074,7 +1116,7 @@
         </pc:picChg>
       </pc:sldChg>
       <pc:sldChg chg="addSp modSp new mod">
-        <pc:chgData name="Looby, Charlotte" userId="bf3d6bd8-f166-46a1-964c-bf7b72577bbd" providerId="ADAL" clId="{7B26D5CA-4353-4ECF-916E-671D697ADDAD}" dt="2023-06-21T15:55:25.935" v="6995" actId="692"/>
+        <pc:chgData name="Looby, Charlotte" userId="bf3d6bd8-f166-46a1-964c-bf7b72577bbd" providerId="ADAL" clId="{7B26D5CA-4353-4ECF-916E-671D697ADDAD}" dt="2023-06-23T21:53:26.041" v="8951" actId="692"/>
         <pc:sldMkLst>
           <pc:docMk/>
           <pc:sldMk cId="2104819857" sldId="272"/>
@@ -1104,7 +1146,7 @@
           </ac:picMkLst>
         </pc:picChg>
         <pc:picChg chg="add mod">
-          <ac:chgData name="Looby, Charlotte" userId="bf3d6bd8-f166-46a1-964c-bf7b72577bbd" providerId="ADAL" clId="{7B26D5CA-4353-4ECF-916E-671D697ADDAD}" dt="2023-06-20T20:31:37.234" v="2791" actId="14100"/>
+          <ac:chgData name="Looby, Charlotte" userId="bf3d6bd8-f166-46a1-964c-bf7b72577bbd" providerId="ADAL" clId="{7B26D5CA-4353-4ECF-916E-671D697ADDAD}" dt="2023-06-23T21:53:26.041" v="8951" actId="692"/>
           <ac:picMkLst>
             <pc:docMk/>
             <pc:sldMk cId="2104819857" sldId="272"/>
@@ -1159,13 +1201,13 @@
         </pc:spChg>
       </pc:sldChg>
       <pc:sldChg chg="addSp modSp new mod">
-        <pc:chgData name="Looby, Charlotte" userId="bf3d6bd8-f166-46a1-964c-bf7b72577bbd" providerId="ADAL" clId="{7B26D5CA-4353-4ECF-916E-671D697ADDAD}" dt="2023-06-21T15:55:37.395" v="7002" actId="692"/>
+        <pc:chgData name="Looby, Charlotte" userId="bf3d6bd8-f166-46a1-964c-bf7b72577bbd" providerId="ADAL" clId="{7B26D5CA-4353-4ECF-916E-671D697ADDAD}" dt="2023-06-23T22:09:20.640" v="9009" actId="27636"/>
         <pc:sldMkLst>
           <pc:docMk/>
           <pc:sldMk cId="3567726507" sldId="273"/>
         </pc:sldMkLst>
         <pc:spChg chg="mod">
-          <ac:chgData name="Looby, Charlotte" userId="bf3d6bd8-f166-46a1-964c-bf7b72577bbd" providerId="ADAL" clId="{7B26D5CA-4353-4ECF-916E-671D697ADDAD}" dt="2023-06-21T12:16:33.068" v="5386"/>
+          <ac:chgData name="Looby, Charlotte" userId="bf3d6bd8-f166-46a1-964c-bf7b72577bbd" providerId="ADAL" clId="{7B26D5CA-4353-4ECF-916E-671D697ADDAD}" dt="2023-06-23T22:09:20.640" v="9009" actId="27636"/>
           <ac:spMkLst>
             <pc:docMk/>
             <pc:sldMk cId="3567726507" sldId="273"/>
@@ -1198,7 +1240,7 @@
         </pc:picChg>
       </pc:sldChg>
       <pc:sldChg chg="addSp modSp new mod">
-        <pc:chgData name="Looby, Charlotte" userId="bf3d6bd8-f166-46a1-964c-bf7b72577bbd" providerId="ADAL" clId="{7B26D5CA-4353-4ECF-916E-671D697ADDAD}" dt="2023-06-21T15:55:48.736" v="7009" actId="692"/>
+        <pc:chgData name="Looby, Charlotte" userId="bf3d6bd8-f166-46a1-964c-bf7b72577bbd" providerId="ADAL" clId="{7B26D5CA-4353-4ECF-916E-671D697ADDAD}" dt="2023-06-23T22:11:20.172" v="9059" actId="1076"/>
         <pc:sldMkLst>
           <pc:docMk/>
           <pc:sldMk cId="1651651205" sldId="274"/>
@@ -1219,12 +1261,28 @@
             <ac:spMk id="3" creationId="{BE79F329-E1B6-6CAD-A642-0EDBA1772918}"/>
           </ac:spMkLst>
         </pc:spChg>
+        <pc:spChg chg="add mod">
+          <ac:chgData name="Looby, Charlotte" userId="bf3d6bd8-f166-46a1-964c-bf7b72577bbd" providerId="ADAL" clId="{7B26D5CA-4353-4ECF-916E-671D697ADDAD}" dt="2023-06-23T22:00:59.053" v="9003" actId="20577"/>
+          <ac:spMkLst>
+            <pc:docMk/>
+            <pc:sldMk cId="1651651205" sldId="274"/>
+            <ac:spMk id="8" creationId="{A1EDA592-B05A-FC65-890E-5853D158C8C4}"/>
+          </ac:spMkLst>
+        </pc:spChg>
         <pc:picChg chg="add mod">
           <ac:chgData name="Looby, Charlotte" userId="bf3d6bd8-f166-46a1-964c-bf7b72577bbd" providerId="ADAL" clId="{7B26D5CA-4353-4ECF-916E-671D697ADDAD}" dt="2023-06-21T15:55:46.335" v="7008" actId="692"/>
           <ac:picMkLst>
             <pc:docMk/>
             <pc:sldMk cId="1651651205" sldId="274"/>
             <ac:picMk id="5" creationId="{1DA9B6AD-DA6D-8A74-EF75-4E06C1EF1BA1}"/>
+          </ac:picMkLst>
+        </pc:picChg>
+        <pc:picChg chg="add mod">
+          <ac:chgData name="Looby, Charlotte" userId="bf3d6bd8-f166-46a1-964c-bf7b72577bbd" providerId="ADAL" clId="{7B26D5CA-4353-4ECF-916E-671D697ADDAD}" dt="2023-06-23T22:11:20.172" v="9059" actId="1076"/>
+          <ac:picMkLst>
+            <pc:docMk/>
+            <pc:sldMk cId="1651651205" sldId="274"/>
+            <ac:picMk id="6" creationId="{2882A796-7502-F843-F53D-CF6C08A6C99F}"/>
           </ac:picMkLst>
         </pc:picChg>
         <pc:picChg chg="add mod">
@@ -1237,7 +1295,7 @@
         </pc:picChg>
       </pc:sldChg>
       <pc:sldChg chg="addSp modSp new mod">
-        <pc:chgData name="Looby, Charlotte" userId="bf3d6bd8-f166-46a1-964c-bf7b72577bbd" providerId="ADAL" clId="{7B26D5CA-4353-4ECF-916E-671D697ADDAD}" dt="2023-06-21T15:52:51.451" v="6935" actId="692"/>
+        <pc:chgData name="Looby, Charlotte" userId="bf3d6bd8-f166-46a1-964c-bf7b72577bbd" providerId="ADAL" clId="{7B26D5CA-4353-4ECF-916E-671D697ADDAD}" dt="2023-06-23T20:57:45" v="8034" actId="20577"/>
         <pc:sldMkLst>
           <pc:docMk/>
           <pc:sldMk cId="1803903226" sldId="275"/>
@@ -1251,7 +1309,7 @@
           </ac:spMkLst>
         </pc:spChg>
         <pc:spChg chg="mod">
-          <ac:chgData name="Looby, Charlotte" userId="bf3d6bd8-f166-46a1-964c-bf7b72577bbd" providerId="ADAL" clId="{7B26D5CA-4353-4ECF-916E-671D697ADDAD}" dt="2023-06-21T15:20:57.421" v="6784" actId="20577"/>
+          <ac:chgData name="Looby, Charlotte" userId="bf3d6bd8-f166-46a1-964c-bf7b72577bbd" providerId="ADAL" clId="{7B26D5CA-4353-4ECF-916E-671D697ADDAD}" dt="2023-06-23T20:57:45" v="8034" actId="20577"/>
           <ac:spMkLst>
             <pc:docMk/>
             <pc:sldMk cId="1803903226" sldId="275"/>
@@ -1299,7 +1357,7 @@
         </pc:spChg>
       </pc:sldChg>
       <pc:sldChg chg="modSp new mod">
-        <pc:chgData name="Looby, Charlotte" userId="bf3d6bd8-f166-46a1-964c-bf7b72577bbd" providerId="ADAL" clId="{7B26D5CA-4353-4ECF-916E-671D697ADDAD}" dt="2023-06-21T16:03:04.798" v="7304" actId="207"/>
+        <pc:chgData name="Looby, Charlotte" userId="bf3d6bd8-f166-46a1-964c-bf7b72577bbd" providerId="ADAL" clId="{7B26D5CA-4353-4ECF-916E-671D697ADDAD}" dt="2023-06-23T22:14:20.979" v="9088" actId="20577"/>
         <pc:sldMkLst>
           <pc:docMk/>
           <pc:sldMk cId="14179200" sldId="277"/>
@@ -1313,7 +1371,7 @@
           </ac:spMkLst>
         </pc:spChg>
         <pc:spChg chg="mod">
-          <ac:chgData name="Looby, Charlotte" userId="bf3d6bd8-f166-46a1-964c-bf7b72577bbd" providerId="ADAL" clId="{7B26D5CA-4353-4ECF-916E-671D697ADDAD}" dt="2023-06-21T15:05:34.186" v="6505" actId="20577"/>
+          <ac:chgData name="Looby, Charlotte" userId="bf3d6bd8-f166-46a1-964c-bf7b72577bbd" providerId="ADAL" clId="{7B26D5CA-4353-4ECF-916E-671D697ADDAD}" dt="2023-06-23T22:14:20.979" v="9088" actId="20577"/>
           <ac:spMkLst>
             <pc:docMk/>
             <pc:sldMk cId="14179200" sldId="277"/>
@@ -1322,7 +1380,7 @@
         </pc:spChg>
       </pc:sldChg>
       <pc:sldChg chg="addSp delSp modSp new mod ord">
-        <pc:chgData name="Looby, Charlotte" userId="bf3d6bd8-f166-46a1-964c-bf7b72577bbd" providerId="ADAL" clId="{7B26D5CA-4353-4ECF-916E-671D697ADDAD}" dt="2023-06-21T15:56:19.337" v="7034" actId="692"/>
+        <pc:chgData name="Looby, Charlotte" userId="bf3d6bd8-f166-46a1-964c-bf7b72577bbd" providerId="ADAL" clId="{7B26D5CA-4353-4ECF-916E-671D697ADDAD}" dt="2023-06-23T22:13:14.041" v="9064" actId="1076"/>
         <pc:sldMkLst>
           <pc:docMk/>
           <pc:sldMk cId="3947315685" sldId="278"/>
@@ -1344,7 +1402,7 @@
           </ac:spMkLst>
         </pc:spChg>
         <pc:picChg chg="add mod ord">
-          <ac:chgData name="Looby, Charlotte" userId="bf3d6bd8-f166-46a1-964c-bf7b72577bbd" providerId="ADAL" clId="{7B26D5CA-4353-4ECF-916E-671D697ADDAD}" dt="2023-06-21T15:56:19.337" v="7034" actId="692"/>
+          <ac:chgData name="Looby, Charlotte" userId="bf3d6bd8-f166-46a1-964c-bf7b72577bbd" providerId="ADAL" clId="{7B26D5CA-4353-4ECF-916E-671D697ADDAD}" dt="2023-06-23T22:13:11.086" v="9063" actId="1076"/>
           <ac:picMkLst>
             <pc:docMk/>
             <pc:sldMk cId="3947315685" sldId="278"/>
@@ -1352,7 +1410,7 @@
           </ac:picMkLst>
         </pc:picChg>
         <pc:picChg chg="add mod">
-          <ac:chgData name="Looby, Charlotte" userId="bf3d6bd8-f166-46a1-964c-bf7b72577bbd" providerId="ADAL" clId="{7B26D5CA-4353-4ECF-916E-671D697ADDAD}" dt="2023-06-21T12:36:20.440" v="5989" actId="1076"/>
+          <ac:chgData name="Looby, Charlotte" userId="bf3d6bd8-f166-46a1-964c-bf7b72577bbd" providerId="ADAL" clId="{7B26D5CA-4353-4ECF-916E-671D697ADDAD}" dt="2023-06-23T22:13:14.041" v="9064" actId="1076"/>
           <ac:picMkLst>
             <pc:docMk/>
             <pc:sldMk cId="3947315685" sldId="278"/>
@@ -1361,7 +1419,7 @@
         </pc:picChg>
       </pc:sldChg>
       <pc:sldChg chg="addSp delSp modSp new mod">
-        <pc:chgData name="Looby, Charlotte" userId="bf3d6bd8-f166-46a1-964c-bf7b72577bbd" providerId="ADAL" clId="{7B26D5CA-4353-4ECF-916E-671D697ADDAD}" dt="2023-06-21T15:56:28.318" v="7040" actId="692"/>
+        <pc:chgData name="Looby, Charlotte" userId="bf3d6bd8-f166-46a1-964c-bf7b72577bbd" providerId="ADAL" clId="{7B26D5CA-4353-4ECF-916E-671D697ADDAD}" dt="2023-06-23T22:13:46.287" v="9068" actId="1076"/>
         <pc:sldMkLst>
           <pc:docMk/>
           <pc:sldMk cId="3962177149" sldId="279"/>
@@ -1383,7 +1441,7 @@
           </ac:spMkLst>
         </pc:spChg>
         <pc:spChg chg="add mod">
-          <ac:chgData name="Looby, Charlotte" userId="bf3d6bd8-f166-46a1-964c-bf7b72577bbd" providerId="ADAL" clId="{7B26D5CA-4353-4ECF-916E-671D697ADDAD}" dt="2023-06-21T12:46:40.651" v="6069"/>
+          <ac:chgData name="Looby, Charlotte" userId="bf3d6bd8-f166-46a1-964c-bf7b72577bbd" providerId="ADAL" clId="{7B26D5CA-4353-4ECF-916E-671D697ADDAD}" dt="2023-06-23T22:13:46.287" v="9068" actId="1076"/>
           <ac:spMkLst>
             <pc:docMk/>
             <pc:sldMk cId="3962177149" sldId="279"/>
@@ -1391,7 +1449,7 @@
           </ac:spMkLst>
         </pc:spChg>
         <pc:picChg chg="add mod ord">
-          <ac:chgData name="Looby, Charlotte" userId="bf3d6bd8-f166-46a1-964c-bf7b72577bbd" providerId="ADAL" clId="{7B26D5CA-4353-4ECF-916E-671D697ADDAD}" dt="2023-06-21T15:56:28.318" v="7040" actId="692"/>
+          <ac:chgData name="Looby, Charlotte" userId="bf3d6bd8-f166-46a1-964c-bf7b72577bbd" providerId="ADAL" clId="{7B26D5CA-4353-4ECF-916E-671D697ADDAD}" dt="2023-06-23T22:13:29.848" v="9065" actId="1076"/>
           <ac:picMkLst>
             <pc:docMk/>
             <pc:sldMk cId="3962177149" sldId="279"/>
@@ -1399,7 +1457,7 @@
           </ac:picMkLst>
         </pc:picChg>
         <pc:picChg chg="add mod">
-          <ac:chgData name="Looby, Charlotte" userId="bf3d6bd8-f166-46a1-964c-bf7b72577bbd" providerId="ADAL" clId="{7B26D5CA-4353-4ECF-916E-671D697ADDAD}" dt="2023-06-21T12:44:11.139" v="6045" actId="1076"/>
+          <ac:chgData name="Looby, Charlotte" userId="bf3d6bd8-f166-46a1-964c-bf7b72577bbd" providerId="ADAL" clId="{7B26D5CA-4353-4ECF-916E-671D697ADDAD}" dt="2023-06-23T22:13:35.029" v="9066" actId="1076"/>
           <ac:picMkLst>
             <pc:docMk/>
             <pc:sldMk cId="3962177149" sldId="279"/>
@@ -1407,7 +1465,7 @@
           </ac:picMkLst>
         </pc:picChg>
         <pc:picChg chg="add mod">
-          <ac:chgData name="Looby, Charlotte" userId="bf3d6bd8-f166-46a1-964c-bf7b72577bbd" providerId="ADAL" clId="{7B26D5CA-4353-4ECF-916E-671D697ADDAD}" dt="2023-06-21T12:46:47.276" v="6071"/>
+          <ac:chgData name="Looby, Charlotte" userId="bf3d6bd8-f166-46a1-964c-bf7b72577bbd" providerId="ADAL" clId="{7B26D5CA-4353-4ECF-916E-671D697ADDAD}" dt="2023-06-23T22:13:38.182" v="9067" actId="1076"/>
           <ac:picMkLst>
             <pc:docMk/>
             <pc:sldMk cId="3962177149" sldId="279"/>
@@ -1416,13 +1474,13 @@
         </pc:picChg>
       </pc:sldChg>
       <pc:sldChg chg="addSp delSp modSp new mod">
-        <pc:chgData name="Looby, Charlotte" userId="bf3d6bd8-f166-46a1-964c-bf7b72577bbd" providerId="ADAL" clId="{7B26D5CA-4353-4ECF-916E-671D697ADDAD}" dt="2023-06-21T13:58:32.429" v="6132" actId="1076"/>
+        <pc:chgData name="Looby, Charlotte" userId="bf3d6bd8-f166-46a1-964c-bf7b72577bbd" providerId="ADAL" clId="{7B26D5CA-4353-4ECF-916E-671D697ADDAD}" dt="2023-06-23T22:14:32.146" v="9089" actId="20577"/>
         <pc:sldMkLst>
           <pc:docMk/>
           <pc:sldMk cId="1117865349" sldId="280"/>
         </pc:sldMkLst>
         <pc:spChg chg="mod">
-          <ac:chgData name="Looby, Charlotte" userId="bf3d6bd8-f166-46a1-964c-bf7b72577bbd" providerId="ADAL" clId="{7B26D5CA-4353-4ECF-916E-671D697ADDAD}" dt="2023-06-21T13:56:34.536" v="6118" actId="1076"/>
+          <ac:chgData name="Looby, Charlotte" userId="bf3d6bd8-f166-46a1-964c-bf7b72577bbd" providerId="ADAL" clId="{7B26D5CA-4353-4ECF-916E-671D697ADDAD}" dt="2023-06-23T22:14:32.146" v="9089" actId="20577"/>
           <ac:spMkLst>
             <pc:docMk/>
             <pc:sldMk cId="1117865349" sldId="280"/>
@@ -1541,7 +1599,7 @@
         </pc:spChg>
       </pc:sldChg>
       <pc:sldChg chg="modSp new mod">
-        <pc:chgData name="Looby, Charlotte" userId="bf3d6bd8-f166-46a1-964c-bf7b72577bbd" providerId="ADAL" clId="{7B26D5CA-4353-4ECF-916E-671D697ADDAD}" dt="2023-06-23T14:39:58.417" v="7420" actId="20577"/>
+        <pc:chgData name="Looby, Charlotte" userId="bf3d6bd8-f166-46a1-964c-bf7b72577bbd" providerId="ADAL" clId="{7B26D5CA-4353-4ECF-916E-671D697ADDAD}" dt="2023-06-23T20:55:24.195" v="7934" actId="313"/>
         <pc:sldMkLst>
           <pc:docMk/>
           <pc:sldMk cId="3624614859" sldId="283"/>
@@ -1555,7 +1613,7 @@
           </ac:spMkLst>
         </pc:spChg>
         <pc:spChg chg="mod">
-          <ac:chgData name="Looby, Charlotte" userId="bf3d6bd8-f166-46a1-964c-bf7b72577bbd" providerId="ADAL" clId="{7B26D5CA-4353-4ECF-916E-671D697ADDAD}" dt="2023-06-21T15:15:58.558" v="6776" actId="14100"/>
+          <ac:chgData name="Looby, Charlotte" userId="bf3d6bd8-f166-46a1-964c-bf7b72577bbd" providerId="ADAL" clId="{7B26D5CA-4353-4ECF-916E-671D697ADDAD}" dt="2023-06-23T20:55:24.195" v="7934" actId="313"/>
           <ac:spMkLst>
             <pc:docMk/>
             <pc:sldMk cId="3624614859" sldId="283"/>
@@ -1585,6 +1643,196 @@
             <ac:spMk id="3" creationId="{2DB1BBB9-4E37-D66C-79FE-0351D3C025A2}"/>
           </ac:spMkLst>
         </pc:spChg>
+      </pc:sldChg>
+      <pc:sldChg chg="addSp delSp modSp new mod">
+        <pc:chgData name="Looby, Charlotte" userId="bf3d6bd8-f166-46a1-964c-bf7b72577bbd" providerId="ADAL" clId="{7B26D5CA-4353-4ECF-916E-671D697ADDAD}" dt="2023-06-23T22:22:28.599" v="9173" actId="255"/>
+        <pc:sldMkLst>
+          <pc:docMk/>
+          <pc:sldMk cId="3694972949" sldId="285"/>
+        </pc:sldMkLst>
+        <pc:spChg chg="mod">
+          <ac:chgData name="Looby, Charlotte" userId="bf3d6bd8-f166-46a1-964c-bf7b72577bbd" providerId="ADAL" clId="{7B26D5CA-4353-4ECF-916E-671D697ADDAD}" dt="2023-06-23T22:22:28.599" v="9173" actId="255"/>
+          <ac:spMkLst>
+            <pc:docMk/>
+            <pc:sldMk cId="3694972949" sldId="285"/>
+            <ac:spMk id="2" creationId="{888857FA-3C76-A2A3-60B7-00D058E8313C}"/>
+          </ac:spMkLst>
+        </pc:spChg>
+        <pc:spChg chg="mod">
+          <ac:chgData name="Looby, Charlotte" userId="bf3d6bd8-f166-46a1-964c-bf7b72577bbd" providerId="ADAL" clId="{7B26D5CA-4353-4ECF-916E-671D697ADDAD}" dt="2023-06-23T21:33:12.591" v="8902" actId="14100"/>
+          <ac:spMkLst>
+            <pc:docMk/>
+            <pc:sldMk cId="3694972949" sldId="285"/>
+            <ac:spMk id="3" creationId="{265B325D-FB44-85D2-E040-AA10FCF1D33D}"/>
+          </ac:spMkLst>
+        </pc:spChg>
+        <pc:picChg chg="add mod">
+          <ac:chgData name="Looby, Charlotte" userId="bf3d6bd8-f166-46a1-964c-bf7b72577bbd" providerId="ADAL" clId="{7B26D5CA-4353-4ECF-916E-671D697ADDAD}" dt="2023-06-23T21:33:14.014" v="8903" actId="1076"/>
+          <ac:picMkLst>
+            <pc:docMk/>
+            <pc:sldMk cId="3694972949" sldId="285"/>
+            <ac:picMk id="5" creationId="{CFB2B233-FD76-4B16-05BE-61E46486AAD2}"/>
+          </ac:picMkLst>
+        </pc:picChg>
+        <pc:picChg chg="add del mod">
+          <ac:chgData name="Looby, Charlotte" userId="bf3d6bd8-f166-46a1-964c-bf7b72577bbd" providerId="ADAL" clId="{7B26D5CA-4353-4ECF-916E-671D697ADDAD}" dt="2023-06-23T21:29:12.631" v="8881" actId="21"/>
+          <ac:picMkLst>
+            <pc:docMk/>
+            <pc:sldMk cId="3694972949" sldId="285"/>
+            <ac:picMk id="7" creationId="{D8C2D74C-4477-8352-9DF0-C6EC82C2A72E}"/>
+          </ac:picMkLst>
+        </pc:picChg>
+        <pc:picChg chg="add del mod">
+          <ac:chgData name="Looby, Charlotte" userId="bf3d6bd8-f166-46a1-964c-bf7b72577bbd" providerId="ADAL" clId="{7B26D5CA-4353-4ECF-916E-671D697ADDAD}" dt="2023-06-23T21:28:56.064" v="8876" actId="22"/>
+          <ac:picMkLst>
+            <pc:docMk/>
+            <pc:sldMk cId="3694972949" sldId="285"/>
+            <ac:picMk id="9" creationId="{7F4196EE-386F-E045-360F-4E8D16340AAF}"/>
+          </ac:picMkLst>
+        </pc:picChg>
+        <pc:picChg chg="add del mod">
+          <ac:chgData name="Looby, Charlotte" userId="bf3d6bd8-f166-46a1-964c-bf7b72577bbd" providerId="ADAL" clId="{7B26D5CA-4353-4ECF-916E-671D697ADDAD}" dt="2023-06-23T21:31:24.926" v="8885" actId="21"/>
+          <ac:picMkLst>
+            <pc:docMk/>
+            <pc:sldMk cId="3694972949" sldId="285"/>
+            <ac:picMk id="11" creationId="{A5135F56-41B2-160C-B415-DA6F0D69DF4B}"/>
+          </ac:picMkLst>
+        </pc:picChg>
+        <pc:picChg chg="add mod">
+          <ac:chgData name="Looby, Charlotte" userId="bf3d6bd8-f166-46a1-964c-bf7b72577bbd" providerId="ADAL" clId="{7B26D5CA-4353-4ECF-916E-671D697ADDAD}" dt="2023-06-23T21:37:11.005" v="8905" actId="692"/>
+          <ac:picMkLst>
+            <pc:docMk/>
+            <pc:sldMk cId="3694972949" sldId="285"/>
+            <ac:picMk id="13" creationId="{18D0CAA1-8A52-857A-87D0-A9F08D778DA3}"/>
+          </ac:picMkLst>
+        </pc:picChg>
+        <pc:picChg chg="add mod">
+          <ac:chgData name="Looby, Charlotte" userId="bf3d6bd8-f166-46a1-964c-bf7b72577bbd" providerId="ADAL" clId="{7B26D5CA-4353-4ECF-916E-671D697ADDAD}" dt="2023-06-23T21:33:03.668" v="8901" actId="692"/>
+          <ac:picMkLst>
+            <pc:docMk/>
+            <pc:sldMk cId="3694972949" sldId="285"/>
+            <ac:picMk id="17" creationId="{E3D4E5DC-0543-D08E-00B6-997D2642F5C5}"/>
+          </ac:picMkLst>
+        </pc:picChg>
+        <pc:cxnChg chg="add">
+          <ac:chgData name="Looby, Charlotte" userId="bf3d6bd8-f166-46a1-964c-bf7b72577bbd" providerId="ADAL" clId="{7B26D5CA-4353-4ECF-916E-671D697ADDAD}" dt="2023-06-23T21:32:24.487" v="8896" actId="11529"/>
+          <ac:cxnSpMkLst>
+            <pc:docMk/>
+            <pc:sldMk cId="3694972949" sldId="285"/>
+            <ac:cxnSpMk id="15" creationId="{44020C9B-E7BF-A9FD-D4DE-CC2ABA3BDD3F}"/>
+          </ac:cxnSpMkLst>
+        </pc:cxnChg>
+      </pc:sldChg>
+      <pc:sldChg chg="addSp delSp modSp new mod">
+        <pc:chgData name="Looby, Charlotte" userId="bf3d6bd8-f166-46a1-964c-bf7b72577bbd" providerId="ADAL" clId="{7B26D5CA-4353-4ECF-916E-671D697ADDAD}" dt="2023-06-23T22:22:28.599" v="9173" actId="255"/>
+        <pc:sldMkLst>
+          <pc:docMk/>
+          <pc:sldMk cId="3085402341" sldId="286"/>
+        </pc:sldMkLst>
+        <pc:spChg chg="mod">
+          <ac:chgData name="Looby, Charlotte" userId="bf3d6bd8-f166-46a1-964c-bf7b72577bbd" providerId="ADAL" clId="{7B26D5CA-4353-4ECF-916E-671D697ADDAD}" dt="2023-06-23T22:22:28.599" v="9173" actId="255"/>
+          <ac:spMkLst>
+            <pc:docMk/>
+            <pc:sldMk cId="3085402341" sldId="286"/>
+            <ac:spMk id="2" creationId="{CE769C6B-0A4E-BF1B-A16E-ADA25EB28F22}"/>
+          </ac:spMkLst>
+        </pc:spChg>
+        <pc:spChg chg="del mod">
+          <ac:chgData name="Looby, Charlotte" userId="bf3d6bd8-f166-46a1-964c-bf7b72577bbd" providerId="ADAL" clId="{7B26D5CA-4353-4ECF-916E-671D697ADDAD}" dt="2023-06-23T21:10:57.785" v="8817" actId="22"/>
+          <ac:spMkLst>
+            <pc:docMk/>
+            <pc:sldMk cId="3085402341" sldId="286"/>
+            <ac:spMk id="3" creationId="{F151F469-BE83-D8D8-C705-2077A3480335}"/>
+          </ac:spMkLst>
+        </pc:spChg>
+        <pc:spChg chg="add del mod">
+          <ac:chgData name="Looby, Charlotte" userId="bf3d6bd8-f166-46a1-964c-bf7b72577bbd" providerId="ADAL" clId="{7B26D5CA-4353-4ECF-916E-671D697ADDAD}" dt="2023-06-23T21:38:19.933" v="8906"/>
+          <ac:spMkLst>
+            <pc:docMk/>
+            <pc:sldMk cId="3085402341" sldId="286"/>
+            <ac:spMk id="7" creationId="{8B49DF05-0982-5418-C0AC-4A2CAC237407}"/>
+          </ac:spMkLst>
+        </pc:spChg>
+        <pc:spChg chg="add del">
+          <ac:chgData name="Looby, Charlotte" userId="bf3d6bd8-f166-46a1-964c-bf7b72577bbd" providerId="ADAL" clId="{7B26D5CA-4353-4ECF-916E-671D697ADDAD}" dt="2023-06-23T21:43:14.531" v="8939" actId="11529"/>
+          <ac:spMkLst>
+            <pc:docMk/>
+            <pc:sldMk cId="3085402341" sldId="286"/>
+            <ac:spMk id="14" creationId="{F60FB2E2-55E9-507D-F54E-D493DF8F7BA3}"/>
+          </ac:spMkLst>
+        </pc:spChg>
+        <pc:spChg chg="add mod">
+          <ac:chgData name="Looby, Charlotte" userId="bf3d6bd8-f166-46a1-964c-bf7b72577bbd" providerId="ADAL" clId="{7B26D5CA-4353-4ECF-916E-671D697ADDAD}" dt="2023-06-23T21:43:44.426" v="8945" actId="692"/>
+          <ac:spMkLst>
+            <pc:docMk/>
+            <pc:sldMk cId="3085402341" sldId="286"/>
+            <ac:spMk id="15" creationId="{64B4E8BD-E406-EF23-4B11-03D41D0245FA}"/>
+          </ac:spMkLst>
+        </pc:spChg>
+        <pc:picChg chg="add del mod ord">
+          <ac:chgData name="Looby, Charlotte" userId="bf3d6bd8-f166-46a1-964c-bf7b72577bbd" providerId="ADAL" clId="{7B26D5CA-4353-4ECF-916E-671D697ADDAD}" dt="2023-06-23T21:15:10.345" v="8825" actId="21"/>
+          <ac:picMkLst>
+            <pc:docMk/>
+            <pc:sldMk cId="3085402341" sldId="286"/>
+            <ac:picMk id="5" creationId="{EA1D5031-43E0-F133-319B-31DA65E8AB58}"/>
+          </ac:picMkLst>
+        </pc:picChg>
+        <pc:picChg chg="add mod">
+          <ac:chgData name="Looby, Charlotte" userId="bf3d6bd8-f166-46a1-964c-bf7b72577bbd" providerId="ADAL" clId="{7B26D5CA-4353-4ECF-916E-671D697ADDAD}" dt="2023-06-23T21:42:50.916" v="8936" actId="1076"/>
+          <ac:picMkLst>
+            <pc:docMk/>
+            <pc:sldMk cId="3085402341" sldId="286"/>
+            <ac:picMk id="8" creationId="{54B7E367-6C11-323F-428A-5C8158A3F547}"/>
+          </ac:picMkLst>
+        </pc:picChg>
+        <pc:picChg chg="add del mod">
+          <ac:chgData name="Looby, Charlotte" userId="bf3d6bd8-f166-46a1-964c-bf7b72577bbd" providerId="ADAL" clId="{7B26D5CA-4353-4ECF-916E-671D697ADDAD}" dt="2023-06-23T21:40:59.239" v="8919" actId="478"/>
+          <ac:picMkLst>
+            <pc:docMk/>
+            <pc:sldMk cId="3085402341" sldId="286"/>
+            <ac:picMk id="9" creationId="{CA55C752-C49D-EB62-9980-561A63B80089}"/>
+          </ac:picMkLst>
+        </pc:picChg>
+        <pc:picChg chg="add mod">
+          <ac:chgData name="Looby, Charlotte" userId="bf3d6bd8-f166-46a1-964c-bf7b72577bbd" providerId="ADAL" clId="{7B26D5CA-4353-4ECF-916E-671D697ADDAD}" dt="2023-06-23T21:42:49.545" v="8935" actId="1076"/>
+          <ac:picMkLst>
+            <pc:docMk/>
+            <pc:sldMk cId="3085402341" sldId="286"/>
+            <ac:picMk id="10" creationId="{42F87897-7523-72D2-F703-4FD5485F5D91}"/>
+          </ac:picMkLst>
+        </pc:picChg>
+        <pc:picChg chg="add mod">
+          <ac:chgData name="Looby, Charlotte" userId="bf3d6bd8-f166-46a1-964c-bf7b72577bbd" providerId="ADAL" clId="{7B26D5CA-4353-4ECF-916E-671D697ADDAD}" dt="2023-06-23T21:42:47.547" v="8934" actId="1076"/>
+          <ac:picMkLst>
+            <pc:docMk/>
+            <pc:sldMk cId="3085402341" sldId="286"/>
+            <ac:picMk id="11" creationId="{E1F4905E-F23F-C7BF-C1DD-A125C619FF57}"/>
+          </ac:picMkLst>
+        </pc:picChg>
+        <pc:picChg chg="add mod">
+          <ac:chgData name="Looby, Charlotte" userId="bf3d6bd8-f166-46a1-964c-bf7b72577bbd" providerId="ADAL" clId="{7B26D5CA-4353-4ECF-916E-671D697ADDAD}" dt="2023-06-23T21:43:00.034" v="8937" actId="14100"/>
+          <ac:picMkLst>
+            <pc:docMk/>
+            <pc:sldMk cId="3085402341" sldId="286"/>
+            <ac:picMk id="13" creationId="{9F1C0EE9-F525-DA65-4CD1-ED43ED016279}"/>
+          </ac:picMkLst>
+        </pc:picChg>
+        <pc:picChg chg="add del mod">
+          <ac:chgData name="Looby, Charlotte" userId="bf3d6bd8-f166-46a1-964c-bf7b72577bbd" providerId="ADAL" clId="{7B26D5CA-4353-4ECF-916E-671D697ADDAD}" dt="2023-06-23T21:48:30.229" v="8949" actId="21"/>
+          <ac:picMkLst>
+            <pc:docMk/>
+            <pc:sldMk cId="3085402341" sldId="286"/>
+            <ac:picMk id="18" creationId="{F87C0C1B-3DEB-DF4F-AD4A-FBFE96E94746}"/>
+          </ac:picMkLst>
+        </pc:picChg>
+        <pc:cxnChg chg="add">
+          <ac:chgData name="Looby, Charlotte" userId="bf3d6bd8-f166-46a1-964c-bf7b72577bbd" providerId="ADAL" clId="{7B26D5CA-4353-4ECF-916E-671D697ADDAD}" dt="2023-06-23T21:44:15.209" v="8946" actId="11529"/>
+          <ac:cxnSpMkLst>
+            <pc:docMk/>
+            <pc:sldMk cId="3085402341" sldId="286"/>
+            <ac:cxnSpMk id="17" creationId="{9E6F7D40-506B-23AA-82AC-78841F59C041}"/>
+          </ac:cxnSpMkLst>
+        </pc:cxnChg>
       </pc:sldChg>
       <pc:sldMasterChg chg="modSldLayout">
         <pc:chgData name="Looby, Charlotte" userId="bf3d6bd8-f166-46a1-964c-bf7b72577bbd" providerId="ADAL" clId="{7B26D5CA-4353-4ECF-916E-671D697ADDAD}" dt="2023-06-14T14:17:21.766" v="352"/>
@@ -1632,6 +1880,125 @@
               <ac:cxnSpMk id="33" creationId="{00000000-0000-0000-0000-000000000000}"/>
             </ac:cxnSpMkLst>
           </pc:cxnChg>
+        </pc:sldLayoutChg>
+      </pc:sldMasterChg>
+      <pc:sldMasterChg chg="modSldLayout">
+        <pc:chgData name="Looby, Charlotte" userId="bf3d6bd8-f166-46a1-964c-bf7b72577bbd" providerId="ADAL" clId="{7B26D5CA-4353-4ECF-916E-671D697ADDAD}" dt="2023-06-23T22:22:29.526" v="9174" actId="1076"/>
+        <pc:sldMasterMkLst>
+          <pc:docMk/>
+          <pc:sldMasterMk cId="4023997493" sldId="2147485945"/>
+        </pc:sldMasterMkLst>
+        <pc:sldLayoutChg chg="modSp mod">
+          <pc:chgData name="Looby, Charlotte" userId="bf3d6bd8-f166-46a1-964c-bf7b72577bbd" providerId="ADAL" clId="{7B26D5CA-4353-4ECF-916E-671D697ADDAD}" dt="2023-06-23T22:22:29.526" v="9174" actId="1076"/>
+          <pc:sldLayoutMkLst>
+            <pc:docMk/>
+            <pc:sldMasterMk cId="4023997493" sldId="2147485945"/>
+            <pc:sldLayoutMk cId="828331782" sldId="2147485947"/>
+          </pc:sldLayoutMkLst>
+          <pc:spChg chg="mod">
+            <ac:chgData name="Looby, Charlotte" userId="bf3d6bd8-f166-46a1-964c-bf7b72577bbd" providerId="ADAL" clId="{7B26D5CA-4353-4ECF-916E-671D697ADDAD}" dt="2023-06-23T22:22:29.526" v="9174" actId="1076"/>
+            <ac:spMkLst>
+              <pc:docMk/>
+              <pc:sldMasterMk cId="4023997493" sldId="2147485945"/>
+              <pc:sldLayoutMk cId="828331782" sldId="2147485947"/>
+              <ac:spMk id="2" creationId="{00000000-0000-0000-0000-000000000000}"/>
+            </ac:spMkLst>
+          </pc:spChg>
+        </pc:sldLayoutChg>
+      </pc:sldMasterChg>
+      <pc:sldMasterChg chg="new add del mod addSldLayout delSldLayout">
+        <pc:chgData name="Looby, Charlotte" userId="bf3d6bd8-f166-46a1-964c-bf7b72577bbd" providerId="ADAL" clId="{7B26D5CA-4353-4ECF-916E-671D697ADDAD}" dt="2023-06-23T22:22:27.756" v="9171" actId="6938"/>
+        <pc:sldMasterMkLst>
+          <pc:docMk/>
+          <pc:sldMasterMk cId="3636872875" sldId="2147485963"/>
+        </pc:sldMasterMkLst>
+        <pc:sldLayoutChg chg="new add del replId">
+          <pc:chgData name="Looby, Charlotte" userId="bf3d6bd8-f166-46a1-964c-bf7b72577bbd" providerId="ADAL" clId="{7B26D5CA-4353-4ECF-916E-671D697ADDAD}" dt="2023-06-23T22:22:27.756" v="9171" actId="6938"/>
+          <pc:sldLayoutMkLst>
+            <pc:docMk/>
+            <pc:sldMasterMk cId="3636872875" sldId="2147485963"/>
+            <pc:sldLayoutMk cId="1927967318" sldId="2147485964"/>
+          </pc:sldLayoutMkLst>
+        </pc:sldLayoutChg>
+        <pc:sldLayoutChg chg="new add del replId">
+          <pc:chgData name="Looby, Charlotte" userId="bf3d6bd8-f166-46a1-964c-bf7b72577bbd" providerId="ADAL" clId="{7B26D5CA-4353-4ECF-916E-671D697ADDAD}" dt="2023-06-23T22:22:27.756" v="9171" actId="6938"/>
+          <pc:sldLayoutMkLst>
+            <pc:docMk/>
+            <pc:sldMasterMk cId="3636872875" sldId="2147485963"/>
+            <pc:sldLayoutMk cId="971155588" sldId="2147485965"/>
+          </pc:sldLayoutMkLst>
+        </pc:sldLayoutChg>
+        <pc:sldLayoutChg chg="new add del replId">
+          <pc:chgData name="Looby, Charlotte" userId="bf3d6bd8-f166-46a1-964c-bf7b72577bbd" providerId="ADAL" clId="{7B26D5CA-4353-4ECF-916E-671D697ADDAD}" dt="2023-06-23T22:22:27.756" v="9171" actId="6938"/>
+          <pc:sldLayoutMkLst>
+            <pc:docMk/>
+            <pc:sldMasterMk cId="3636872875" sldId="2147485963"/>
+            <pc:sldLayoutMk cId="1642407202" sldId="2147485966"/>
+          </pc:sldLayoutMkLst>
+        </pc:sldLayoutChg>
+        <pc:sldLayoutChg chg="new add del replId">
+          <pc:chgData name="Looby, Charlotte" userId="bf3d6bd8-f166-46a1-964c-bf7b72577bbd" providerId="ADAL" clId="{7B26D5CA-4353-4ECF-916E-671D697ADDAD}" dt="2023-06-23T22:22:27.756" v="9171" actId="6938"/>
+          <pc:sldLayoutMkLst>
+            <pc:docMk/>
+            <pc:sldMasterMk cId="3636872875" sldId="2147485963"/>
+            <pc:sldLayoutMk cId="354590312" sldId="2147485967"/>
+          </pc:sldLayoutMkLst>
+        </pc:sldLayoutChg>
+        <pc:sldLayoutChg chg="new add del replId">
+          <pc:chgData name="Looby, Charlotte" userId="bf3d6bd8-f166-46a1-964c-bf7b72577bbd" providerId="ADAL" clId="{7B26D5CA-4353-4ECF-916E-671D697ADDAD}" dt="2023-06-23T22:22:27.756" v="9171" actId="6938"/>
+          <pc:sldLayoutMkLst>
+            <pc:docMk/>
+            <pc:sldMasterMk cId="3636872875" sldId="2147485963"/>
+            <pc:sldLayoutMk cId="2394755702" sldId="2147485968"/>
+          </pc:sldLayoutMkLst>
+        </pc:sldLayoutChg>
+        <pc:sldLayoutChg chg="new add del replId">
+          <pc:chgData name="Looby, Charlotte" userId="bf3d6bd8-f166-46a1-964c-bf7b72577bbd" providerId="ADAL" clId="{7B26D5CA-4353-4ECF-916E-671D697ADDAD}" dt="2023-06-23T22:22:27.756" v="9171" actId="6938"/>
+          <pc:sldLayoutMkLst>
+            <pc:docMk/>
+            <pc:sldMasterMk cId="3636872875" sldId="2147485963"/>
+            <pc:sldLayoutMk cId="405542151" sldId="2147485969"/>
+          </pc:sldLayoutMkLst>
+        </pc:sldLayoutChg>
+        <pc:sldLayoutChg chg="new add del replId">
+          <pc:chgData name="Looby, Charlotte" userId="bf3d6bd8-f166-46a1-964c-bf7b72577bbd" providerId="ADAL" clId="{7B26D5CA-4353-4ECF-916E-671D697ADDAD}" dt="2023-06-23T22:22:27.756" v="9171" actId="6938"/>
+          <pc:sldLayoutMkLst>
+            <pc:docMk/>
+            <pc:sldMasterMk cId="3636872875" sldId="2147485963"/>
+            <pc:sldLayoutMk cId="2975145970" sldId="2147485970"/>
+          </pc:sldLayoutMkLst>
+        </pc:sldLayoutChg>
+        <pc:sldLayoutChg chg="new add del replId">
+          <pc:chgData name="Looby, Charlotte" userId="bf3d6bd8-f166-46a1-964c-bf7b72577bbd" providerId="ADAL" clId="{7B26D5CA-4353-4ECF-916E-671D697ADDAD}" dt="2023-06-23T22:22:27.756" v="9171" actId="6938"/>
+          <pc:sldLayoutMkLst>
+            <pc:docMk/>
+            <pc:sldMasterMk cId="3636872875" sldId="2147485963"/>
+            <pc:sldLayoutMk cId="3102138575" sldId="2147485971"/>
+          </pc:sldLayoutMkLst>
+        </pc:sldLayoutChg>
+        <pc:sldLayoutChg chg="new add del replId">
+          <pc:chgData name="Looby, Charlotte" userId="bf3d6bd8-f166-46a1-964c-bf7b72577bbd" providerId="ADAL" clId="{7B26D5CA-4353-4ECF-916E-671D697ADDAD}" dt="2023-06-23T22:22:27.756" v="9171" actId="6938"/>
+          <pc:sldLayoutMkLst>
+            <pc:docMk/>
+            <pc:sldMasterMk cId="3636872875" sldId="2147485963"/>
+            <pc:sldLayoutMk cId="2163318845" sldId="2147485972"/>
+          </pc:sldLayoutMkLst>
+        </pc:sldLayoutChg>
+        <pc:sldLayoutChg chg="new add del replId">
+          <pc:chgData name="Looby, Charlotte" userId="bf3d6bd8-f166-46a1-964c-bf7b72577bbd" providerId="ADAL" clId="{7B26D5CA-4353-4ECF-916E-671D697ADDAD}" dt="2023-06-23T22:22:27.756" v="9171" actId="6938"/>
+          <pc:sldLayoutMkLst>
+            <pc:docMk/>
+            <pc:sldMasterMk cId="3636872875" sldId="2147485963"/>
+            <pc:sldLayoutMk cId="3060153416" sldId="2147485973"/>
+          </pc:sldLayoutMkLst>
+        </pc:sldLayoutChg>
+        <pc:sldLayoutChg chg="new add del replId">
+          <pc:chgData name="Looby, Charlotte" userId="bf3d6bd8-f166-46a1-964c-bf7b72577bbd" providerId="ADAL" clId="{7B26D5CA-4353-4ECF-916E-671D697ADDAD}" dt="2023-06-23T22:22:27.756" v="9171" actId="6938"/>
+          <pc:sldLayoutMkLst>
+            <pc:docMk/>
+            <pc:sldMasterMk cId="3636872875" sldId="2147485963"/>
+            <pc:sldLayoutMk cId="3181043161" sldId="2147485974"/>
+          </pc:sldLayoutMkLst>
         </pc:sldLayoutChg>
       </pc:sldMasterChg>
     </pc:docChg>
@@ -4848,10 +5215,9 @@
           <a:lstStyle/>
           <a:p>
             <a:r>
-              <a:rPr lang="en-US"/>
+              <a:rPr lang="en-US" dirty="0"/>
               <a:t>Click to edit Master title style</a:t>
             </a:r>
-            <a:endParaRPr lang="en-US" dirty="0"/>
           </a:p>
         </p:txBody>
       </p:sp>
@@ -7562,15 +7928,20 @@
             <p:ph type="ctrTitle"/>
           </p:nvPr>
         </p:nvSpPr>
-        <p:spPr/>
+        <p:spPr>
+          <a:xfrm>
+            <a:off x="952199" y="1769538"/>
+            <a:ext cx="10277022" cy="1828801"/>
+          </a:xfrm>
+        </p:spPr>
         <p:txBody>
           <a:bodyPr/>
           <a:lstStyle/>
           <a:p>
-            <a:br>
+            <a:r>
               <a:rPr lang="en-US" dirty="0"/>
-            </a:br>
-            <a:endParaRPr lang="en-US" dirty="0"/>
+              <a:t>R 102: Practical Applications of R</a:t>
+            </a:r>
           </a:p>
         </p:txBody>
       </p:sp>
@@ -7758,41 +8129,6 @@
       </p:sp>
       <p:pic>
         <p:nvPicPr>
-          <p:cNvPr id="5" name="Picture 4">
-            <a:extLst>
-              <a:ext uri="{FF2B5EF4-FFF2-40B4-BE49-F238E27FC236}">
-                <a16:creationId xmlns:a16="http://schemas.microsoft.com/office/drawing/2014/main" id="{79B727E4-1CD6-420F-3D70-C3766AF545BC}"/>
-              </a:ext>
-            </a:extLst>
-          </p:cNvPr>
-          <p:cNvPicPr>
-            <a:picLocks noChangeAspect="1"/>
-          </p:cNvPicPr>
-          <p:nvPr/>
-        </p:nvPicPr>
-        <p:blipFill>
-          <a:blip r:embed="rId2"/>
-          <a:stretch>
-            <a:fillRect/>
-          </a:stretch>
-        </p:blipFill>
-        <p:spPr>
-          <a:xfrm>
-            <a:off x="1260042" y="2595998"/>
-            <a:ext cx="7487390" cy="347951"/>
-          </a:xfrm>
-          <a:prstGeom prst="rect">
-            <a:avLst/>
-          </a:prstGeom>
-          <a:ln w="9525">
-            <a:solidFill>
-              <a:srgbClr val="0070C0"/>
-            </a:solidFill>
-          </a:ln>
-        </p:spPr>
-      </p:pic>
-      <p:pic>
-        <p:nvPicPr>
           <p:cNvPr id="11" name="Picture 10">
             <a:extLst>
               <a:ext uri="{FF2B5EF4-FFF2-40B4-BE49-F238E27FC236}">
@@ -7806,7 +8142,7 @@
           <p:nvPr/>
         </p:nvPicPr>
         <p:blipFill>
-          <a:blip r:embed="rId3"/>
+          <a:blip r:embed="rId2"/>
           <a:stretch>
             <a:fillRect/>
           </a:stretch>
@@ -7841,7 +8177,7 @@
           <p:nvPr/>
         </p:nvPicPr>
         <p:blipFill>
-          <a:blip r:embed="rId4"/>
+          <a:blip r:embed="rId3"/>
           <a:stretch>
             <a:fillRect/>
           </a:stretch>
@@ -7876,6 +8212,41 @@
           <p:nvPr/>
         </p:nvPicPr>
         <p:blipFill>
+          <a:blip r:embed="rId4"/>
+          <a:stretch>
+            <a:fillRect/>
+          </a:stretch>
+        </p:blipFill>
+        <p:spPr>
+          <a:xfrm>
+            <a:off x="1173480" y="5203023"/>
+            <a:ext cx="5355883" cy="963815"/>
+          </a:xfrm>
+          <a:prstGeom prst="rect">
+            <a:avLst/>
+          </a:prstGeom>
+          <a:ln>
+            <a:solidFill>
+              <a:srgbClr val="0070C0"/>
+            </a:solidFill>
+          </a:ln>
+        </p:spPr>
+      </p:pic>
+      <p:pic>
+        <p:nvPicPr>
+          <p:cNvPr id="6" name="Picture 5">
+            <a:extLst>
+              <a:ext uri="{FF2B5EF4-FFF2-40B4-BE49-F238E27FC236}">
+                <a16:creationId xmlns:a16="http://schemas.microsoft.com/office/drawing/2014/main" id="{61031051-CC6F-B712-2222-4BC0130BEECC}"/>
+              </a:ext>
+            </a:extLst>
+          </p:cNvPr>
+          <p:cNvPicPr>
+            <a:picLocks noChangeAspect="1"/>
+          </p:cNvPicPr>
+          <p:nvPr/>
+        </p:nvPicPr>
+        <p:blipFill>
           <a:blip r:embed="rId5"/>
           <a:stretch>
             <a:fillRect/>
@@ -7883,8 +8254,8 @@
         </p:blipFill>
         <p:spPr>
           <a:xfrm>
-            <a:off x="1173480" y="5203023"/>
-            <a:ext cx="5355883" cy="963815"/>
+            <a:off x="1173479" y="2620603"/>
+            <a:ext cx="6849291" cy="323953"/>
           </a:xfrm>
           <a:prstGeom prst="rect">
             <a:avLst/>
@@ -8288,6 +8659,11 @@
           <a:prstGeom prst="rect">
             <a:avLst/>
           </a:prstGeom>
+          <a:ln>
+            <a:solidFill>
+              <a:srgbClr val="0070C0"/>
+            </a:solidFill>
+          </a:ln>
         </p:spPr>
       </p:pic>
     </p:spTree>
@@ -8325,7 +8701,7 @@
           <p:cNvPr id="2" name="Title 1">
             <a:extLst>
               <a:ext uri="{FF2B5EF4-FFF2-40B4-BE49-F238E27FC236}">
-                <a16:creationId xmlns:a16="http://schemas.microsoft.com/office/drawing/2014/main" id="{1D999650-4E07-747C-5279-CD019BE68902}"/>
+                <a16:creationId xmlns:a16="http://schemas.microsoft.com/office/drawing/2014/main" id="{888857FA-3C76-A2A3-60B7-00D058E8313C}"/>
               </a:ext>
             </a:extLst>
           </p:cNvPr>
@@ -8336,18 +8712,33 @@
             <p:ph type="title"/>
           </p:nvPr>
         </p:nvSpPr>
-        <p:spPr/>
-        <p:txBody>
-          <a:bodyPr/>
+        <p:spPr>
+          <a:xfrm>
+            <a:off x="922760" y="224117"/>
+            <a:ext cx="10353762" cy="970450"/>
+          </a:xfrm>
+        </p:spPr>
+        <p:txBody>
+          <a:bodyPr>
+            <a:normAutofit fontScale="90000"/>
+          </a:bodyPr>
           <a:lstStyle/>
           <a:p>
             <a:r>
-              <a:rPr lang="en-US" dirty="0">
+              <a:rPr lang="en-US" i="1" dirty="0"/>
+              <a:t>Yeah, but how would I do these things the </a:t>
+            </a:r>
+            <a:r>
+              <a:rPr lang="en-US" i="1" dirty="0" err="1">
                 <a:solidFill>
-                  <a:srgbClr val="92D050"/>
+                  <a:srgbClr val="00B050"/>
                 </a:solidFill>
               </a:rPr>
-              <a:t>Exercise #1: Formatting Data</a:t>
+              <a:t>tidyverse</a:t>
+            </a:r>
+            <a:r>
+              <a:rPr lang="en-US" i="1" dirty="0"/>
+              <a:t> way?</a:t>
             </a:r>
           </a:p>
         </p:txBody>
@@ -8357,7 +8748,7 @@
           <p:cNvPr id="3" name="Content Placeholder 2">
             <a:extLst>
               <a:ext uri="{FF2B5EF4-FFF2-40B4-BE49-F238E27FC236}">
-                <a16:creationId xmlns:a16="http://schemas.microsoft.com/office/drawing/2014/main" id="{907ABAC4-3945-A20C-23A3-5395CDE5FF9B}"/>
+                <a16:creationId xmlns:a16="http://schemas.microsoft.com/office/drawing/2014/main" id="{265B325D-FB44-85D2-E040-AA10FCF1D33D}"/>
               </a:ext>
             </a:extLst>
           </p:cNvPr>
@@ -8370,92 +8761,230 @@
         </p:nvSpPr>
         <p:spPr>
           <a:xfrm>
-            <a:off x="913795" y="1773383"/>
-            <a:ext cx="10353762" cy="4368800"/>
+            <a:off x="913795" y="1194567"/>
+            <a:ext cx="10353762" cy="4999404"/>
           </a:xfrm>
         </p:spPr>
         <p:txBody>
           <a:bodyPr/>
           <a:lstStyle/>
           <a:p>
-            <a:pPr marL="494100" indent="-457200">
-              <a:buAutoNum type="arabicParenBoth"/>
-            </a:pPr>
-            <a:r>
-              <a:rPr lang="en-US" sz="2400" dirty="0"/>
-              <a:t>Format the variable “dob” to be a Date-type variable.</a:t>
-            </a:r>
-          </a:p>
-          <a:p>
-            <a:pPr marL="494100" indent="-457200">
-              <a:buAutoNum type="arabicParenBoth"/>
-            </a:pPr>
-            <a:r>
-              <a:rPr lang="en-US" sz="2400" dirty="0"/>
-              <a:t>Extract the year from that new date of birth variable. Name it “</a:t>
-            </a:r>
-            <a:r>
-              <a:rPr lang="en-US" sz="2400" dirty="0" err="1"/>
-              <a:t>dob_year</a:t>
-            </a:r>
-            <a:r>
-              <a:rPr lang="en-US" sz="2400" dirty="0"/>
-              <a:t>”.</a:t>
-            </a:r>
-          </a:p>
-          <a:p>
-            <a:pPr marL="494100" indent="-457200">
-              <a:buAutoNum type="arabicParenBoth"/>
-            </a:pPr>
-            <a:r>
-              <a:rPr lang="en-US" sz="2400" dirty="0"/>
-              <a:t>Format the variable “address” to be a clearly formatted, “pretty” address.</a:t>
-            </a:r>
-          </a:p>
-          <a:p>
-            <a:pPr marL="494100" indent="-457200">
-              <a:buAutoNum type="arabicParenBoth"/>
-            </a:pPr>
-            <a:r>
-              <a:rPr lang="en-US" sz="2400" dirty="0"/>
-              <a:t>Extract the state from that formatted address. Name the variable “state”.</a:t>
-            </a:r>
-          </a:p>
-          <a:p>
-            <a:pPr marL="494100" indent="-457200">
-              <a:buAutoNum type="arabicParenBoth"/>
-            </a:pPr>
-            <a:r>
-              <a:rPr lang="en-US" sz="2400" dirty="0"/>
-              <a:t>Check for valid addresses. Fix any incorrect addresses using an </a:t>
-            </a:r>
-            <a:r>
-              <a:rPr lang="en-US" sz="2400" dirty="0" err="1"/>
-              <a:t>ifelse</a:t>
-            </a:r>
-            <a:r>
-              <a:rPr lang="en-US" sz="2400" dirty="0"/>
-              <a:t> statement. Check for valid addresses again to make sure it was done properly.</a:t>
-            </a:r>
-          </a:p>
-          <a:p>
-            <a:pPr marL="494100" indent="-457200">
-              <a:buAutoNum type="arabicParenBoth"/>
-            </a:pPr>
+            <a:r>
+              <a:rPr lang="en-US" dirty="0"/>
+              <a:t>Most fundamentally, </a:t>
+            </a:r>
+            <a:r>
+              <a:rPr lang="en-US" dirty="0" err="1"/>
+              <a:t>tidyverse</a:t>
+            </a:r>
+            <a:r>
+              <a:rPr lang="en-US" dirty="0"/>
+              <a:t> coding uses </a:t>
+            </a:r>
+            <a:r>
+              <a:rPr lang="en-US" dirty="0">
+                <a:solidFill>
+                  <a:srgbClr val="00B050"/>
+                </a:solidFill>
+              </a:rPr>
+              <a:t>pipes</a:t>
+            </a:r>
+            <a:r>
+              <a:rPr lang="en-US" dirty="0"/>
+              <a:t> from the </a:t>
+            </a:r>
+            <a:r>
+              <a:rPr lang="en-US" dirty="0" err="1"/>
+              <a:t>dplyr</a:t>
+            </a:r>
+            <a:r>
+              <a:rPr lang="en-US" dirty="0"/>
+              <a:t> package (which actually comes from the </a:t>
+            </a:r>
+            <a:r>
+              <a:rPr lang="en-US" dirty="0" err="1"/>
+              <a:t>magrittr</a:t>
+            </a:r>
+            <a:r>
+              <a:rPr lang="en-US" dirty="0"/>
+              <a:t> package. Get it?)</a:t>
+            </a:r>
+          </a:p>
+          <a:p>
+            <a:r>
+              <a:rPr lang="en-US" dirty="0"/>
+              <a:t>A pipe looks like this: %&gt;% </a:t>
+            </a:r>
+          </a:p>
+          <a:p>
+            <a:r>
+              <a:rPr lang="en-US" dirty="0"/>
+              <a:t>Coding happens left-to-right instead of inside-to-out</a:t>
+            </a:r>
+          </a:p>
+          <a:p>
             <a:endParaRPr lang="en-US" dirty="0"/>
           </a:p>
           <a:p>
-            <a:pPr marL="494100" indent="-457200">
-              <a:buAutoNum type="arabicParenBoth"/>
-            </a:pPr>
             <a:endParaRPr lang="en-US" dirty="0"/>
           </a:p>
-        </p:txBody>
-      </p:sp>
+          <a:p>
+            <a:r>
+              <a:rPr lang="en-US" dirty="0"/>
+              <a:t>Inside-to-out coding is akin to: “I arrived at the mall after driving there in my car, in which I fastened my seatbelt.”</a:t>
+            </a:r>
+          </a:p>
+          <a:p>
+            <a:r>
+              <a:rPr lang="en-US" dirty="0"/>
+              <a:t>Left-to-right coding is more like: “I fastened my seatbelt, then drove my car to the mall.”</a:t>
+            </a:r>
+          </a:p>
+        </p:txBody>
+      </p:sp>
+      <p:pic>
+        <p:nvPicPr>
+          <p:cNvPr id="5" name="Picture 4">
+            <a:extLst>
+              <a:ext uri="{FF2B5EF4-FFF2-40B4-BE49-F238E27FC236}">
+                <a16:creationId xmlns:a16="http://schemas.microsoft.com/office/drawing/2014/main" id="{CFB2B233-FD76-4B16-05BE-61E46486AAD2}"/>
+              </a:ext>
+            </a:extLst>
+          </p:cNvPr>
+          <p:cNvPicPr>
+            <a:picLocks noChangeAspect="1"/>
+          </p:cNvPicPr>
+          <p:nvPr/>
+        </p:nvPicPr>
+        <p:blipFill>
+          <a:blip r:embed="rId2"/>
+          <a:stretch>
+            <a:fillRect/>
+          </a:stretch>
+        </p:blipFill>
+        <p:spPr>
+          <a:xfrm>
+            <a:off x="7911353" y="1876401"/>
+            <a:ext cx="2156051" cy="1552599"/>
+          </a:xfrm>
+          <a:prstGeom prst="rect">
+            <a:avLst/>
+          </a:prstGeom>
+        </p:spPr>
+      </p:pic>
+      <p:pic>
+        <p:nvPicPr>
+          <p:cNvPr id="13" name="Picture 12">
+            <a:extLst>
+              <a:ext uri="{FF2B5EF4-FFF2-40B4-BE49-F238E27FC236}">
+                <a16:creationId xmlns:a16="http://schemas.microsoft.com/office/drawing/2014/main" id="{18D0CAA1-8A52-857A-87D0-A9F08D778DA3}"/>
+              </a:ext>
+            </a:extLst>
+          </p:cNvPr>
+          <p:cNvPicPr>
+            <a:picLocks noChangeAspect="1"/>
+          </p:cNvPicPr>
+          <p:nvPr/>
+        </p:nvPicPr>
+        <p:blipFill>
+          <a:blip r:embed="rId3"/>
+          <a:stretch>
+            <a:fillRect/>
+          </a:stretch>
+        </p:blipFill>
+        <p:spPr>
+          <a:xfrm>
+            <a:off x="913795" y="5473471"/>
+            <a:ext cx="4786044" cy="491899"/>
+          </a:xfrm>
+          <a:prstGeom prst="rect">
+            <a:avLst/>
+          </a:prstGeom>
+          <a:ln w="9525">
+            <a:solidFill>
+              <a:srgbClr val="0070C0"/>
+            </a:solidFill>
+          </a:ln>
+        </p:spPr>
+      </p:pic>
+      <p:cxnSp>
+        <p:nvCxnSpPr>
+          <p:cNvPr id="15" name="Straight Arrow Connector 14">
+            <a:extLst>
+              <a:ext uri="{FF2B5EF4-FFF2-40B4-BE49-F238E27FC236}">
+                <a16:creationId xmlns:a16="http://schemas.microsoft.com/office/drawing/2014/main" id="{44020C9B-E7BF-A9FD-D4DE-CC2ABA3BDD3F}"/>
+              </a:ext>
+            </a:extLst>
+          </p:cNvPr>
+          <p:cNvCxnSpPr/>
+          <p:nvPr/>
+        </p:nvCxnSpPr>
+        <p:spPr>
+          <a:xfrm>
+            <a:off x="5900057" y="5719420"/>
+            <a:ext cx="653143" cy="0"/>
+          </a:xfrm>
+          <a:prstGeom prst="straightConnector1">
+            <a:avLst/>
+          </a:prstGeom>
+          <a:ln>
+            <a:tailEnd type="triangle"/>
+          </a:ln>
+        </p:spPr>
+        <p:style>
+          <a:lnRef idx="1">
+            <a:schemeClr val="accent1"/>
+          </a:lnRef>
+          <a:fillRef idx="0">
+            <a:schemeClr val="accent1"/>
+          </a:fillRef>
+          <a:effectRef idx="0">
+            <a:schemeClr val="accent1"/>
+          </a:effectRef>
+          <a:fontRef idx="minor">
+            <a:schemeClr val="tx1"/>
+          </a:fontRef>
+        </p:style>
+      </p:cxnSp>
+      <p:pic>
+        <p:nvPicPr>
+          <p:cNvPr id="17" name="Picture 16">
+            <a:extLst>
+              <a:ext uri="{FF2B5EF4-FFF2-40B4-BE49-F238E27FC236}">
+                <a16:creationId xmlns:a16="http://schemas.microsoft.com/office/drawing/2014/main" id="{E3D4E5DC-0543-D08E-00B6-997D2642F5C5}"/>
+              </a:ext>
+            </a:extLst>
+          </p:cNvPr>
+          <p:cNvPicPr>
+            <a:picLocks noChangeAspect="1"/>
+          </p:cNvPicPr>
+          <p:nvPr/>
+        </p:nvPicPr>
+        <p:blipFill>
+          <a:blip r:embed="rId4"/>
+          <a:stretch>
+            <a:fillRect/>
+          </a:stretch>
+        </p:blipFill>
+        <p:spPr>
+          <a:xfrm>
+            <a:off x="6737805" y="5222419"/>
+            <a:ext cx="3720831" cy="1047743"/>
+          </a:xfrm>
+          <a:prstGeom prst="rect">
+            <a:avLst/>
+          </a:prstGeom>
+          <a:ln>
+            <a:solidFill>
+              <a:srgbClr val="92D050"/>
+            </a:solidFill>
+          </a:ln>
+        </p:spPr>
+      </p:pic>
     </p:spTree>
     <p:extLst>
       <p:ext uri="{BB962C8B-B14F-4D97-AF65-F5344CB8AC3E}">
-        <p14:creationId xmlns:p14="http://schemas.microsoft.com/office/powerpoint/2010/main" val="1930796634"/>
+        <p14:creationId xmlns:p14="http://schemas.microsoft.com/office/powerpoint/2010/main" val="3694972949"/>
       </p:ext>
     </p:extLst>
   </p:cSld>
@@ -8487,7 +9016,7 @@
           <p:cNvPr id="2" name="Title 1">
             <a:extLst>
               <a:ext uri="{FF2B5EF4-FFF2-40B4-BE49-F238E27FC236}">
-                <a16:creationId xmlns:a16="http://schemas.microsoft.com/office/drawing/2014/main" id="{9F11D771-19CD-6B5D-D261-056572E99BD2}"/>
+                <a16:creationId xmlns:a16="http://schemas.microsoft.com/office/drawing/2014/main" id="{CE769C6B-0A4E-BF1B-A16E-ADA25EB28F22}"/>
               </a:ext>
             </a:extLst>
           </p:cNvPr>
@@ -8498,7 +9027,12 @@
             <p:ph type="title"/>
           </p:nvPr>
         </p:nvSpPr>
-        <p:spPr/>
+        <p:spPr>
+          <a:xfrm>
+            <a:off x="652958" y="170329"/>
+            <a:ext cx="10875435" cy="970450"/>
+          </a:xfrm>
+        </p:spPr>
         <p:txBody>
           <a:bodyPr>
             <a:normAutofit fontScale="90000"/>
@@ -8506,76 +9040,39 @@
           <a:lstStyle/>
           <a:p>
             <a:r>
-              <a:rPr lang="en-US" sz="4000" dirty="0"/>
-              <a:t>Creating Summary Statistics – Frequency Table</a:t>
-            </a:r>
-          </a:p>
-        </p:txBody>
-      </p:sp>
-      <p:sp>
-        <p:nvSpPr>
-          <p:cNvPr id="3" name="Content Placeholder 2">
+              <a:rPr lang="en-US" dirty="0"/>
+              <a:t>Coding the </a:t>
+            </a:r>
+            <a:r>
+              <a:rPr lang="en-US" dirty="0" err="1">
+                <a:solidFill>
+                  <a:srgbClr val="00B050"/>
+                </a:solidFill>
+              </a:rPr>
+              <a:t>tidyverse</a:t>
+            </a:r>
+            <a:r>
+              <a:rPr lang="en-US" dirty="0"/>
+              <a:t> way – formatting data using pipes</a:t>
+            </a:r>
+          </a:p>
+        </p:txBody>
+      </p:sp>
+      <p:pic>
+        <p:nvPicPr>
+          <p:cNvPr id="8" name="Content Placeholder 7">
             <a:extLst>
               <a:ext uri="{FF2B5EF4-FFF2-40B4-BE49-F238E27FC236}">
-                <a16:creationId xmlns:a16="http://schemas.microsoft.com/office/drawing/2014/main" id="{DFF853E5-2D0B-4E76-6A94-C9B1F62C5D9F}"/>
-              </a:ext>
-            </a:extLst>
-          </p:cNvPr>
-          <p:cNvSpPr>
-            <a:spLocks noGrp="1"/>
-          </p:cNvSpPr>
-          <p:nvPr>
-            <p:ph idx="1"/>
-          </p:nvPr>
-        </p:nvSpPr>
-        <p:spPr/>
-        <p:txBody>
-          <a:bodyPr/>
-          <a:lstStyle/>
-          <a:p>
-            <a:r>
-              <a:rPr lang="en-US" dirty="0"/>
-              <a:t>Create frequency table of number of children, including percentage</a:t>
-            </a:r>
-          </a:p>
-          <a:p>
-            <a:r>
-              <a:rPr lang="en-US" dirty="0"/>
-              <a:t>First, create a </a:t>
-            </a:r>
-            <a:r>
-              <a:rPr lang="en-US" dirty="0" err="1"/>
-              <a:t>data.frame</a:t>
-            </a:r>
-            <a:r>
-              <a:rPr lang="en-US" dirty="0"/>
-              <a:t> using the table function</a:t>
-            </a:r>
-          </a:p>
-          <a:p>
-            <a:endParaRPr lang="en-US" dirty="0"/>
-          </a:p>
-          <a:p>
-            <a:endParaRPr lang="en-US" dirty="0"/>
-          </a:p>
-          <a:p>
-            <a:endParaRPr lang="en-US" dirty="0"/>
-          </a:p>
-        </p:txBody>
-      </p:sp>
-      <p:pic>
-        <p:nvPicPr>
-          <p:cNvPr id="5" name="Picture 4">
-            <a:extLst>
-              <a:ext uri="{FF2B5EF4-FFF2-40B4-BE49-F238E27FC236}">
-                <a16:creationId xmlns:a16="http://schemas.microsoft.com/office/drawing/2014/main" id="{E489AA43-122E-4DE1-6765-B433FAF8B107}"/>
+                <a16:creationId xmlns:a16="http://schemas.microsoft.com/office/drawing/2014/main" id="{54B7E367-6C11-323F-428A-5C8158A3F547}"/>
               </a:ext>
             </a:extLst>
           </p:cNvPr>
           <p:cNvPicPr>
-            <a:picLocks noChangeAspect="1"/>
+            <a:picLocks noGrp="1" noChangeAspect="1"/>
           </p:cNvPicPr>
-          <p:nvPr/>
+          <p:nvPr>
+            <p:ph idx="1"/>
+          </p:nvPr>
         </p:nvPicPr>
         <p:blipFill>
           <a:blip r:embed="rId2"/>
@@ -8585,8 +9082,8 @@
         </p:blipFill>
         <p:spPr>
           <a:xfrm>
-            <a:off x="1196687" y="2711738"/>
-            <a:ext cx="8378008" cy="526761"/>
+            <a:off x="820511" y="1482541"/>
+            <a:ext cx="7175500" cy="406400"/>
           </a:xfrm>
           <a:prstGeom prst="rect">
             <a:avLst/>
@@ -8600,10 +9097,10 @@
       </p:pic>
       <p:pic>
         <p:nvPicPr>
-          <p:cNvPr id="7" name="Picture 6">
+          <p:cNvPr id="10" name="Picture 9">
             <a:extLst>
               <a:ext uri="{FF2B5EF4-FFF2-40B4-BE49-F238E27FC236}">
-                <a16:creationId xmlns:a16="http://schemas.microsoft.com/office/drawing/2014/main" id="{9B86BD79-6C9F-CC14-86D3-731F4E6329FD}"/>
+                <a16:creationId xmlns:a16="http://schemas.microsoft.com/office/drawing/2014/main" id="{42F87897-7523-72D2-F703-4FD5485F5D91}"/>
               </a:ext>
             </a:extLst>
           </p:cNvPr>
@@ -8620,8 +9117,8 @@
         </p:blipFill>
         <p:spPr>
           <a:xfrm>
-            <a:off x="1196687" y="3398976"/>
-            <a:ext cx="2290763" cy="2578492"/>
+            <a:off x="820511" y="2033180"/>
+            <a:ext cx="7594146" cy="359182"/>
           </a:xfrm>
           <a:prstGeom prst="rect">
             <a:avLst/>
@@ -8633,10 +9130,171 @@
           </a:ln>
         </p:spPr>
       </p:pic>
+      <p:pic>
+        <p:nvPicPr>
+          <p:cNvPr id="11" name="Picture 10">
+            <a:extLst>
+              <a:ext uri="{FF2B5EF4-FFF2-40B4-BE49-F238E27FC236}">
+                <a16:creationId xmlns:a16="http://schemas.microsoft.com/office/drawing/2014/main" id="{E1F4905E-F23F-C7BF-C1DD-A125C619FF57}"/>
+              </a:ext>
+            </a:extLst>
+          </p:cNvPr>
+          <p:cNvPicPr>
+            <a:picLocks noChangeAspect="1"/>
+          </p:cNvPicPr>
+          <p:nvPr/>
+        </p:nvPicPr>
+        <p:blipFill>
+          <a:blip r:embed="rId4"/>
+          <a:stretch>
+            <a:fillRect/>
+          </a:stretch>
+        </p:blipFill>
+        <p:spPr>
+          <a:xfrm>
+            <a:off x="820511" y="2553903"/>
+            <a:ext cx="6494689" cy="324734"/>
+          </a:xfrm>
+          <a:prstGeom prst="rect">
+            <a:avLst/>
+          </a:prstGeom>
+          <a:ln w="9525">
+            <a:solidFill>
+              <a:srgbClr val="0070C0"/>
+            </a:solidFill>
+          </a:ln>
+        </p:spPr>
+      </p:pic>
+      <p:pic>
+        <p:nvPicPr>
+          <p:cNvPr id="13" name="Picture 12">
+            <a:extLst>
+              <a:ext uri="{FF2B5EF4-FFF2-40B4-BE49-F238E27FC236}">
+                <a16:creationId xmlns:a16="http://schemas.microsoft.com/office/drawing/2014/main" id="{9F1C0EE9-F525-DA65-4CD1-ED43ED016279}"/>
+              </a:ext>
+            </a:extLst>
+          </p:cNvPr>
+          <p:cNvPicPr>
+            <a:picLocks noChangeAspect="1"/>
+          </p:cNvPicPr>
+          <p:nvPr/>
+        </p:nvPicPr>
+        <p:blipFill>
+          <a:blip r:embed="rId5"/>
+          <a:stretch>
+            <a:fillRect/>
+          </a:stretch>
+        </p:blipFill>
+        <p:spPr>
+          <a:xfrm>
+            <a:off x="2413906" y="4208561"/>
+            <a:ext cx="8041755" cy="1166898"/>
+          </a:xfrm>
+          <a:prstGeom prst="rect">
+            <a:avLst/>
+          </a:prstGeom>
+          <a:ln>
+            <a:solidFill>
+              <a:srgbClr val="92D050"/>
+            </a:solidFill>
+          </a:ln>
+        </p:spPr>
+      </p:pic>
+      <p:sp>
+        <p:nvSpPr>
+          <p:cNvPr id="15" name="Rectangle: Rounded Corners 14">
+            <a:extLst>
+              <a:ext uri="{FF2B5EF4-FFF2-40B4-BE49-F238E27FC236}">
+                <a16:creationId xmlns:a16="http://schemas.microsoft.com/office/drawing/2014/main" id="{64B4E8BD-E406-EF23-4B11-03D41D0245FA}"/>
+              </a:ext>
+            </a:extLst>
+          </p:cNvPr>
+          <p:cNvSpPr/>
+          <p:nvPr/>
+        </p:nvSpPr>
+        <p:spPr>
+          <a:xfrm>
+            <a:off x="413657" y="1140779"/>
+            <a:ext cx="8414657" cy="2059621"/>
+          </a:xfrm>
+          <a:prstGeom prst="roundRect">
+            <a:avLst/>
+          </a:prstGeom>
+          <a:noFill/>
+          <a:ln>
+            <a:solidFill>
+              <a:srgbClr val="92D050"/>
+            </a:solidFill>
+          </a:ln>
+        </p:spPr>
+        <p:style>
+          <a:lnRef idx="2">
+            <a:schemeClr val="accent1">
+              <a:shade val="50000"/>
+            </a:schemeClr>
+          </a:lnRef>
+          <a:fillRef idx="1">
+            <a:schemeClr val="accent1"/>
+          </a:fillRef>
+          <a:effectRef idx="0">
+            <a:schemeClr val="accent1"/>
+          </a:effectRef>
+          <a:fontRef idx="minor">
+            <a:schemeClr val="lt1"/>
+          </a:fontRef>
+        </p:style>
+        <p:txBody>
+          <a:bodyPr rtlCol="0" anchor="ctr"/>
+          <a:lstStyle/>
+          <a:p>
+            <a:pPr algn="ctr"/>
+            <a:endParaRPr lang="en-US"/>
+          </a:p>
+        </p:txBody>
+      </p:sp>
+      <p:cxnSp>
+        <p:nvCxnSpPr>
+          <p:cNvPr id="17" name="Straight Arrow Connector 16">
+            <a:extLst>
+              <a:ext uri="{FF2B5EF4-FFF2-40B4-BE49-F238E27FC236}">
+                <a16:creationId xmlns:a16="http://schemas.microsoft.com/office/drawing/2014/main" id="{9E6F7D40-506B-23AA-82AC-78841F59C041}"/>
+              </a:ext>
+            </a:extLst>
+          </p:cNvPr>
+          <p:cNvCxnSpPr/>
+          <p:nvPr/>
+        </p:nvCxnSpPr>
+        <p:spPr>
+          <a:xfrm>
+            <a:off x="4659086" y="3429000"/>
+            <a:ext cx="337457" cy="576943"/>
+          </a:xfrm>
+          <a:prstGeom prst="straightConnector1">
+            <a:avLst/>
+          </a:prstGeom>
+          <a:ln>
+            <a:tailEnd type="triangle"/>
+          </a:ln>
+        </p:spPr>
+        <p:style>
+          <a:lnRef idx="1">
+            <a:schemeClr val="accent1"/>
+          </a:lnRef>
+          <a:fillRef idx="0">
+            <a:schemeClr val="accent1"/>
+          </a:fillRef>
+          <a:effectRef idx="0">
+            <a:schemeClr val="accent1"/>
+          </a:effectRef>
+          <a:fontRef idx="minor">
+            <a:schemeClr val="tx1"/>
+          </a:fontRef>
+        </p:style>
+      </p:cxnSp>
     </p:spTree>
     <p:extLst>
       <p:ext uri="{BB962C8B-B14F-4D97-AF65-F5344CB8AC3E}">
-        <p14:creationId xmlns:p14="http://schemas.microsoft.com/office/powerpoint/2010/main" val="3567726507"/>
+        <p14:creationId xmlns:p14="http://schemas.microsoft.com/office/powerpoint/2010/main" val="3085402341"/>
       </p:ext>
     </p:extLst>
   </p:cSld>
@@ -8668,7 +9326,7 @@
           <p:cNvPr id="2" name="Title 1">
             <a:extLst>
               <a:ext uri="{FF2B5EF4-FFF2-40B4-BE49-F238E27FC236}">
-                <a16:creationId xmlns:a16="http://schemas.microsoft.com/office/drawing/2014/main" id="{06F7E0EA-B090-49B1-92FD-D24EECA35947}"/>
+                <a16:creationId xmlns:a16="http://schemas.microsoft.com/office/drawing/2014/main" id="{1D999650-4E07-747C-5279-CD019BE68902}"/>
               </a:ext>
             </a:extLst>
           </p:cNvPr>
@@ -8681,14 +9339,16 @@
         </p:nvSpPr>
         <p:spPr/>
         <p:txBody>
-          <a:bodyPr>
-            <a:normAutofit fontScale="90000"/>
-          </a:bodyPr>
+          <a:bodyPr/>
           <a:lstStyle/>
           <a:p>
             <a:r>
-              <a:rPr lang="en-US" sz="3600" dirty="0"/>
-              <a:t>Creating Summary Statistics – Frequency Table cont’d</a:t>
+              <a:rPr lang="en-US" dirty="0">
+                <a:solidFill>
+                  <a:srgbClr val="92D050"/>
+                </a:solidFill>
+              </a:rPr>
+              <a:t>Exercise #1: Formatting Data</a:t>
             </a:r>
           </a:p>
         </p:txBody>
@@ -8698,7 +9358,7 @@
           <p:cNvPr id="3" name="Content Placeholder 2">
             <a:extLst>
               <a:ext uri="{FF2B5EF4-FFF2-40B4-BE49-F238E27FC236}">
-                <a16:creationId xmlns:a16="http://schemas.microsoft.com/office/drawing/2014/main" id="{BE79F329-E1B6-6CAD-A642-0EDBA1772918}"/>
+                <a16:creationId xmlns:a16="http://schemas.microsoft.com/office/drawing/2014/main" id="{907ABAC4-3945-A20C-23A3-5395CDE5FF9B}"/>
               </a:ext>
             </a:extLst>
           </p:cNvPr>
@@ -8709,95 +9369,94 @@
             <p:ph idx="1"/>
           </p:nvPr>
         </p:nvSpPr>
-        <p:spPr/>
+        <p:spPr>
+          <a:xfrm>
+            <a:off x="913795" y="1773383"/>
+            <a:ext cx="10353762" cy="4368800"/>
+          </a:xfrm>
+        </p:spPr>
         <p:txBody>
           <a:bodyPr/>
           <a:lstStyle/>
           <a:p>
-            <a:r>
-              <a:rPr lang="en-US" dirty="0"/>
-              <a:t>To add percentage, divide count by number of observations in the dataset, multiply by 100</a:t>
-            </a:r>
-          </a:p>
-          <a:p>
+            <a:pPr marL="494100" indent="-457200">
+              <a:buAutoNum type="arabicParenBoth"/>
+            </a:pPr>
+            <a:r>
+              <a:rPr lang="en-US" sz="2400" dirty="0"/>
+              <a:t>Format the variable “dob” to be a Date-type variable.</a:t>
+            </a:r>
+          </a:p>
+          <a:p>
+            <a:pPr marL="494100" indent="-457200">
+              <a:buAutoNum type="arabicParenBoth"/>
+            </a:pPr>
+            <a:r>
+              <a:rPr lang="en-US" sz="2400" dirty="0"/>
+              <a:t>Extract the year from that new date of birth variable. Name it “</a:t>
+            </a:r>
+            <a:r>
+              <a:rPr lang="en-US" sz="2400" dirty="0" err="1"/>
+              <a:t>dob_year</a:t>
+            </a:r>
+            <a:r>
+              <a:rPr lang="en-US" sz="2400" dirty="0"/>
+              <a:t>”.</a:t>
+            </a:r>
+          </a:p>
+          <a:p>
+            <a:pPr marL="494100" indent="-457200">
+              <a:buAutoNum type="arabicParenBoth"/>
+            </a:pPr>
+            <a:r>
+              <a:rPr lang="en-US" sz="2400" dirty="0"/>
+              <a:t>Format the variable “address” to be a clearly formatted, “pretty” address.</a:t>
+            </a:r>
+          </a:p>
+          <a:p>
+            <a:pPr marL="494100" indent="-457200">
+              <a:buAutoNum type="arabicParenBoth"/>
+            </a:pPr>
+            <a:r>
+              <a:rPr lang="en-US" sz="2400" dirty="0"/>
+              <a:t>Extract the state from that formatted address. Name the variable “state”.</a:t>
+            </a:r>
+          </a:p>
+          <a:p>
+            <a:pPr marL="494100" indent="-457200">
+              <a:buAutoNum type="arabicParenBoth"/>
+            </a:pPr>
+            <a:r>
+              <a:rPr lang="en-US" sz="2400" dirty="0"/>
+              <a:t>Check for valid addresses. Fix any incorrect addresses using an </a:t>
+            </a:r>
+            <a:r>
+              <a:rPr lang="en-US" sz="2400" dirty="0" err="1"/>
+              <a:t>ifelse</a:t>
+            </a:r>
+            <a:r>
+              <a:rPr lang="en-US" sz="2400" dirty="0"/>
+              <a:t> statement. Check for valid addresses again to make sure it was done properly.</a:t>
+            </a:r>
+          </a:p>
+          <a:p>
+            <a:pPr marL="494100" indent="-457200">
+              <a:buAutoNum type="arabicParenBoth"/>
+            </a:pPr>
             <a:endParaRPr lang="en-US" dirty="0"/>
           </a:p>
-        </p:txBody>
-      </p:sp>
-      <p:pic>
-        <p:nvPicPr>
-          <p:cNvPr id="5" name="Picture 4">
-            <a:extLst>
-              <a:ext uri="{FF2B5EF4-FFF2-40B4-BE49-F238E27FC236}">
-                <a16:creationId xmlns:a16="http://schemas.microsoft.com/office/drawing/2014/main" id="{1DA9B6AD-DA6D-8A74-EF75-4E06C1EF1BA1}"/>
-              </a:ext>
-            </a:extLst>
-          </p:cNvPr>
-          <p:cNvPicPr>
-            <a:picLocks noChangeAspect="1"/>
-          </p:cNvPicPr>
-          <p:nvPr/>
-        </p:nvPicPr>
-        <p:blipFill>
-          <a:blip r:embed="rId2"/>
-          <a:stretch>
-            <a:fillRect/>
-          </a:stretch>
-        </p:blipFill>
-        <p:spPr>
-          <a:xfrm>
-            <a:off x="1201160" y="2307358"/>
-            <a:ext cx="9089392" cy="380423"/>
-          </a:xfrm>
-          <a:prstGeom prst="rect">
-            <a:avLst/>
-          </a:prstGeom>
-          <a:ln w="9525">
-            <a:solidFill>
-              <a:srgbClr val="0070C0"/>
-            </a:solidFill>
-          </a:ln>
-        </p:spPr>
-      </p:pic>
-      <p:pic>
-        <p:nvPicPr>
-          <p:cNvPr id="7" name="Picture 6">
-            <a:extLst>
-              <a:ext uri="{FF2B5EF4-FFF2-40B4-BE49-F238E27FC236}">
-                <a16:creationId xmlns:a16="http://schemas.microsoft.com/office/drawing/2014/main" id="{14021F7F-1C7D-26E5-40C0-68FA77F71792}"/>
-              </a:ext>
-            </a:extLst>
-          </p:cNvPr>
-          <p:cNvPicPr>
-            <a:picLocks noChangeAspect="1"/>
-          </p:cNvPicPr>
-          <p:nvPr/>
-        </p:nvPicPr>
-        <p:blipFill>
-          <a:blip r:embed="rId3"/>
-          <a:stretch>
-            <a:fillRect/>
-          </a:stretch>
-        </p:blipFill>
-        <p:spPr>
-          <a:xfrm>
-            <a:off x="1201160" y="2896754"/>
-            <a:ext cx="2628900" cy="2209800"/>
-          </a:xfrm>
-          <a:prstGeom prst="rect">
-            <a:avLst/>
-          </a:prstGeom>
-          <a:ln>
-            <a:solidFill>
-              <a:srgbClr val="0070C0"/>
-            </a:solidFill>
-          </a:ln>
-        </p:spPr>
-      </p:pic>
+          <a:p>
+            <a:pPr marL="494100" indent="-457200">
+              <a:buAutoNum type="arabicParenBoth"/>
+            </a:pPr>
+            <a:endParaRPr lang="en-US" dirty="0"/>
+          </a:p>
+        </p:txBody>
+      </p:sp>
     </p:spTree>
     <p:extLst>
       <p:ext uri="{BB962C8B-B14F-4D97-AF65-F5344CB8AC3E}">
-        <p14:creationId xmlns:p14="http://schemas.microsoft.com/office/powerpoint/2010/main" val="1651651205"/>
+        <p14:creationId xmlns:p14="http://schemas.microsoft.com/office/powerpoint/2010/main" val="1930796634"/>
       </p:ext>
     </p:extLst>
   </p:cSld>
@@ -8829,6 +9488,426 @@
           <p:cNvPr id="2" name="Title 1">
             <a:extLst>
               <a:ext uri="{FF2B5EF4-FFF2-40B4-BE49-F238E27FC236}">
+                <a16:creationId xmlns:a16="http://schemas.microsoft.com/office/drawing/2014/main" id="{9F11D771-19CD-6B5D-D261-056572E99BD2}"/>
+              </a:ext>
+            </a:extLst>
+          </p:cNvPr>
+          <p:cNvSpPr>
+            <a:spLocks noGrp="1"/>
+          </p:cNvSpPr>
+          <p:nvPr>
+            <p:ph type="title"/>
+          </p:nvPr>
+        </p:nvSpPr>
+        <p:spPr/>
+        <p:txBody>
+          <a:bodyPr>
+            <a:normAutofit/>
+          </a:bodyPr>
+          <a:lstStyle/>
+          <a:p>
+            <a:r>
+              <a:rPr lang="en-US" sz="3200" dirty="0"/>
+              <a:t>Creating Summary Statistics – Frequency Table</a:t>
+            </a:r>
+          </a:p>
+        </p:txBody>
+      </p:sp>
+      <p:sp>
+        <p:nvSpPr>
+          <p:cNvPr id="3" name="Content Placeholder 2">
+            <a:extLst>
+              <a:ext uri="{FF2B5EF4-FFF2-40B4-BE49-F238E27FC236}">
+                <a16:creationId xmlns:a16="http://schemas.microsoft.com/office/drawing/2014/main" id="{DFF853E5-2D0B-4E76-6A94-C9B1F62C5D9F}"/>
+              </a:ext>
+            </a:extLst>
+          </p:cNvPr>
+          <p:cNvSpPr>
+            <a:spLocks noGrp="1"/>
+          </p:cNvSpPr>
+          <p:nvPr>
+            <p:ph idx="1"/>
+          </p:nvPr>
+        </p:nvSpPr>
+        <p:spPr/>
+        <p:txBody>
+          <a:bodyPr/>
+          <a:lstStyle/>
+          <a:p>
+            <a:r>
+              <a:rPr lang="en-US" dirty="0"/>
+              <a:t>Create frequency table of number of children, including percentage</a:t>
+            </a:r>
+          </a:p>
+          <a:p>
+            <a:r>
+              <a:rPr lang="en-US" dirty="0"/>
+              <a:t>First, create a </a:t>
+            </a:r>
+            <a:r>
+              <a:rPr lang="en-US" dirty="0" err="1"/>
+              <a:t>data.frame</a:t>
+            </a:r>
+            <a:r>
+              <a:rPr lang="en-US" dirty="0"/>
+              <a:t> using the table function</a:t>
+            </a:r>
+          </a:p>
+          <a:p>
+            <a:endParaRPr lang="en-US" dirty="0"/>
+          </a:p>
+          <a:p>
+            <a:endParaRPr lang="en-US" dirty="0"/>
+          </a:p>
+          <a:p>
+            <a:endParaRPr lang="en-US" dirty="0"/>
+          </a:p>
+        </p:txBody>
+      </p:sp>
+      <p:pic>
+        <p:nvPicPr>
+          <p:cNvPr id="5" name="Picture 4">
+            <a:extLst>
+              <a:ext uri="{FF2B5EF4-FFF2-40B4-BE49-F238E27FC236}">
+                <a16:creationId xmlns:a16="http://schemas.microsoft.com/office/drawing/2014/main" id="{E489AA43-122E-4DE1-6765-B433FAF8B107}"/>
+              </a:ext>
+            </a:extLst>
+          </p:cNvPr>
+          <p:cNvPicPr>
+            <a:picLocks noChangeAspect="1"/>
+          </p:cNvPicPr>
+          <p:nvPr/>
+        </p:nvPicPr>
+        <p:blipFill>
+          <a:blip r:embed="rId2"/>
+          <a:stretch>
+            <a:fillRect/>
+          </a:stretch>
+        </p:blipFill>
+        <p:spPr>
+          <a:xfrm>
+            <a:off x="1196687" y="2711738"/>
+            <a:ext cx="8378008" cy="526761"/>
+          </a:xfrm>
+          <a:prstGeom prst="rect">
+            <a:avLst/>
+          </a:prstGeom>
+          <a:ln w="9525">
+            <a:solidFill>
+              <a:srgbClr val="0070C0"/>
+            </a:solidFill>
+          </a:ln>
+        </p:spPr>
+      </p:pic>
+      <p:pic>
+        <p:nvPicPr>
+          <p:cNvPr id="7" name="Picture 6">
+            <a:extLst>
+              <a:ext uri="{FF2B5EF4-FFF2-40B4-BE49-F238E27FC236}">
+                <a16:creationId xmlns:a16="http://schemas.microsoft.com/office/drawing/2014/main" id="{9B86BD79-6C9F-CC14-86D3-731F4E6329FD}"/>
+              </a:ext>
+            </a:extLst>
+          </p:cNvPr>
+          <p:cNvPicPr>
+            <a:picLocks noChangeAspect="1"/>
+          </p:cNvPicPr>
+          <p:nvPr/>
+        </p:nvPicPr>
+        <p:blipFill>
+          <a:blip r:embed="rId3"/>
+          <a:stretch>
+            <a:fillRect/>
+          </a:stretch>
+        </p:blipFill>
+        <p:spPr>
+          <a:xfrm>
+            <a:off x="1196687" y="3398976"/>
+            <a:ext cx="2290763" cy="2578492"/>
+          </a:xfrm>
+          <a:prstGeom prst="rect">
+            <a:avLst/>
+          </a:prstGeom>
+          <a:ln>
+            <a:solidFill>
+              <a:srgbClr val="0070C0"/>
+            </a:solidFill>
+          </a:ln>
+        </p:spPr>
+      </p:pic>
+    </p:spTree>
+    <p:extLst>
+      <p:ext uri="{BB962C8B-B14F-4D97-AF65-F5344CB8AC3E}">
+        <p14:creationId xmlns:p14="http://schemas.microsoft.com/office/powerpoint/2010/main" val="3567726507"/>
+      </p:ext>
+    </p:extLst>
+  </p:cSld>
+  <p:clrMapOvr>
+    <a:masterClrMapping/>
+  </p:clrMapOvr>
+</p:sld>
+</file>
+
+<file path=ppt/slides/slide17.xml><?xml version="1.0" encoding="utf-8"?>
+<p:sld xmlns:a="http://schemas.openxmlformats.org/drawingml/2006/main" xmlns:r="http://schemas.openxmlformats.org/officeDocument/2006/relationships" xmlns:p="http://schemas.openxmlformats.org/presentationml/2006/main">
+  <p:cSld>
+    <p:spTree>
+      <p:nvGrpSpPr>
+        <p:cNvPr id="1" name=""/>
+        <p:cNvGrpSpPr/>
+        <p:nvPr/>
+      </p:nvGrpSpPr>
+      <p:grpSpPr>
+        <a:xfrm>
+          <a:off x="0" y="0"/>
+          <a:ext cx="0" cy="0"/>
+          <a:chOff x="0" y="0"/>
+          <a:chExt cx="0" cy="0"/>
+        </a:xfrm>
+      </p:grpSpPr>
+      <p:sp>
+        <p:nvSpPr>
+          <p:cNvPr id="2" name="Title 1">
+            <a:extLst>
+              <a:ext uri="{FF2B5EF4-FFF2-40B4-BE49-F238E27FC236}">
+                <a16:creationId xmlns:a16="http://schemas.microsoft.com/office/drawing/2014/main" id="{06F7E0EA-B090-49B1-92FD-D24EECA35947}"/>
+              </a:ext>
+            </a:extLst>
+          </p:cNvPr>
+          <p:cNvSpPr>
+            <a:spLocks noGrp="1"/>
+          </p:cNvSpPr>
+          <p:nvPr>
+            <p:ph type="title"/>
+          </p:nvPr>
+        </p:nvSpPr>
+        <p:spPr/>
+        <p:txBody>
+          <a:bodyPr>
+            <a:normAutofit fontScale="90000"/>
+          </a:bodyPr>
+          <a:lstStyle/>
+          <a:p>
+            <a:r>
+              <a:rPr lang="en-US" sz="3600" dirty="0"/>
+              <a:t>Creating Summary Statistics – Frequency Table cont’d</a:t>
+            </a:r>
+          </a:p>
+        </p:txBody>
+      </p:sp>
+      <p:sp>
+        <p:nvSpPr>
+          <p:cNvPr id="3" name="Content Placeholder 2">
+            <a:extLst>
+              <a:ext uri="{FF2B5EF4-FFF2-40B4-BE49-F238E27FC236}">
+                <a16:creationId xmlns:a16="http://schemas.microsoft.com/office/drawing/2014/main" id="{BE79F329-E1B6-6CAD-A642-0EDBA1772918}"/>
+              </a:ext>
+            </a:extLst>
+          </p:cNvPr>
+          <p:cNvSpPr>
+            <a:spLocks noGrp="1"/>
+          </p:cNvSpPr>
+          <p:nvPr>
+            <p:ph idx="1"/>
+          </p:nvPr>
+        </p:nvSpPr>
+        <p:spPr/>
+        <p:txBody>
+          <a:bodyPr/>
+          <a:lstStyle/>
+          <a:p>
+            <a:r>
+              <a:rPr lang="en-US" dirty="0"/>
+              <a:t>To add percentage, divide count by number of observations in the dataset, multiply by 100</a:t>
+            </a:r>
+          </a:p>
+          <a:p>
+            <a:endParaRPr lang="en-US" dirty="0"/>
+          </a:p>
+        </p:txBody>
+      </p:sp>
+      <p:pic>
+        <p:nvPicPr>
+          <p:cNvPr id="5" name="Picture 4">
+            <a:extLst>
+              <a:ext uri="{FF2B5EF4-FFF2-40B4-BE49-F238E27FC236}">
+                <a16:creationId xmlns:a16="http://schemas.microsoft.com/office/drawing/2014/main" id="{1DA9B6AD-DA6D-8A74-EF75-4E06C1EF1BA1}"/>
+              </a:ext>
+            </a:extLst>
+          </p:cNvPr>
+          <p:cNvPicPr>
+            <a:picLocks noChangeAspect="1"/>
+          </p:cNvPicPr>
+          <p:nvPr/>
+        </p:nvPicPr>
+        <p:blipFill>
+          <a:blip r:embed="rId2"/>
+          <a:stretch>
+            <a:fillRect/>
+          </a:stretch>
+        </p:blipFill>
+        <p:spPr>
+          <a:xfrm>
+            <a:off x="1201160" y="2307358"/>
+            <a:ext cx="9089392" cy="380423"/>
+          </a:xfrm>
+          <a:prstGeom prst="rect">
+            <a:avLst/>
+          </a:prstGeom>
+          <a:ln w="9525">
+            <a:solidFill>
+              <a:srgbClr val="0070C0"/>
+            </a:solidFill>
+          </a:ln>
+        </p:spPr>
+      </p:pic>
+      <p:pic>
+        <p:nvPicPr>
+          <p:cNvPr id="7" name="Picture 6">
+            <a:extLst>
+              <a:ext uri="{FF2B5EF4-FFF2-40B4-BE49-F238E27FC236}">
+                <a16:creationId xmlns:a16="http://schemas.microsoft.com/office/drawing/2014/main" id="{14021F7F-1C7D-26E5-40C0-68FA77F71792}"/>
+              </a:ext>
+            </a:extLst>
+          </p:cNvPr>
+          <p:cNvPicPr>
+            <a:picLocks noChangeAspect="1"/>
+          </p:cNvPicPr>
+          <p:nvPr/>
+        </p:nvPicPr>
+        <p:blipFill>
+          <a:blip r:embed="rId3"/>
+          <a:stretch>
+            <a:fillRect/>
+          </a:stretch>
+        </p:blipFill>
+        <p:spPr>
+          <a:xfrm>
+            <a:off x="1201160" y="2896754"/>
+            <a:ext cx="2628900" cy="2209800"/>
+          </a:xfrm>
+          <a:prstGeom prst="rect">
+            <a:avLst/>
+          </a:prstGeom>
+          <a:ln>
+            <a:solidFill>
+              <a:srgbClr val="0070C0"/>
+            </a:solidFill>
+          </a:ln>
+        </p:spPr>
+      </p:pic>
+      <p:pic>
+        <p:nvPicPr>
+          <p:cNvPr id="6" name="Picture 5">
+            <a:extLst>
+              <a:ext uri="{FF2B5EF4-FFF2-40B4-BE49-F238E27FC236}">
+                <a16:creationId xmlns:a16="http://schemas.microsoft.com/office/drawing/2014/main" id="{2882A796-7502-F843-F53D-CF6C08A6C99F}"/>
+              </a:ext>
+            </a:extLst>
+          </p:cNvPr>
+          <p:cNvPicPr>
+            <a:picLocks noChangeAspect="1"/>
+          </p:cNvPicPr>
+          <p:nvPr/>
+        </p:nvPicPr>
+        <p:blipFill>
+          <a:blip r:embed="rId4"/>
+          <a:stretch>
+            <a:fillRect/>
+          </a:stretch>
+        </p:blipFill>
+        <p:spPr>
+          <a:xfrm>
+            <a:off x="4717595" y="3629990"/>
+            <a:ext cx="6676350" cy="1193220"/>
+          </a:xfrm>
+          <a:prstGeom prst="rect">
+            <a:avLst/>
+          </a:prstGeom>
+          <a:ln>
+            <a:solidFill>
+              <a:srgbClr val="92D050"/>
+            </a:solidFill>
+          </a:ln>
+        </p:spPr>
+      </p:pic>
+      <p:sp>
+        <p:nvSpPr>
+          <p:cNvPr id="8" name="TextBox 7">
+            <a:extLst>
+              <a:ext uri="{FF2B5EF4-FFF2-40B4-BE49-F238E27FC236}">
+                <a16:creationId xmlns:a16="http://schemas.microsoft.com/office/drawing/2014/main" id="{A1EDA592-B05A-FC65-890E-5853D158C8C4}"/>
+              </a:ext>
+            </a:extLst>
+          </p:cNvPr>
+          <p:cNvSpPr txBox="1"/>
+          <p:nvPr/>
+        </p:nvSpPr>
+        <p:spPr>
+          <a:xfrm>
+            <a:off x="5087709" y="3189514"/>
+            <a:ext cx="3609977" cy="369332"/>
+          </a:xfrm>
+          <a:prstGeom prst="rect">
+            <a:avLst/>
+          </a:prstGeom>
+          <a:noFill/>
+        </p:spPr>
+        <p:txBody>
+          <a:bodyPr wrap="square" rtlCol="0">
+            <a:spAutoFit/>
+          </a:bodyPr>
+          <a:lstStyle/>
+          <a:p>
+            <a:r>
+              <a:rPr lang="en-US" dirty="0"/>
+              <a:t>Or do the whole thing in </a:t>
+            </a:r>
+            <a:r>
+              <a:rPr lang="en-US" dirty="0" err="1"/>
+              <a:t>tidyverse</a:t>
+            </a:r>
+            <a:r>
+              <a:rPr lang="en-US" dirty="0"/>
+              <a:t>:</a:t>
+            </a:r>
+          </a:p>
+        </p:txBody>
+      </p:sp>
+    </p:spTree>
+    <p:extLst>
+      <p:ext uri="{BB962C8B-B14F-4D97-AF65-F5344CB8AC3E}">
+        <p14:creationId xmlns:p14="http://schemas.microsoft.com/office/powerpoint/2010/main" val="1651651205"/>
+      </p:ext>
+    </p:extLst>
+  </p:cSld>
+  <p:clrMapOvr>
+    <a:masterClrMapping/>
+  </p:clrMapOvr>
+</p:sld>
+</file>
+
+<file path=ppt/slides/slide18.xml><?xml version="1.0" encoding="utf-8"?>
+<p:sld xmlns:a="http://schemas.openxmlformats.org/drawingml/2006/main" xmlns:r="http://schemas.openxmlformats.org/officeDocument/2006/relationships" xmlns:p="http://schemas.openxmlformats.org/presentationml/2006/main">
+  <p:cSld>
+    <p:spTree>
+      <p:nvGrpSpPr>
+        <p:cNvPr id="1" name=""/>
+        <p:cNvGrpSpPr/>
+        <p:nvPr/>
+      </p:nvGrpSpPr>
+      <p:grpSpPr>
+        <a:xfrm>
+          <a:off x="0" y="0"/>
+          <a:ext cx="0" cy="0"/>
+          <a:chOff x="0" y="0"/>
+          <a:chExt cx="0" cy="0"/>
+        </a:xfrm>
+      </p:grpSpPr>
+      <p:sp>
+        <p:nvSpPr>
+          <p:cNvPr id="2" name="Title 1">
+            <a:extLst>
+              <a:ext uri="{FF2B5EF4-FFF2-40B4-BE49-F238E27FC236}">
                 <a16:creationId xmlns:a16="http://schemas.microsoft.com/office/drawing/2014/main" id="{D8A49B9E-AB8F-20CF-509B-7FD180FB4FD2}"/>
               </a:ext>
             </a:extLst>
@@ -8848,8 +9927,8 @@
           <a:lstStyle/>
           <a:p>
             <a:r>
-              <a:rPr lang="en-US" sz="4000" dirty="0"/>
-              <a:t>Creating Summary Statistics – Grouped Data</a:t>
+              <a:rPr lang="en-US" sz="3200" dirty="0"/>
+              <a:t>Creating Summary Statistics – Other summary data</a:t>
             </a:r>
           </a:p>
         </p:txBody>
@@ -8961,6 +10040,80 @@
           </a:ln>
         </p:spPr>
       </p:pic>
+      <p:pic>
+        <p:nvPicPr>
+          <p:cNvPr id="5" name="Picture 4">
+            <a:extLst>
+              <a:ext uri="{FF2B5EF4-FFF2-40B4-BE49-F238E27FC236}">
+                <a16:creationId xmlns:a16="http://schemas.microsoft.com/office/drawing/2014/main" id="{F6D467F7-BC98-7FD0-93A8-7EF5D462F2E2}"/>
+              </a:ext>
+            </a:extLst>
+          </p:cNvPr>
+          <p:cNvPicPr>
+            <a:picLocks noChangeAspect="1"/>
+          </p:cNvPicPr>
+          <p:nvPr/>
+        </p:nvPicPr>
+        <p:blipFill>
+          <a:blip r:embed="rId4"/>
+          <a:stretch>
+            <a:fillRect/>
+          </a:stretch>
+        </p:blipFill>
+        <p:spPr>
+          <a:xfrm>
+            <a:off x="5156427" y="3943569"/>
+            <a:ext cx="6576386" cy="1077026"/>
+          </a:xfrm>
+          <a:prstGeom prst="rect">
+            <a:avLst/>
+          </a:prstGeom>
+          <a:ln>
+            <a:solidFill>
+              <a:srgbClr val="92D050"/>
+            </a:solidFill>
+          </a:ln>
+        </p:spPr>
+      </p:pic>
+      <p:sp>
+        <p:nvSpPr>
+          <p:cNvPr id="6" name="TextBox 5">
+            <a:extLst>
+              <a:ext uri="{FF2B5EF4-FFF2-40B4-BE49-F238E27FC236}">
+                <a16:creationId xmlns:a16="http://schemas.microsoft.com/office/drawing/2014/main" id="{3E0C9E19-A96D-03A6-8D9F-9C98D0361A3F}"/>
+              </a:ext>
+            </a:extLst>
+          </p:cNvPr>
+          <p:cNvSpPr txBox="1"/>
+          <p:nvPr/>
+        </p:nvSpPr>
+        <p:spPr>
+          <a:xfrm>
+            <a:off x="5638799" y="3548742"/>
+            <a:ext cx="3385457" cy="369332"/>
+          </a:xfrm>
+          <a:prstGeom prst="rect">
+            <a:avLst/>
+          </a:prstGeom>
+          <a:noFill/>
+        </p:spPr>
+        <p:txBody>
+          <a:bodyPr wrap="square" rtlCol="0">
+            <a:spAutoFit/>
+          </a:bodyPr>
+          <a:lstStyle/>
+          <a:p>
+            <a:r>
+              <a:rPr lang="en-US" dirty="0" err="1"/>
+              <a:t>Tidyverse</a:t>
+            </a:r>
+            <a:r>
+              <a:rPr lang="en-US" dirty="0"/>
+              <a:t> way:</a:t>
+            </a:r>
+          </a:p>
+        </p:txBody>
+      </p:sp>
     </p:spTree>
     <p:extLst>
       <p:ext uri="{BB962C8B-B14F-4D97-AF65-F5344CB8AC3E}">
@@ -8974,7 +10127,7 @@
 </p:sld>
 </file>
 
-<file path=ppt/slides/slide17.xml><?xml version="1.0" encoding="utf-8"?>
+<file path=ppt/slides/slide19.xml><?xml version="1.0" encoding="utf-8"?>
 <p:sld xmlns:a="http://schemas.openxmlformats.org/drawingml/2006/main" xmlns:r="http://schemas.openxmlformats.org/officeDocument/2006/relationships" xmlns:p="http://schemas.openxmlformats.org/presentationml/2006/main">
   <p:cSld>
     <p:spTree>
@@ -9259,343 +10412,6 @@
 </p:sld>
 </file>
 
-<file path=ppt/slides/slide18.xml><?xml version="1.0" encoding="utf-8"?>
-<p:sld xmlns:a="http://schemas.openxmlformats.org/drawingml/2006/main" xmlns:r="http://schemas.openxmlformats.org/officeDocument/2006/relationships" xmlns:p="http://schemas.openxmlformats.org/presentationml/2006/main">
-  <p:cSld>
-    <p:spTree>
-      <p:nvGrpSpPr>
-        <p:cNvPr id="1" name=""/>
-        <p:cNvGrpSpPr/>
-        <p:nvPr/>
-      </p:nvGrpSpPr>
-      <p:grpSpPr>
-        <a:xfrm>
-          <a:off x="0" y="0"/>
-          <a:ext cx="0" cy="0"/>
-          <a:chOff x="0" y="0"/>
-          <a:chExt cx="0" cy="0"/>
-        </a:xfrm>
-      </p:grpSpPr>
-      <p:sp>
-        <p:nvSpPr>
-          <p:cNvPr id="2" name="Title 1">
-            <a:extLst>
-              <a:ext uri="{FF2B5EF4-FFF2-40B4-BE49-F238E27FC236}">
-                <a16:creationId xmlns:a16="http://schemas.microsoft.com/office/drawing/2014/main" id="{778A056B-A2E7-BFF5-A371-F019E79F9B07}"/>
-              </a:ext>
-            </a:extLst>
-          </p:cNvPr>
-          <p:cNvSpPr>
-            <a:spLocks noGrp="1"/>
-          </p:cNvSpPr>
-          <p:nvPr>
-            <p:ph type="title"/>
-          </p:nvPr>
-        </p:nvSpPr>
-        <p:spPr>
-          <a:xfrm>
-            <a:off x="913795" y="58723"/>
-            <a:ext cx="10353762" cy="947956"/>
-          </a:xfrm>
-        </p:spPr>
-        <p:txBody>
-          <a:bodyPr>
-            <a:normAutofit/>
-          </a:bodyPr>
-          <a:lstStyle/>
-          <a:p>
-            <a:r>
-              <a:rPr lang="en-US" dirty="0"/>
-              <a:t>Creating Tables using </a:t>
-            </a:r>
-            <a:r>
-              <a:rPr lang="en-US" dirty="0" err="1"/>
-              <a:t>kable</a:t>
-            </a:r>
-            <a:r>
-              <a:rPr lang="en-US" dirty="0"/>
-              <a:t> cont’d</a:t>
-            </a:r>
-          </a:p>
-        </p:txBody>
-      </p:sp>
-      <p:pic>
-        <p:nvPicPr>
-          <p:cNvPr id="5" name="Content Placeholder 4">
-            <a:extLst>
-              <a:ext uri="{FF2B5EF4-FFF2-40B4-BE49-F238E27FC236}">
-                <a16:creationId xmlns:a16="http://schemas.microsoft.com/office/drawing/2014/main" id="{7D3718C3-474B-A9E4-AE9A-D45E9CDB8483}"/>
-              </a:ext>
-            </a:extLst>
-          </p:cNvPr>
-          <p:cNvPicPr>
-            <a:picLocks noGrp="1" noChangeAspect="1"/>
-          </p:cNvPicPr>
-          <p:nvPr>
-            <p:ph idx="1"/>
-          </p:nvPr>
-        </p:nvPicPr>
-        <p:blipFill>
-          <a:blip r:embed="rId2"/>
-          <a:stretch>
-            <a:fillRect/>
-          </a:stretch>
-        </p:blipFill>
-        <p:spPr>
-          <a:xfrm>
-            <a:off x="1881525" y="1340322"/>
-            <a:ext cx="7858125" cy="609600"/>
-          </a:xfrm>
-          <a:ln w="9525">
-            <a:solidFill>
-              <a:srgbClr val="0070C0"/>
-            </a:solidFill>
-          </a:ln>
-        </p:spPr>
-      </p:pic>
-      <p:pic>
-        <p:nvPicPr>
-          <p:cNvPr id="7" name="Picture 6">
-            <a:extLst>
-              <a:ext uri="{FF2B5EF4-FFF2-40B4-BE49-F238E27FC236}">
-                <a16:creationId xmlns:a16="http://schemas.microsoft.com/office/drawing/2014/main" id="{635AF2AA-240B-B648-0DB2-A2A0E15E1565}"/>
-              </a:ext>
-            </a:extLst>
-          </p:cNvPr>
-          <p:cNvPicPr>
-            <a:picLocks noChangeAspect="1"/>
-          </p:cNvPicPr>
-          <p:nvPr/>
-        </p:nvPicPr>
-        <p:blipFill>
-          <a:blip r:embed="rId3"/>
-          <a:stretch>
-            <a:fillRect/>
-          </a:stretch>
-        </p:blipFill>
-        <p:spPr>
-          <a:xfrm>
-            <a:off x="3270250" y="2283566"/>
-            <a:ext cx="4838700" cy="3571875"/>
-          </a:xfrm>
-          <a:prstGeom prst="rect">
-            <a:avLst/>
-          </a:prstGeom>
-        </p:spPr>
-      </p:pic>
-    </p:spTree>
-    <p:extLst>
-      <p:ext uri="{BB962C8B-B14F-4D97-AF65-F5344CB8AC3E}">
-        <p14:creationId xmlns:p14="http://schemas.microsoft.com/office/powerpoint/2010/main" val="3947315685"/>
-      </p:ext>
-    </p:extLst>
-  </p:cSld>
-  <p:clrMapOvr>
-    <a:masterClrMapping/>
-  </p:clrMapOvr>
-</p:sld>
-</file>
-
-<file path=ppt/slides/slide19.xml><?xml version="1.0" encoding="utf-8"?>
-<p:sld xmlns:a="http://schemas.openxmlformats.org/drawingml/2006/main" xmlns:r="http://schemas.openxmlformats.org/officeDocument/2006/relationships" xmlns:p="http://schemas.openxmlformats.org/presentationml/2006/main">
-  <p:cSld>
-    <p:spTree>
-      <p:nvGrpSpPr>
-        <p:cNvPr id="1" name=""/>
-        <p:cNvGrpSpPr/>
-        <p:nvPr/>
-      </p:nvGrpSpPr>
-      <p:grpSpPr>
-        <a:xfrm>
-          <a:off x="0" y="0"/>
-          <a:ext cx="0" cy="0"/>
-          <a:chOff x="0" y="0"/>
-          <a:chExt cx="0" cy="0"/>
-        </a:xfrm>
-      </p:grpSpPr>
-      <p:sp>
-        <p:nvSpPr>
-          <p:cNvPr id="2" name="Title 1">
-            <a:extLst>
-              <a:ext uri="{FF2B5EF4-FFF2-40B4-BE49-F238E27FC236}">
-                <a16:creationId xmlns:a16="http://schemas.microsoft.com/office/drawing/2014/main" id="{E4170F01-3C5E-5AE1-143E-56E81C1327C6}"/>
-              </a:ext>
-            </a:extLst>
-          </p:cNvPr>
-          <p:cNvSpPr>
-            <a:spLocks noGrp="1"/>
-          </p:cNvSpPr>
-          <p:nvPr>
-            <p:ph type="title"/>
-          </p:nvPr>
-        </p:nvSpPr>
-        <p:spPr>
-          <a:xfrm>
-            <a:off x="914356" y="240146"/>
-            <a:ext cx="10353762" cy="970450"/>
-          </a:xfrm>
-        </p:spPr>
-        <p:txBody>
-          <a:bodyPr/>
-          <a:lstStyle/>
-          <a:p>
-            <a:r>
-              <a:rPr lang="en-US" dirty="0"/>
-              <a:t>Creating Tables using </a:t>
-            </a:r>
-            <a:r>
-              <a:rPr lang="en-US" dirty="0" err="1"/>
-              <a:t>kable</a:t>
-            </a:r>
-            <a:r>
-              <a:rPr lang="en-US" dirty="0"/>
-              <a:t> cont’d</a:t>
-            </a:r>
-          </a:p>
-        </p:txBody>
-      </p:sp>
-      <p:pic>
-        <p:nvPicPr>
-          <p:cNvPr id="5" name="Content Placeholder 4">
-            <a:extLst>
-              <a:ext uri="{FF2B5EF4-FFF2-40B4-BE49-F238E27FC236}">
-                <a16:creationId xmlns:a16="http://schemas.microsoft.com/office/drawing/2014/main" id="{5FC45A25-EA01-C684-F139-C7A04FB7571C}"/>
-              </a:ext>
-            </a:extLst>
-          </p:cNvPr>
-          <p:cNvPicPr>
-            <a:picLocks noGrp="1" noChangeAspect="1"/>
-          </p:cNvPicPr>
-          <p:nvPr>
-            <p:ph idx="1"/>
-          </p:nvPr>
-        </p:nvPicPr>
-        <p:blipFill>
-          <a:blip r:embed="rId2"/>
-          <a:stretch>
-            <a:fillRect/>
-          </a:stretch>
-        </p:blipFill>
-        <p:spPr>
-          <a:xfrm>
-            <a:off x="1937182" y="1132681"/>
-            <a:ext cx="7772400" cy="990600"/>
-          </a:xfrm>
-          <a:ln w="9525">
-            <a:solidFill>
-              <a:srgbClr val="0070C0"/>
-            </a:solidFill>
-          </a:ln>
-        </p:spPr>
-      </p:pic>
-      <p:pic>
-        <p:nvPicPr>
-          <p:cNvPr id="7" name="Picture 6">
-            <a:extLst>
-              <a:ext uri="{FF2B5EF4-FFF2-40B4-BE49-F238E27FC236}">
-                <a16:creationId xmlns:a16="http://schemas.microsoft.com/office/drawing/2014/main" id="{02D3857E-BC59-6075-098B-B5DB9AF5C84F}"/>
-              </a:ext>
-            </a:extLst>
-          </p:cNvPr>
-          <p:cNvPicPr>
-            <a:picLocks noChangeAspect="1"/>
-          </p:cNvPicPr>
-          <p:nvPr/>
-        </p:nvPicPr>
-        <p:blipFill>
-          <a:blip r:embed="rId3"/>
-          <a:stretch>
-            <a:fillRect/>
-          </a:stretch>
-        </p:blipFill>
-        <p:spPr>
-          <a:xfrm>
-            <a:off x="4656426" y="2299421"/>
-            <a:ext cx="2047875" cy="4143375"/>
-          </a:xfrm>
-          <a:prstGeom prst="rect">
-            <a:avLst/>
-          </a:prstGeom>
-        </p:spPr>
-      </p:pic>
-      <p:sp>
-        <p:nvSpPr>
-          <p:cNvPr id="8" name="TextBox 7">
-            <a:extLst>
-              <a:ext uri="{FF2B5EF4-FFF2-40B4-BE49-F238E27FC236}">
-                <a16:creationId xmlns:a16="http://schemas.microsoft.com/office/drawing/2014/main" id="{9079751B-FB69-2AD0-15F8-0B67989DD829}"/>
-              </a:ext>
-            </a:extLst>
-          </p:cNvPr>
-          <p:cNvSpPr txBox="1"/>
-          <p:nvPr/>
-        </p:nvSpPr>
-        <p:spPr>
-          <a:xfrm>
-            <a:off x="7720676" y="2776851"/>
-            <a:ext cx="3977576" cy="646331"/>
-          </a:xfrm>
-          <a:prstGeom prst="rect">
-            <a:avLst/>
-          </a:prstGeom>
-          <a:noFill/>
-        </p:spPr>
-        <p:txBody>
-          <a:bodyPr wrap="square" rtlCol="0">
-            <a:spAutoFit/>
-          </a:bodyPr>
-          <a:lstStyle/>
-          <a:p>
-            <a:r>
-              <a:rPr lang="en-US" dirty="0"/>
-              <a:t>Save off your table in the viewer by going to “Export”:</a:t>
-            </a:r>
-          </a:p>
-        </p:txBody>
-      </p:sp>
-      <p:pic>
-        <p:nvPicPr>
-          <p:cNvPr id="9" name="Picture 8">
-            <a:extLst>
-              <a:ext uri="{FF2B5EF4-FFF2-40B4-BE49-F238E27FC236}">
-                <a16:creationId xmlns:a16="http://schemas.microsoft.com/office/drawing/2014/main" id="{B86F3F0B-5D62-7C06-40B0-FA150657EF16}"/>
-              </a:ext>
-            </a:extLst>
-          </p:cNvPr>
-          <p:cNvPicPr>
-            <a:picLocks noChangeAspect="1"/>
-          </p:cNvPicPr>
-          <p:nvPr/>
-        </p:nvPicPr>
-        <p:blipFill>
-          <a:blip r:embed="rId4"/>
-          <a:stretch>
-            <a:fillRect/>
-          </a:stretch>
-        </p:blipFill>
-        <p:spPr>
-          <a:xfrm>
-            <a:off x="7694488" y="3514733"/>
-            <a:ext cx="4162425" cy="1476375"/>
-          </a:xfrm>
-          <a:prstGeom prst="rect">
-            <a:avLst/>
-          </a:prstGeom>
-        </p:spPr>
-      </p:pic>
-    </p:spTree>
-    <p:extLst>
-      <p:ext uri="{BB962C8B-B14F-4D97-AF65-F5344CB8AC3E}">
-        <p14:creationId xmlns:p14="http://schemas.microsoft.com/office/powerpoint/2010/main" val="3962177149"/>
-      </p:ext>
-    </p:extLst>
-  </p:cSld>
-  <p:clrMapOvr>
-    <a:masterClrMapping/>
-  </p:clrMapOvr>
-</p:sld>
-</file>
-
 <file path=ppt/slides/slide2.xml><?xml version="1.0" encoding="utf-8"?>
 <p:sld xmlns:a="http://schemas.openxmlformats.org/drawingml/2006/main" xmlns:r="http://schemas.openxmlformats.org/officeDocument/2006/relationships" xmlns:p="http://schemas.openxmlformats.org/presentationml/2006/main">
   <p:cSld>
@@ -9700,13 +10516,8 @@
           <a:p>
             <a:r>
               <a:rPr lang="en-US" dirty="0"/>
-              <a:t>Creating graphs using </a:t>
-            </a:r>
-            <a:r>
-              <a:rPr lang="en-US" dirty="0" err="1"/>
-              <a:t>ggplot</a:t>
-            </a:r>
-            <a:endParaRPr lang="en-US" dirty="0"/>
+              <a:t>Creating graphs using ggplot2</a:t>
+            </a:r>
           </a:p>
           <a:p>
             <a:r>
@@ -9759,7 +10570,7 @@
           <p:cNvPr id="2" name="Title 1">
             <a:extLst>
               <a:ext uri="{FF2B5EF4-FFF2-40B4-BE49-F238E27FC236}">
-                <a16:creationId xmlns:a16="http://schemas.microsoft.com/office/drawing/2014/main" id="{D25FD676-21A5-DD11-44C7-F52B4D2A460C}"/>
+                <a16:creationId xmlns:a16="http://schemas.microsoft.com/office/drawing/2014/main" id="{778A056B-A2E7-BFF5-A371-F019E79F9B07}"/>
               </a:ext>
             </a:extLst>
           </p:cNvPr>
@@ -9770,112 +10581,101 @@
             <p:ph type="title"/>
           </p:nvPr>
         </p:nvSpPr>
-        <p:spPr/>
-        <p:txBody>
-          <a:bodyPr/>
+        <p:spPr>
+          <a:xfrm>
+            <a:off x="913795" y="58723"/>
+            <a:ext cx="10353762" cy="947956"/>
+          </a:xfrm>
+        </p:spPr>
+        <p:txBody>
+          <a:bodyPr>
+            <a:normAutofit/>
+          </a:bodyPr>
           <a:lstStyle/>
           <a:p>
             <a:r>
-              <a:rPr lang="en-US" dirty="0">
-                <a:solidFill>
-                  <a:srgbClr val="92D050"/>
-                </a:solidFill>
-              </a:rPr>
-              <a:t>Exercise #2: Summary statistics and </a:t>
-            </a:r>
-            <a:r>
-              <a:rPr lang="en-US" dirty="0" err="1">
-                <a:solidFill>
-                  <a:srgbClr val="92D050"/>
-                </a:solidFill>
-              </a:rPr>
+              <a:rPr lang="en-US" dirty="0"/>
+              <a:t>Creating Tables using </a:t>
+            </a:r>
+            <a:r>
+              <a:rPr lang="en-US" dirty="0" err="1"/>
               <a:t>kable</a:t>
             </a:r>
-            <a:endParaRPr lang="en-US" dirty="0">
-              <a:solidFill>
-                <a:srgbClr val="92D050"/>
-              </a:solidFill>
-            </a:endParaRPr>
-          </a:p>
-        </p:txBody>
-      </p:sp>
-      <p:sp>
-        <p:nvSpPr>
-          <p:cNvPr id="3" name="Content Placeholder 2">
+            <a:r>
+              <a:rPr lang="en-US" dirty="0"/>
+              <a:t> cont’d</a:t>
+            </a:r>
+          </a:p>
+        </p:txBody>
+      </p:sp>
+      <p:pic>
+        <p:nvPicPr>
+          <p:cNvPr id="5" name="Content Placeholder 4">
             <a:extLst>
               <a:ext uri="{FF2B5EF4-FFF2-40B4-BE49-F238E27FC236}">
-                <a16:creationId xmlns:a16="http://schemas.microsoft.com/office/drawing/2014/main" id="{B7951C6C-C13C-ECD9-862B-2F16087038B3}"/>
+                <a16:creationId xmlns:a16="http://schemas.microsoft.com/office/drawing/2014/main" id="{7D3718C3-474B-A9E4-AE9A-D45E9CDB8483}"/>
               </a:ext>
             </a:extLst>
           </p:cNvPr>
-          <p:cNvSpPr>
-            <a:spLocks noGrp="1"/>
-          </p:cNvSpPr>
+          <p:cNvPicPr>
+            <a:picLocks noGrp="1" noChangeAspect="1"/>
+          </p:cNvPicPr>
           <p:nvPr>
             <p:ph idx="1"/>
           </p:nvPr>
-        </p:nvSpPr>
-        <p:spPr/>
-        <p:txBody>
-          <a:bodyPr/>
-          <a:lstStyle/>
-          <a:p>
-            <a:pPr marL="494100" indent="-457200">
-              <a:buAutoNum type="arabicParenBoth"/>
-            </a:pPr>
-            <a:r>
-              <a:rPr lang="en-US" dirty="0"/>
-              <a:t>Create a frequency table of how many respondents have each type of pet (pet). Include percentage.</a:t>
-            </a:r>
-          </a:p>
-          <a:p>
-            <a:pPr marL="494100" indent="-457200">
-              <a:buAutoNum type="arabicParenBoth"/>
-            </a:pPr>
-            <a:r>
-              <a:rPr lang="en-US" dirty="0"/>
-              <a:t>Create a table of grouped data that shows the maximum square footage of the respondents’ homes (</a:t>
-            </a:r>
-            <a:r>
-              <a:rPr lang="en-US" dirty="0" err="1"/>
-              <a:t>sqft</a:t>
-            </a:r>
-            <a:r>
-              <a:rPr lang="en-US" dirty="0"/>
-              <a:t>) within groups of whether the respondents have children (</a:t>
-            </a:r>
-            <a:r>
-              <a:rPr lang="en-US" dirty="0" err="1"/>
-              <a:t>has_kids</a:t>
-            </a:r>
-            <a:r>
-              <a:rPr lang="en-US" dirty="0"/>
-              <a:t>).</a:t>
-            </a:r>
-          </a:p>
-          <a:p>
-            <a:pPr marL="494100" indent="-457200">
-              <a:buAutoNum type="arabicParenBoth"/>
-            </a:pPr>
-            <a:r>
-              <a:rPr lang="en-US" dirty="0"/>
-              <a:t>Use </a:t>
-            </a:r>
-            <a:r>
-              <a:rPr lang="en-US" dirty="0" err="1"/>
-              <a:t>kable</a:t>
-            </a:r>
-            <a:r>
-              <a:rPr lang="en-US" dirty="0"/>
-              <a:t> to create a paper-ready table of either of these tables.</a:t>
-            </a:r>
-          </a:p>
-        </p:txBody>
-      </p:sp>
+        </p:nvPicPr>
+        <p:blipFill>
+          <a:blip r:embed="rId2"/>
+          <a:stretch>
+            <a:fillRect/>
+          </a:stretch>
+        </p:blipFill>
+        <p:spPr>
+          <a:xfrm>
+            <a:off x="1684693" y="1362092"/>
+            <a:ext cx="8822614" cy="684421"/>
+          </a:xfrm>
+          <a:ln w="9525">
+            <a:solidFill>
+              <a:srgbClr val="0070C0"/>
+            </a:solidFill>
+          </a:ln>
+        </p:spPr>
+      </p:pic>
+      <p:pic>
+        <p:nvPicPr>
+          <p:cNvPr id="7" name="Picture 6">
+            <a:extLst>
+              <a:ext uri="{FF2B5EF4-FFF2-40B4-BE49-F238E27FC236}">
+                <a16:creationId xmlns:a16="http://schemas.microsoft.com/office/drawing/2014/main" id="{635AF2AA-240B-B648-0DB2-A2A0E15E1565}"/>
+              </a:ext>
+            </a:extLst>
+          </p:cNvPr>
+          <p:cNvPicPr>
+            <a:picLocks noChangeAspect="1"/>
+          </p:cNvPicPr>
+          <p:nvPr/>
+        </p:nvPicPr>
+        <p:blipFill>
+          <a:blip r:embed="rId3"/>
+          <a:stretch>
+            <a:fillRect/>
+          </a:stretch>
+        </p:blipFill>
+        <p:spPr>
+          <a:xfrm>
+            <a:off x="3671326" y="2294452"/>
+            <a:ext cx="4838700" cy="3571875"/>
+          </a:xfrm>
+          <a:prstGeom prst="rect">
+            <a:avLst/>
+          </a:prstGeom>
+        </p:spPr>
+      </p:pic>
     </p:spTree>
     <p:extLst>
       <p:ext uri="{BB962C8B-B14F-4D97-AF65-F5344CB8AC3E}">
-        <p14:creationId xmlns:p14="http://schemas.microsoft.com/office/powerpoint/2010/main" val="14179200"/>
+        <p14:creationId xmlns:p14="http://schemas.microsoft.com/office/powerpoint/2010/main" val="3947315685"/>
       </p:ext>
     </p:extLst>
   </p:cSld>
@@ -9907,6 +10707,354 @@
           <p:cNvPr id="2" name="Title 1">
             <a:extLst>
               <a:ext uri="{FF2B5EF4-FFF2-40B4-BE49-F238E27FC236}">
+                <a16:creationId xmlns:a16="http://schemas.microsoft.com/office/drawing/2014/main" id="{E4170F01-3C5E-5AE1-143E-56E81C1327C6}"/>
+              </a:ext>
+            </a:extLst>
+          </p:cNvPr>
+          <p:cNvSpPr>
+            <a:spLocks noGrp="1"/>
+          </p:cNvSpPr>
+          <p:nvPr>
+            <p:ph type="title"/>
+          </p:nvPr>
+        </p:nvSpPr>
+        <p:spPr>
+          <a:xfrm>
+            <a:off x="914356" y="240146"/>
+            <a:ext cx="10353762" cy="970450"/>
+          </a:xfrm>
+        </p:spPr>
+        <p:txBody>
+          <a:bodyPr/>
+          <a:lstStyle/>
+          <a:p>
+            <a:r>
+              <a:rPr lang="en-US" dirty="0"/>
+              <a:t>Creating Tables using </a:t>
+            </a:r>
+            <a:r>
+              <a:rPr lang="en-US" dirty="0" err="1"/>
+              <a:t>kable</a:t>
+            </a:r>
+            <a:r>
+              <a:rPr lang="en-US" dirty="0"/>
+              <a:t> cont’d</a:t>
+            </a:r>
+          </a:p>
+        </p:txBody>
+      </p:sp>
+      <p:pic>
+        <p:nvPicPr>
+          <p:cNvPr id="5" name="Content Placeholder 4">
+            <a:extLst>
+              <a:ext uri="{FF2B5EF4-FFF2-40B4-BE49-F238E27FC236}">
+                <a16:creationId xmlns:a16="http://schemas.microsoft.com/office/drawing/2014/main" id="{5FC45A25-EA01-C684-F139-C7A04FB7571C}"/>
+              </a:ext>
+            </a:extLst>
+          </p:cNvPr>
+          <p:cNvPicPr>
+            <a:picLocks noGrp="1" noChangeAspect="1"/>
+          </p:cNvPicPr>
+          <p:nvPr>
+            <p:ph idx="1"/>
+          </p:nvPr>
+        </p:nvPicPr>
+        <p:blipFill>
+          <a:blip r:embed="rId2"/>
+          <a:stretch>
+            <a:fillRect/>
+          </a:stretch>
+        </p:blipFill>
+        <p:spPr>
+          <a:xfrm>
+            <a:off x="923882" y="1129483"/>
+            <a:ext cx="7772400" cy="990600"/>
+          </a:xfrm>
+          <a:ln w="9525">
+            <a:solidFill>
+              <a:srgbClr val="0070C0"/>
+            </a:solidFill>
+          </a:ln>
+        </p:spPr>
+      </p:pic>
+      <p:pic>
+        <p:nvPicPr>
+          <p:cNvPr id="7" name="Picture 6">
+            <a:extLst>
+              <a:ext uri="{FF2B5EF4-FFF2-40B4-BE49-F238E27FC236}">
+                <a16:creationId xmlns:a16="http://schemas.microsoft.com/office/drawing/2014/main" id="{02D3857E-BC59-6075-098B-B5DB9AF5C84F}"/>
+              </a:ext>
+            </a:extLst>
+          </p:cNvPr>
+          <p:cNvPicPr>
+            <a:picLocks noChangeAspect="1"/>
+          </p:cNvPicPr>
+          <p:nvPr/>
+        </p:nvPicPr>
+        <p:blipFill>
+          <a:blip r:embed="rId3"/>
+          <a:stretch>
+            <a:fillRect/>
+          </a:stretch>
+        </p:blipFill>
+        <p:spPr>
+          <a:xfrm>
+            <a:off x="943674" y="2277650"/>
+            <a:ext cx="2047875" cy="4143375"/>
+          </a:xfrm>
+          <a:prstGeom prst="rect">
+            <a:avLst/>
+          </a:prstGeom>
+        </p:spPr>
+      </p:pic>
+      <p:sp>
+        <p:nvSpPr>
+          <p:cNvPr id="8" name="TextBox 7">
+            <a:extLst>
+              <a:ext uri="{FF2B5EF4-FFF2-40B4-BE49-F238E27FC236}">
+                <a16:creationId xmlns:a16="http://schemas.microsoft.com/office/drawing/2014/main" id="{9079751B-FB69-2AD0-15F8-0B67989DD829}"/>
+              </a:ext>
+            </a:extLst>
+          </p:cNvPr>
+          <p:cNvSpPr txBox="1"/>
+          <p:nvPr/>
+        </p:nvSpPr>
+        <p:spPr>
+          <a:xfrm>
+            <a:off x="4718706" y="2782669"/>
+            <a:ext cx="3977576" cy="646331"/>
+          </a:xfrm>
+          <a:prstGeom prst="rect">
+            <a:avLst/>
+          </a:prstGeom>
+          <a:noFill/>
+        </p:spPr>
+        <p:txBody>
+          <a:bodyPr wrap="square" rtlCol="0">
+            <a:spAutoFit/>
+          </a:bodyPr>
+          <a:lstStyle/>
+          <a:p>
+            <a:r>
+              <a:rPr lang="en-US" dirty="0"/>
+              <a:t>Save off your table in the viewer by going to “Export”:</a:t>
+            </a:r>
+          </a:p>
+        </p:txBody>
+      </p:sp>
+      <p:pic>
+        <p:nvPicPr>
+          <p:cNvPr id="9" name="Picture 8">
+            <a:extLst>
+              <a:ext uri="{FF2B5EF4-FFF2-40B4-BE49-F238E27FC236}">
+                <a16:creationId xmlns:a16="http://schemas.microsoft.com/office/drawing/2014/main" id="{B86F3F0B-5D62-7C06-40B0-FA150657EF16}"/>
+              </a:ext>
+            </a:extLst>
+          </p:cNvPr>
+          <p:cNvPicPr>
+            <a:picLocks noChangeAspect="1"/>
+          </p:cNvPicPr>
+          <p:nvPr/>
+        </p:nvPicPr>
+        <p:blipFill>
+          <a:blip r:embed="rId4"/>
+          <a:stretch>
+            <a:fillRect/>
+          </a:stretch>
+        </p:blipFill>
+        <p:spPr>
+          <a:xfrm>
+            <a:off x="4810082" y="3611149"/>
+            <a:ext cx="4162425" cy="1476375"/>
+          </a:xfrm>
+          <a:prstGeom prst="rect">
+            <a:avLst/>
+          </a:prstGeom>
+        </p:spPr>
+      </p:pic>
+    </p:spTree>
+    <p:extLst>
+      <p:ext uri="{BB962C8B-B14F-4D97-AF65-F5344CB8AC3E}">
+        <p14:creationId xmlns:p14="http://schemas.microsoft.com/office/powerpoint/2010/main" val="3962177149"/>
+      </p:ext>
+    </p:extLst>
+  </p:cSld>
+  <p:clrMapOvr>
+    <a:masterClrMapping/>
+  </p:clrMapOvr>
+</p:sld>
+</file>
+
+<file path=ppt/slides/slide22.xml><?xml version="1.0" encoding="utf-8"?>
+<p:sld xmlns:a="http://schemas.openxmlformats.org/drawingml/2006/main" xmlns:r="http://schemas.openxmlformats.org/officeDocument/2006/relationships" xmlns:p="http://schemas.openxmlformats.org/presentationml/2006/main">
+  <p:cSld>
+    <p:spTree>
+      <p:nvGrpSpPr>
+        <p:cNvPr id="1" name=""/>
+        <p:cNvGrpSpPr/>
+        <p:nvPr/>
+      </p:nvGrpSpPr>
+      <p:grpSpPr>
+        <a:xfrm>
+          <a:off x="0" y="0"/>
+          <a:ext cx="0" cy="0"/>
+          <a:chOff x="0" y="0"/>
+          <a:chExt cx="0" cy="0"/>
+        </a:xfrm>
+      </p:grpSpPr>
+      <p:sp>
+        <p:nvSpPr>
+          <p:cNvPr id="2" name="Title 1">
+            <a:extLst>
+              <a:ext uri="{FF2B5EF4-FFF2-40B4-BE49-F238E27FC236}">
+                <a16:creationId xmlns:a16="http://schemas.microsoft.com/office/drawing/2014/main" id="{D25FD676-21A5-DD11-44C7-F52B4D2A460C}"/>
+              </a:ext>
+            </a:extLst>
+          </p:cNvPr>
+          <p:cNvSpPr>
+            <a:spLocks noGrp="1"/>
+          </p:cNvSpPr>
+          <p:nvPr>
+            <p:ph type="title"/>
+          </p:nvPr>
+        </p:nvSpPr>
+        <p:spPr/>
+        <p:txBody>
+          <a:bodyPr/>
+          <a:lstStyle/>
+          <a:p>
+            <a:r>
+              <a:rPr lang="en-US" dirty="0">
+                <a:solidFill>
+                  <a:srgbClr val="92D050"/>
+                </a:solidFill>
+              </a:rPr>
+              <a:t>Exercise #2: Summary statistics and </a:t>
+            </a:r>
+            <a:r>
+              <a:rPr lang="en-US" dirty="0" err="1">
+                <a:solidFill>
+                  <a:srgbClr val="92D050"/>
+                </a:solidFill>
+              </a:rPr>
+              <a:t>kable</a:t>
+            </a:r>
+            <a:endParaRPr lang="en-US" dirty="0">
+              <a:solidFill>
+                <a:srgbClr val="92D050"/>
+              </a:solidFill>
+            </a:endParaRPr>
+          </a:p>
+        </p:txBody>
+      </p:sp>
+      <p:sp>
+        <p:nvSpPr>
+          <p:cNvPr id="3" name="Content Placeholder 2">
+            <a:extLst>
+              <a:ext uri="{FF2B5EF4-FFF2-40B4-BE49-F238E27FC236}">
+                <a16:creationId xmlns:a16="http://schemas.microsoft.com/office/drawing/2014/main" id="{B7951C6C-C13C-ECD9-862B-2F16087038B3}"/>
+              </a:ext>
+            </a:extLst>
+          </p:cNvPr>
+          <p:cNvSpPr>
+            <a:spLocks noGrp="1"/>
+          </p:cNvSpPr>
+          <p:nvPr>
+            <p:ph idx="1"/>
+          </p:nvPr>
+        </p:nvSpPr>
+        <p:spPr/>
+        <p:txBody>
+          <a:bodyPr/>
+          <a:lstStyle/>
+          <a:p>
+            <a:pPr marL="494100" indent="-457200">
+              <a:buAutoNum type="arabicParenBoth"/>
+            </a:pPr>
+            <a:r>
+              <a:rPr lang="en-US" dirty="0"/>
+              <a:t>Create a frequency table of how many respondents have each type of pet (pet). Include percentage.</a:t>
+            </a:r>
+          </a:p>
+          <a:p>
+            <a:pPr marL="494100" indent="-457200">
+              <a:buAutoNum type="arabicParenBoth"/>
+            </a:pPr>
+            <a:r>
+              <a:rPr lang="en-US" dirty="0"/>
+              <a:t>Create a table of grouped data that shows the maximum square footage of the respondents’ homes (</a:t>
+            </a:r>
+            <a:r>
+              <a:rPr lang="en-US" dirty="0" err="1"/>
+              <a:t>sqft</a:t>
+            </a:r>
+            <a:r>
+              <a:rPr lang="en-US" dirty="0"/>
+              <a:t>) within groups of whether the respondents have children (</a:t>
+            </a:r>
+            <a:r>
+              <a:rPr lang="en-US" dirty="0" err="1"/>
+              <a:t>has_kids</a:t>
+            </a:r>
+            <a:r>
+              <a:rPr lang="en-US" dirty="0"/>
+              <a:t>).</a:t>
+            </a:r>
+          </a:p>
+          <a:p>
+            <a:pPr marL="494100" indent="-457200">
+              <a:buAutoNum type="arabicParenBoth"/>
+            </a:pPr>
+            <a:r>
+              <a:rPr lang="en-US" dirty="0"/>
+              <a:t>Use </a:t>
+            </a:r>
+            <a:r>
+              <a:rPr lang="en-US" dirty="0" err="1"/>
+              <a:t>kable</a:t>
+            </a:r>
+            <a:r>
+              <a:rPr lang="en-US" dirty="0"/>
+              <a:t> to create a presentation-ready table of either of these tables.</a:t>
+            </a:r>
+          </a:p>
+        </p:txBody>
+      </p:sp>
+    </p:spTree>
+    <p:extLst>
+      <p:ext uri="{BB962C8B-B14F-4D97-AF65-F5344CB8AC3E}">
+        <p14:creationId xmlns:p14="http://schemas.microsoft.com/office/powerpoint/2010/main" val="14179200"/>
+      </p:ext>
+    </p:extLst>
+  </p:cSld>
+  <p:clrMapOvr>
+    <a:masterClrMapping/>
+  </p:clrMapOvr>
+</p:sld>
+</file>
+
+<file path=ppt/slides/slide23.xml><?xml version="1.0" encoding="utf-8"?>
+<p:sld xmlns:a="http://schemas.openxmlformats.org/drawingml/2006/main" xmlns:r="http://schemas.openxmlformats.org/officeDocument/2006/relationships" xmlns:p="http://schemas.openxmlformats.org/presentationml/2006/main">
+  <p:cSld>
+    <p:spTree>
+      <p:nvGrpSpPr>
+        <p:cNvPr id="1" name=""/>
+        <p:cNvGrpSpPr/>
+        <p:nvPr/>
+      </p:nvGrpSpPr>
+      <p:grpSpPr>
+        <a:xfrm>
+          <a:off x="0" y="0"/>
+          <a:ext cx="0" cy="0"/>
+          <a:chOff x="0" y="0"/>
+          <a:chExt cx="0" cy="0"/>
+        </a:xfrm>
+      </p:grpSpPr>
+      <p:sp>
+        <p:nvSpPr>
+          <p:cNvPr id="2" name="Title 1">
+            <a:extLst>
+              <a:ext uri="{FF2B5EF4-FFF2-40B4-BE49-F238E27FC236}">
                 <a16:creationId xmlns:a16="http://schemas.microsoft.com/office/drawing/2014/main" id="{53EC0BFA-5214-DAAA-AB3D-735231A43A0F}"/>
               </a:ext>
             </a:extLst>
@@ -9930,13 +11078,8 @@
           <a:p>
             <a:r>
               <a:rPr lang="en-US" dirty="0"/>
-              <a:t>Creating Graphs using </a:t>
-            </a:r>
-            <a:r>
-              <a:rPr lang="en-US" dirty="0" err="1"/>
-              <a:t>ggplot</a:t>
-            </a:r>
-            <a:endParaRPr lang="en-US" dirty="0"/>
+              <a:t>Creating Graphs using ggplot2</a:t>
+            </a:r>
           </a:p>
         </p:txBody>
       </p:sp>
@@ -10042,7 +11185,7 @@
 </p:sld>
 </file>
 
-<file path=ppt/slides/slide22.xml><?xml version="1.0" encoding="utf-8"?>
+<file path=ppt/slides/slide24.xml><?xml version="1.0" encoding="utf-8"?>
 <p:sld xmlns:a="http://schemas.openxmlformats.org/drawingml/2006/main" xmlns:r="http://schemas.openxmlformats.org/officeDocument/2006/relationships" xmlns:p="http://schemas.openxmlformats.org/presentationml/2006/main">
   <p:cSld>
     <p:spTree>
@@ -10312,7 +11455,7 @@
 </p:sld>
 </file>
 
-<file path=ppt/slides/slide23.xml><?xml version="1.0" encoding="utf-8"?>
+<file path=ppt/slides/slide25.xml><?xml version="1.0" encoding="utf-8"?>
 <p:sld xmlns:a="http://schemas.openxmlformats.org/drawingml/2006/main" xmlns:r="http://schemas.openxmlformats.org/officeDocument/2006/relationships" xmlns:p="http://schemas.openxmlformats.org/presentationml/2006/main">
   <p:cSld>
     <p:spTree>
@@ -10538,316 +11681,6 @@
     <p:extLst>
       <p:ext uri="{BB962C8B-B14F-4D97-AF65-F5344CB8AC3E}">
         <p14:creationId xmlns:p14="http://schemas.microsoft.com/office/powerpoint/2010/main" val="933155884"/>
-      </p:ext>
-    </p:extLst>
-  </p:cSld>
-  <p:clrMapOvr>
-    <a:masterClrMapping/>
-  </p:clrMapOvr>
-</p:sld>
-</file>
-
-<file path=ppt/slides/slide24.xml><?xml version="1.0" encoding="utf-8"?>
-<p:sld xmlns:a="http://schemas.openxmlformats.org/drawingml/2006/main" xmlns:r="http://schemas.openxmlformats.org/officeDocument/2006/relationships" xmlns:p="http://schemas.openxmlformats.org/presentationml/2006/main">
-  <p:cSld>
-    <p:spTree>
-      <p:nvGrpSpPr>
-        <p:cNvPr id="1" name=""/>
-        <p:cNvGrpSpPr/>
-        <p:nvPr/>
-      </p:nvGrpSpPr>
-      <p:grpSpPr>
-        <a:xfrm>
-          <a:off x="0" y="0"/>
-          <a:ext cx="0" cy="0"/>
-          <a:chOff x="0" y="0"/>
-          <a:chExt cx="0" cy="0"/>
-        </a:xfrm>
-      </p:grpSpPr>
-      <p:sp>
-        <p:nvSpPr>
-          <p:cNvPr id="2" name="Title 1">
-            <a:extLst>
-              <a:ext uri="{FF2B5EF4-FFF2-40B4-BE49-F238E27FC236}">
-                <a16:creationId xmlns:a16="http://schemas.microsoft.com/office/drawing/2014/main" id="{F8D2D6DE-FA88-1DB9-B799-62BA18EAD7A5}"/>
-              </a:ext>
-            </a:extLst>
-          </p:cNvPr>
-          <p:cNvSpPr>
-            <a:spLocks noGrp="1"/>
-          </p:cNvSpPr>
-          <p:nvPr>
-            <p:ph type="title"/>
-          </p:nvPr>
-        </p:nvSpPr>
-        <p:spPr/>
-        <p:txBody>
-          <a:bodyPr/>
-          <a:lstStyle/>
-          <a:p>
-            <a:r>
-              <a:rPr lang="en-US" dirty="0">
-                <a:solidFill>
-                  <a:srgbClr val="92D050"/>
-                </a:solidFill>
-              </a:rPr>
-              <a:t>Exercise #3: Create graphs using ggplot2</a:t>
-            </a:r>
-          </a:p>
-        </p:txBody>
-      </p:sp>
-      <p:sp>
-        <p:nvSpPr>
-          <p:cNvPr id="3" name="Content Placeholder 2">
-            <a:extLst>
-              <a:ext uri="{FF2B5EF4-FFF2-40B4-BE49-F238E27FC236}">
-                <a16:creationId xmlns:a16="http://schemas.microsoft.com/office/drawing/2014/main" id="{3F3AB240-419A-EDB2-FF1F-B68BB0A0FB78}"/>
-              </a:ext>
-            </a:extLst>
-          </p:cNvPr>
-          <p:cNvSpPr>
-            <a:spLocks noGrp="1"/>
-          </p:cNvSpPr>
-          <p:nvPr>
-            <p:ph idx="1"/>
-          </p:nvPr>
-        </p:nvSpPr>
-        <p:spPr/>
-        <p:txBody>
-          <a:bodyPr/>
-          <a:lstStyle/>
-          <a:p>
-            <a:pPr marL="494100" indent="-457200">
-              <a:buAutoNum type="arabicParenBoth"/>
-            </a:pPr>
-            <a:r>
-              <a:rPr lang="en-US" dirty="0"/>
-              <a:t>Create a bar chart of how many respondents have each type of pet (pet).</a:t>
-            </a:r>
-          </a:p>
-          <a:p>
-            <a:pPr marL="494100" indent="-457200">
-              <a:buAutoNum type="arabicParenBoth"/>
-            </a:pPr>
-            <a:r>
-              <a:rPr lang="en-US" dirty="0"/>
-              <a:t>Create a box plot that groups the square footage of the respondent’s home (</a:t>
-            </a:r>
-            <a:r>
-              <a:rPr lang="en-US" dirty="0" err="1"/>
-              <a:t>sqft</a:t>
-            </a:r>
-            <a:r>
-              <a:rPr lang="en-US" dirty="0"/>
-              <a:t>) by whether they have children (</a:t>
-            </a:r>
-            <a:r>
-              <a:rPr lang="en-US" dirty="0" err="1"/>
-              <a:t>has_kids</a:t>
-            </a:r>
-            <a:r>
-              <a:rPr lang="en-US" dirty="0"/>
-              <a:t>).</a:t>
-            </a:r>
-          </a:p>
-        </p:txBody>
-      </p:sp>
-    </p:spTree>
-    <p:extLst>
-      <p:ext uri="{BB962C8B-B14F-4D97-AF65-F5344CB8AC3E}">
-        <p14:creationId xmlns:p14="http://schemas.microsoft.com/office/powerpoint/2010/main" val="3572648947"/>
-      </p:ext>
-    </p:extLst>
-  </p:cSld>
-  <p:clrMapOvr>
-    <a:masterClrMapping/>
-  </p:clrMapOvr>
-</p:sld>
-</file>
-
-<file path=ppt/slides/slide25.xml><?xml version="1.0" encoding="utf-8"?>
-<p:sld xmlns:a="http://schemas.openxmlformats.org/drawingml/2006/main" xmlns:r="http://schemas.openxmlformats.org/officeDocument/2006/relationships" xmlns:p="http://schemas.openxmlformats.org/presentationml/2006/main">
-  <p:cSld>
-    <p:spTree>
-      <p:nvGrpSpPr>
-        <p:cNvPr id="1" name=""/>
-        <p:cNvGrpSpPr/>
-        <p:nvPr/>
-      </p:nvGrpSpPr>
-      <p:grpSpPr>
-        <a:xfrm>
-          <a:off x="0" y="0"/>
-          <a:ext cx="0" cy="0"/>
-          <a:chOff x="0" y="0"/>
-          <a:chExt cx="0" cy="0"/>
-        </a:xfrm>
-      </p:grpSpPr>
-      <p:sp>
-        <p:nvSpPr>
-          <p:cNvPr id="2" name="Title 1">
-            <a:extLst>
-              <a:ext uri="{FF2B5EF4-FFF2-40B4-BE49-F238E27FC236}">
-                <a16:creationId xmlns:a16="http://schemas.microsoft.com/office/drawing/2014/main" id="{E37B1643-434F-8768-9C37-E3FBC4686F60}"/>
-              </a:ext>
-            </a:extLst>
-          </p:cNvPr>
-          <p:cNvSpPr>
-            <a:spLocks noGrp="1"/>
-          </p:cNvSpPr>
-          <p:nvPr>
-            <p:ph type="title"/>
-          </p:nvPr>
-        </p:nvSpPr>
-        <p:spPr/>
-        <p:txBody>
-          <a:bodyPr/>
-          <a:lstStyle/>
-          <a:p>
-            <a:r>
-              <a:rPr lang="en-US" dirty="0"/>
-              <a:t>De-identifying Data</a:t>
-            </a:r>
-          </a:p>
-        </p:txBody>
-      </p:sp>
-      <p:sp>
-        <p:nvSpPr>
-          <p:cNvPr id="3" name="Content Placeholder 2">
-            <a:extLst>
-              <a:ext uri="{FF2B5EF4-FFF2-40B4-BE49-F238E27FC236}">
-                <a16:creationId xmlns:a16="http://schemas.microsoft.com/office/drawing/2014/main" id="{B76C2A73-4A23-FC11-5AEF-72AFF797D99C}"/>
-              </a:ext>
-            </a:extLst>
-          </p:cNvPr>
-          <p:cNvSpPr>
-            <a:spLocks noGrp="1"/>
-          </p:cNvSpPr>
-          <p:nvPr>
-            <p:ph idx="1"/>
-          </p:nvPr>
-        </p:nvSpPr>
-        <p:spPr/>
-        <p:txBody>
-          <a:bodyPr/>
-          <a:lstStyle/>
-          <a:p>
-            <a:r>
-              <a:rPr lang="en-US" dirty="0"/>
-              <a:t>Remove any personal identifiable information (PII) using </a:t>
-            </a:r>
-            <a:r>
-              <a:rPr lang="en-US" dirty="0">
-                <a:solidFill>
-                  <a:srgbClr val="FFC000"/>
-                </a:solidFill>
-              </a:rPr>
-              <a:t>base R</a:t>
-            </a:r>
-            <a:r>
-              <a:rPr lang="en-US" dirty="0"/>
-              <a:t>:</a:t>
-            </a:r>
-          </a:p>
-          <a:p>
-            <a:endParaRPr lang="en-US" dirty="0"/>
-          </a:p>
-          <a:p>
-            <a:endParaRPr lang="en-US" dirty="0"/>
-          </a:p>
-          <a:p>
-            <a:endParaRPr lang="en-US" dirty="0"/>
-          </a:p>
-          <a:p>
-            <a:endParaRPr lang="en-US" dirty="0"/>
-          </a:p>
-          <a:p>
-            <a:r>
-              <a:rPr lang="en-US" dirty="0"/>
-              <a:t>Check that the variables left are not PII</a:t>
-            </a:r>
-          </a:p>
-          <a:p>
-            <a:pPr marL="36900" indent="0">
-              <a:buNone/>
-            </a:pPr>
-            <a:endParaRPr lang="en-US" dirty="0"/>
-          </a:p>
-        </p:txBody>
-      </p:sp>
-      <p:pic>
-        <p:nvPicPr>
-          <p:cNvPr id="10" name="Picture 9">
-            <a:extLst>
-              <a:ext uri="{FF2B5EF4-FFF2-40B4-BE49-F238E27FC236}">
-                <a16:creationId xmlns:a16="http://schemas.microsoft.com/office/drawing/2014/main" id="{00294552-48C7-DD43-4BA8-D8787D3CCF15}"/>
-              </a:ext>
-            </a:extLst>
-          </p:cNvPr>
-          <p:cNvPicPr>
-            <a:picLocks noChangeAspect="1"/>
-          </p:cNvPicPr>
-          <p:nvPr/>
-        </p:nvPicPr>
-        <p:blipFill>
-          <a:blip r:embed="rId2"/>
-          <a:stretch>
-            <a:fillRect/>
-          </a:stretch>
-        </p:blipFill>
-        <p:spPr>
-          <a:xfrm>
-            <a:off x="741073" y="2212974"/>
-            <a:ext cx="11193942" cy="1139825"/>
-          </a:xfrm>
-          <a:prstGeom prst="rect">
-            <a:avLst/>
-          </a:prstGeom>
-          <a:ln w="9525">
-            <a:solidFill>
-              <a:srgbClr val="0070C0"/>
-            </a:solidFill>
-          </a:ln>
-        </p:spPr>
-      </p:pic>
-      <p:pic>
-        <p:nvPicPr>
-          <p:cNvPr id="11" name="Picture 10">
-            <a:extLst>
-              <a:ext uri="{FF2B5EF4-FFF2-40B4-BE49-F238E27FC236}">
-                <a16:creationId xmlns:a16="http://schemas.microsoft.com/office/drawing/2014/main" id="{B20DE2A6-1B9B-CE6E-D303-E13C1DFF4BBD}"/>
-              </a:ext>
-            </a:extLst>
-          </p:cNvPr>
-          <p:cNvPicPr>
-            <a:picLocks noChangeAspect="1"/>
-          </p:cNvPicPr>
-          <p:nvPr/>
-        </p:nvPicPr>
-        <p:blipFill>
-          <a:blip r:embed="rId3"/>
-          <a:stretch>
-            <a:fillRect/>
-          </a:stretch>
-        </p:blipFill>
-        <p:spPr>
-          <a:xfrm>
-            <a:off x="666125" y="4415815"/>
-            <a:ext cx="11050154" cy="710367"/>
-          </a:xfrm>
-          <a:prstGeom prst="rect">
-            <a:avLst/>
-          </a:prstGeom>
-          <a:ln>
-            <a:solidFill>
-              <a:srgbClr val="0070C0"/>
-            </a:solidFill>
-          </a:ln>
-        </p:spPr>
-      </p:pic>
-    </p:spTree>
-    <p:extLst>
-      <p:ext uri="{BB962C8B-B14F-4D97-AF65-F5344CB8AC3E}">
-        <p14:creationId xmlns:p14="http://schemas.microsoft.com/office/powerpoint/2010/main" val="2222497524"/>
       </p:ext>
     </p:extLst>
   </p:cSld>
@@ -10879,7 +11712,7 @@
           <p:cNvPr id="2" name="Title 1">
             <a:extLst>
               <a:ext uri="{FF2B5EF4-FFF2-40B4-BE49-F238E27FC236}">
-                <a16:creationId xmlns:a16="http://schemas.microsoft.com/office/drawing/2014/main" id="{0240A573-C544-C726-267E-232CDE1831F1}"/>
+                <a16:creationId xmlns:a16="http://schemas.microsoft.com/office/drawing/2014/main" id="{F8D2D6DE-FA88-1DB9-B799-62BA18EAD7A5}"/>
               </a:ext>
             </a:extLst>
           </p:cNvPr>
@@ -10901,7 +11734,7 @@
                   <a:srgbClr val="92D050"/>
                 </a:solidFill>
               </a:rPr>
-              <a:t>Exercise #4: De-identify data</a:t>
+              <a:t>Exercise #3: Create graphs using ggplot2</a:t>
             </a:r>
           </a:p>
         </p:txBody>
@@ -10911,7 +11744,7 @@
           <p:cNvPr id="3" name="Content Placeholder 2">
             <a:extLst>
               <a:ext uri="{FF2B5EF4-FFF2-40B4-BE49-F238E27FC236}">
-                <a16:creationId xmlns:a16="http://schemas.microsoft.com/office/drawing/2014/main" id="{2DB1BBB9-4E37-D66C-79FE-0351D3C025A2}"/>
+                <a16:creationId xmlns:a16="http://schemas.microsoft.com/office/drawing/2014/main" id="{3F3AB240-419A-EDB2-FF1F-B68BB0A0FB78}"/>
               </a:ext>
             </a:extLst>
           </p:cNvPr>
@@ -10927,12 +11760,37 @@
           <a:bodyPr/>
           <a:lstStyle/>
           <a:p>
-            <a:pPr marL="36900" indent="0">
-              <a:buNone/>
+            <a:pPr marL="494100" indent="-457200">
+              <a:buAutoNum type="arabicParenBoth"/>
             </a:pPr>
             <a:r>
               <a:rPr lang="en-US" dirty="0"/>
-              <a:t>De-identify the dataset by removing variables containing PII.</a:t>
+              <a:t>Create a bar chart of how many respondents have each type of pet (pet).</a:t>
+            </a:r>
+          </a:p>
+          <a:p>
+            <a:pPr marL="494100" indent="-457200">
+              <a:buAutoNum type="arabicParenBoth"/>
+            </a:pPr>
+            <a:r>
+              <a:rPr lang="en-US" dirty="0"/>
+              <a:t>Create a box plot that groups the square footage of the respondent’s home (</a:t>
+            </a:r>
+            <a:r>
+              <a:rPr lang="en-US" dirty="0" err="1"/>
+              <a:t>sqft</a:t>
+            </a:r>
+            <a:r>
+              <a:rPr lang="en-US" dirty="0"/>
+              <a:t>) by whether they have children (</a:t>
+            </a:r>
+            <a:r>
+              <a:rPr lang="en-US" dirty="0" err="1"/>
+              <a:t>has_kids</a:t>
+            </a:r>
+            <a:r>
+              <a:rPr lang="en-US" dirty="0"/>
+              <a:t>).</a:t>
             </a:r>
           </a:p>
         </p:txBody>
@@ -10940,7 +11798,7 @@
     </p:spTree>
     <p:extLst>
       <p:ext uri="{BB962C8B-B14F-4D97-AF65-F5344CB8AC3E}">
-        <p14:creationId xmlns:p14="http://schemas.microsoft.com/office/powerpoint/2010/main" val="2409939731"/>
+        <p14:creationId xmlns:p14="http://schemas.microsoft.com/office/powerpoint/2010/main" val="3572648947"/>
       </p:ext>
     </p:extLst>
   </p:cSld>
@@ -10972,6 +11830,365 @@
           <p:cNvPr id="2" name="Title 1">
             <a:extLst>
               <a:ext uri="{FF2B5EF4-FFF2-40B4-BE49-F238E27FC236}">
+                <a16:creationId xmlns:a16="http://schemas.microsoft.com/office/drawing/2014/main" id="{E37B1643-434F-8768-9C37-E3FBC4686F60}"/>
+              </a:ext>
+            </a:extLst>
+          </p:cNvPr>
+          <p:cNvSpPr>
+            <a:spLocks noGrp="1"/>
+          </p:cNvSpPr>
+          <p:nvPr>
+            <p:ph type="title"/>
+          </p:nvPr>
+        </p:nvSpPr>
+        <p:spPr>
+          <a:xfrm>
+            <a:off x="913795" y="185057"/>
+            <a:ext cx="10353762" cy="964901"/>
+          </a:xfrm>
+        </p:spPr>
+        <p:txBody>
+          <a:bodyPr/>
+          <a:lstStyle/>
+          <a:p>
+            <a:r>
+              <a:rPr lang="en-US" dirty="0"/>
+              <a:t>De-identifying Data</a:t>
+            </a:r>
+          </a:p>
+        </p:txBody>
+      </p:sp>
+      <p:sp>
+        <p:nvSpPr>
+          <p:cNvPr id="3" name="Content Placeholder 2">
+            <a:extLst>
+              <a:ext uri="{FF2B5EF4-FFF2-40B4-BE49-F238E27FC236}">
+                <a16:creationId xmlns:a16="http://schemas.microsoft.com/office/drawing/2014/main" id="{B76C2A73-4A23-FC11-5AEF-72AFF797D99C}"/>
+              </a:ext>
+            </a:extLst>
+          </p:cNvPr>
+          <p:cNvSpPr>
+            <a:spLocks noGrp="1"/>
+          </p:cNvSpPr>
+          <p:nvPr>
+            <p:ph idx="1"/>
+          </p:nvPr>
+        </p:nvSpPr>
+        <p:spPr>
+          <a:xfrm>
+            <a:off x="913795" y="1067431"/>
+            <a:ext cx="10353762" cy="4058751"/>
+          </a:xfrm>
+        </p:spPr>
+        <p:txBody>
+          <a:bodyPr/>
+          <a:lstStyle/>
+          <a:p>
+            <a:pPr marL="36900" indent="0">
+              <a:buNone/>
+            </a:pPr>
+            <a:r>
+              <a:rPr lang="en-US" dirty="0"/>
+              <a:t>Remove any personal identifiable information (PII) using </a:t>
+            </a:r>
+            <a:r>
+              <a:rPr lang="en-US" dirty="0">
+                <a:solidFill>
+                  <a:srgbClr val="FFC000"/>
+                </a:solidFill>
+              </a:rPr>
+              <a:t>base R</a:t>
+            </a:r>
+            <a:r>
+              <a:rPr lang="en-US" dirty="0"/>
+              <a:t>:</a:t>
+            </a:r>
+          </a:p>
+          <a:p>
+            <a:endParaRPr lang="en-US" dirty="0"/>
+          </a:p>
+          <a:p>
+            <a:endParaRPr lang="en-US" dirty="0"/>
+          </a:p>
+          <a:p>
+            <a:endParaRPr lang="en-US" dirty="0"/>
+          </a:p>
+          <a:p>
+            <a:pPr marL="36900" indent="0">
+              <a:buNone/>
+            </a:pPr>
+            <a:r>
+              <a:rPr lang="en-US" dirty="0"/>
+              <a:t>Check that the variables left are not PII</a:t>
+            </a:r>
+          </a:p>
+          <a:p>
+            <a:pPr marL="36900" indent="0">
+              <a:buNone/>
+            </a:pPr>
+            <a:endParaRPr lang="en-US" dirty="0"/>
+          </a:p>
+          <a:p>
+            <a:pPr marL="36900" indent="0">
+              <a:buNone/>
+            </a:pPr>
+            <a:endParaRPr lang="en-US" dirty="0"/>
+          </a:p>
+          <a:p>
+            <a:pPr marL="36900" indent="0">
+              <a:buNone/>
+            </a:pPr>
+            <a:r>
+              <a:rPr lang="en-US" dirty="0" err="1"/>
+              <a:t>Tidyverse</a:t>
+            </a:r>
+            <a:r>
+              <a:rPr lang="en-US" dirty="0"/>
+              <a:t> way!</a:t>
+            </a:r>
+          </a:p>
+          <a:p>
+            <a:pPr marL="36900" indent="0">
+              <a:buNone/>
+            </a:pPr>
+            <a:endParaRPr lang="en-US" dirty="0"/>
+          </a:p>
+          <a:p>
+            <a:pPr marL="36900" indent="0">
+              <a:buNone/>
+            </a:pPr>
+            <a:endParaRPr lang="en-US" dirty="0"/>
+          </a:p>
+        </p:txBody>
+      </p:sp>
+      <p:pic>
+        <p:nvPicPr>
+          <p:cNvPr id="10" name="Picture 9">
+            <a:extLst>
+              <a:ext uri="{FF2B5EF4-FFF2-40B4-BE49-F238E27FC236}">
+                <a16:creationId xmlns:a16="http://schemas.microsoft.com/office/drawing/2014/main" id="{00294552-48C7-DD43-4BA8-D8787D3CCF15}"/>
+              </a:ext>
+            </a:extLst>
+          </p:cNvPr>
+          <p:cNvPicPr>
+            <a:picLocks noChangeAspect="1"/>
+          </p:cNvPicPr>
+          <p:nvPr/>
+        </p:nvPicPr>
+        <p:blipFill>
+          <a:blip r:embed="rId2"/>
+          <a:stretch>
+            <a:fillRect/>
+          </a:stretch>
+        </p:blipFill>
+        <p:spPr>
+          <a:xfrm>
+            <a:off x="666125" y="1462419"/>
+            <a:ext cx="11193942" cy="1139825"/>
+          </a:xfrm>
+          <a:prstGeom prst="rect">
+            <a:avLst/>
+          </a:prstGeom>
+          <a:ln w="9525">
+            <a:solidFill>
+              <a:srgbClr val="0070C0"/>
+            </a:solidFill>
+          </a:ln>
+        </p:spPr>
+      </p:pic>
+      <p:pic>
+        <p:nvPicPr>
+          <p:cNvPr id="11" name="Picture 10">
+            <a:extLst>
+              <a:ext uri="{FF2B5EF4-FFF2-40B4-BE49-F238E27FC236}">
+                <a16:creationId xmlns:a16="http://schemas.microsoft.com/office/drawing/2014/main" id="{B20DE2A6-1B9B-CE6E-D303-E13C1DFF4BBD}"/>
+              </a:ext>
+            </a:extLst>
+          </p:cNvPr>
+          <p:cNvPicPr>
+            <a:picLocks noChangeAspect="1"/>
+          </p:cNvPicPr>
+          <p:nvPr/>
+        </p:nvPicPr>
+        <p:blipFill>
+          <a:blip r:embed="rId3"/>
+          <a:stretch>
+            <a:fillRect/>
+          </a:stretch>
+        </p:blipFill>
+        <p:spPr>
+          <a:xfrm>
+            <a:off x="666125" y="3272815"/>
+            <a:ext cx="11050154" cy="710367"/>
+          </a:xfrm>
+          <a:prstGeom prst="rect">
+            <a:avLst/>
+          </a:prstGeom>
+          <a:ln>
+            <a:solidFill>
+              <a:srgbClr val="0070C0"/>
+            </a:solidFill>
+          </a:ln>
+        </p:spPr>
+      </p:pic>
+      <p:pic>
+        <p:nvPicPr>
+          <p:cNvPr id="7" name="Picture 6">
+            <a:extLst>
+              <a:ext uri="{FF2B5EF4-FFF2-40B4-BE49-F238E27FC236}">
+                <a16:creationId xmlns:a16="http://schemas.microsoft.com/office/drawing/2014/main" id="{C4833CAC-F4F3-64A1-B075-908516CC66E5}"/>
+              </a:ext>
+            </a:extLst>
+          </p:cNvPr>
+          <p:cNvPicPr>
+            <a:picLocks noChangeAspect="1"/>
+          </p:cNvPicPr>
+          <p:nvPr/>
+        </p:nvPicPr>
+        <p:blipFill>
+          <a:blip r:embed="rId4"/>
+          <a:stretch>
+            <a:fillRect/>
+          </a:stretch>
+        </p:blipFill>
+        <p:spPr>
+          <a:xfrm>
+            <a:off x="666125" y="4683269"/>
+            <a:ext cx="6360967" cy="837901"/>
+          </a:xfrm>
+          <a:prstGeom prst="rect">
+            <a:avLst/>
+          </a:prstGeom>
+        </p:spPr>
+      </p:pic>
+    </p:spTree>
+    <p:extLst>
+      <p:ext uri="{BB962C8B-B14F-4D97-AF65-F5344CB8AC3E}">
+        <p14:creationId xmlns:p14="http://schemas.microsoft.com/office/powerpoint/2010/main" val="2222497524"/>
+      </p:ext>
+    </p:extLst>
+  </p:cSld>
+  <p:clrMapOvr>
+    <a:masterClrMapping/>
+  </p:clrMapOvr>
+</p:sld>
+</file>
+
+<file path=ppt/slides/slide28.xml><?xml version="1.0" encoding="utf-8"?>
+<p:sld xmlns:a="http://schemas.openxmlformats.org/drawingml/2006/main" xmlns:r="http://schemas.openxmlformats.org/officeDocument/2006/relationships" xmlns:p="http://schemas.openxmlformats.org/presentationml/2006/main">
+  <p:cSld>
+    <p:spTree>
+      <p:nvGrpSpPr>
+        <p:cNvPr id="1" name=""/>
+        <p:cNvGrpSpPr/>
+        <p:nvPr/>
+      </p:nvGrpSpPr>
+      <p:grpSpPr>
+        <a:xfrm>
+          <a:off x="0" y="0"/>
+          <a:ext cx="0" cy="0"/>
+          <a:chOff x="0" y="0"/>
+          <a:chExt cx="0" cy="0"/>
+        </a:xfrm>
+      </p:grpSpPr>
+      <p:sp>
+        <p:nvSpPr>
+          <p:cNvPr id="2" name="Title 1">
+            <a:extLst>
+              <a:ext uri="{FF2B5EF4-FFF2-40B4-BE49-F238E27FC236}">
+                <a16:creationId xmlns:a16="http://schemas.microsoft.com/office/drawing/2014/main" id="{0240A573-C544-C726-267E-232CDE1831F1}"/>
+              </a:ext>
+            </a:extLst>
+          </p:cNvPr>
+          <p:cNvSpPr>
+            <a:spLocks noGrp="1"/>
+          </p:cNvSpPr>
+          <p:nvPr>
+            <p:ph type="title"/>
+          </p:nvPr>
+        </p:nvSpPr>
+        <p:spPr/>
+        <p:txBody>
+          <a:bodyPr/>
+          <a:lstStyle/>
+          <a:p>
+            <a:r>
+              <a:rPr lang="en-US" dirty="0">
+                <a:solidFill>
+                  <a:srgbClr val="92D050"/>
+                </a:solidFill>
+              </a:rPr>
+              <a:t>Exercise #4: De-identify data</a:t>
+            </a:r>
+          </a:p>
+        </p:txBody>
+      </p:sp>
+      <p:sp>
+        <p:nvSpPr>
+          <p:cNvPr id="3" name="Content Placeholder 2">
+            <a:extLst>
+              <a:ext uri="{FF2B5EF4-FFF2-40B4-BE49-F238E27FC236}">
+                <a16:creationId xmlns:a16="http://schemas.microsoft.com/office/drawing/2014/main" id="{2DB1BBB9-4E37-D66C-79FE-0351D3C025A2}"/>
+              </a:ext>
+            </a:extLst>
+          </p:cNvPr>
+          <p:cNvSpPr>
+            <a:spLocks noGrp="1"/>
+          </p:cNvSpPr>
+          <p:nvPr>
+            <p:ph idx="1"/>
+          </p:nvPr>
+        </p:nvSpPr>
+        <p:spPr/>
+        <p:txBody>
+          <a:bodyPr/>
+          <a:lstStyle/>
+          <a:p>
+            <a:pPr marL="36900" indent="0">
+              <a:buNone/>
+            </a:pPr>
+            <a:r>
+              <a:rPr lang="en-US" dirty="0"/>
+              <a:t>De-identify the dataset by removing variables containing PII.</a:t>
+            </a:r>
+          </a:p>
+        </p:txBody>
+      </p:sp>
+    </p:spTree>
+    <p:extLst>
+      <p:ext uri="{BB962C8B-B14F-4D97-AF65-F5344CB8AC3E}">
+        <p14:creationId xmlns:p14="http://schemas.microsoft.com/office/powerpoint/2010/main" val="2409939731"/>
+      </p:ext>
+    </p:extLst>
+  </p:cSld>
+  <p:clrMapOvr>
+    <a:masterClrMapping/>
+  </p:clrMapOvr>
+</p:sld>
+</file>
+
+<file path=ppt/slides/slide29.xml><?xml version="1.0" encoding="utf-8"?>
+<p:sld xmlns:a="http://schemas.openxmlformats.org/drawingml/2006/main" xmlns:r="http://schemas.openxmlformats.org/officeDocument/2006/relationships" xmlns:p="http://schemas.openxmlformats.org/presentationml/2006/main">
+  <p:cSld>
+    <p:spTree>
+      <p:nvGrpSpPr>
+        <p:cNvPr id="1" name=""/>
+        <p:cNvGrpSpPr/>
+        <p:nvPr/>
+      </p:nvGrpSpPr>
+      <p:grpSpPr>
+        <a:xfrm>
+          <a:off x="0" y="0"/>
+          <a:ext cx="0" cy="0"/>
+          <a:chOff x="0" y="0"/>
+          <a:chExt cx="0" cy="0"/>
+        </a:xfrm>
+      </p:grpSpPr>
+      <p:sp>
+        <p:nvSpPr>
+          <p:cNvPr id="2" name="Title 1">
+            <a:extLst>
+              <a:ext uri="{FF2B5EF4-FFF2-40B4-BE49-F238E27FC236}">
                 <a16:creationId xmlns:a16="http://schemas.microsoft.com/office/drawing/2014/main" id="{21D776A1-AFA1-51E8-5503-B8C2A0F918DD}"/>
               </a:ext>
             </a:extLst>
@@ -11023,42 +12240,110 @@
           </a:xfrm>
         </p:spPr>
         <p:txBody>
-          <a:bodyPr/>
+          <a:bodyPr>
+            <a:normAutofit/>
+          </a:bodyPr>
           <a:lstStyle/>
           <a:p>
             <a:r>
-              <a:rPr lang="en-US" dirty="0" err="1"/>
+              <a:rPr lang="en-US" sz="2400" dirty="0" err="1"/>
               <a:t>tidyverse</a:t>
             </a:r>
             <a:r>
-              <a:rPr lang="en-US" dirty="0"/>
-              <a:t>:</a:t>
-            </a:r>
-          </a:p>
-          <a:p>
-            <a:r>
-              <a:rPr lang="en-US" dirty="0" err="1"/>
+              <a:rPr lang="en-US" sz="2400" dirty="0"/>
+              <a:t>: </a:t>
+            </a:r>
+            <a:r>
+              <a:rPr lang="en-US" sz="2400" dirty="0">
+                <a:hlinkClick r:id="rId2"/>
+              </a:rPr>
+              <a:t>https://www.tidyverse.org/packages/</a:t>
+            </a:r>
+            <a:endParaRPr lang="en-US" sz="2400" dirty="0"/>
+          </a:p>
+          <a:p>
+            <a:pPr lvl="1"/>
+            <a:r>
+              <a:rPr lang="en-US" sz="2400" dirty="0"/>
+              <a:t>This includes information on the other packages that we’ve used within </a:t>
+            </a:r>
+            <a:r>
+              <a:rPr lang="en-US" sz="2400" dirty="0" err="1"/>
+              <a:t>tidyverse</a:t>
+            </a:r>
+            <a:r>
+              <a:rPr lang="en-US" sz="2400" dirty="0"/>
+              <a:t> (ggplot2, </a:t>
+            </a:r>
+            <a:r>
+              <a:rPr lang="en-US" sz="2400" dirty="0" err="1"/>
+              <a:t>stringr</a:t>
+            </a:r>
+            <a:r>
+              <a:rPr lang="en-US" sz="2400" dirty="0"/>
+              <a:t>, </a:t>
+            </a:r>
+            <a:r>
+              <a:rPr lang="en-US" sz="2400" dirty="0" err="1"/>
+              <a:t>readr</a:t>
+            </a:r>
+            <a:r>
+              <a:rPr lang="en-US" sz="2400" dirty="0"/>
+              <a:t>, and </a:t>
+            </a:r>
+            <a:r>
+              <a:rPr lang="en-US" sz="2400" dirty="0" err="1"/>
+              <a:t>dplyr</a:t>
+            </a:r>
+            <a:r>
+              <a:rPr lang="en-US" sz="2400" dirty="0"/>
+              <a:t>)</a:t>
+            </a:r>
+          </a:p>
+          <a:p>
+            <a:r>
+              <a:rPr lang="en-US" sz="2400" dirty="0" err="1"/>
               <a:t>kableExtra</a:t>
             </a:r>
             <a:r>
-              <a:rPr lang="en-US" dirty="0"/>
+              <a:rPr lang="en-US" sz="2400" dirty="0"/>
               <a:t>: </a:t>
             </a:r>
-          </a:p>
-          <a:p>
-            <a:r>
-              <a:rPr lang="en-US" dirty="0"/>
-              <a:t>ggplot2:</a:t>
-            </a:r>
-          </a:p>
-          <a:p>
-            <a:r>
-              <a:rPr lang="en-US" dirty="0" err="1"/>
-              <a:t>rmarkdown</a:t>
-            </a:r>
-            <a:r>
-              <a:rPr lang="en-US" dirty="0"/>
-              <a:t>: </a:t>
+            <a:r>
+              <a:rPr lang="en-US" sz="2400" dirty="0">
+                <a:hlinkClick r:id="rId3"/>
+              </a:rPr>
+              <a:t>https://cran.r-project.org/web/packages/kableExtra/vignettes/awesome_table_in_html.html</a:t>
+            </a:r>
+            <a:endParaRPr lang="en-US" sz="2400" dirty="0"/>
+          </a:p>
+          <a:p>
+            <a:r>
+              <a:rPr lang="en-US" sz="2400" dirty="0"/>
+              <a:t>Beautiful graphs for inspiration: </a:t>
+            </a:r>
+            <a:r>
+              <a:rPr lang="en-US" sz="2400" dirty="0">
+                <a:hlinkClick r:id="rId4"/>
+              </a:rPr>
+              <a:t>https://r-graph-gallery.com/</a:t>
+            </a:r>
+            <a:endParaRPr lang="en-US" sz="2400" dirty="0"/>
+          </a:p>
+          <a:p>
+            <a:r>
+              <a:rPr lang="en-US" sz="2400" dirty="0"/>
+              <a:t>All the R colors neatly displayed: </a:t>
+            </a:r>
+            <a:r>
+              <a:rPr lang="en-US" sz="2400" dirty="0">
+                <a:hlinkClick r:id="rId5"/>
+              </a:rPr>
+              <a:t>http://www.stat.columbia.edu/~tzheng/files/Rcolor.pdf</a:t>
+            </a:r>
+            <a:r>
+              <a:rPr lang="en-US" sz="2400" dirty="0"/>
+              <a:t> </a:t>
             </a:r>
           </a:p>
         </p:txBody>
@@ -11161,6 +12446,14 @@
             <a:r>
               <a:rPr lang="en-US" dirty="0" err="1"/>
               <a:t>stringr</a:t>
+            </a:r>
+            <a:r>
+              <a:rPr lang="en-US" dirty="0"/>
+              <a:t>, </a:t>
+            </a:r>
+            <a:r>
+              <a:rPr lang="en-US" dirty="0" err="1"/>
+              <a:t>dplyr</a:t>
             </a:r>
             <a:r>
               <a:rPr lang="en-US" dirty="0"/>
@@ -11765,21 +13058,66 @@
           <a:bodyPr/>
           <a:lstStyle/>
           <a:p>
-            <a:pPr marL="36900" indent="0">
-              <a:buNone/>
-            </a:pPr>
             <a:r>
               <a:rPr lang="en-US" dirty="0"/>
-              <a:t>Import CSV of dataset we’ll use for exercises from this page:</a:t>
-            </a:r>
-          </a:p>
-          <a:p>
-            <a:pPr marL="36900" indent="0">
-              <a:buNone/>
-            </a:pPr>
+              <a:t>Install needed packages (if you haven’t already): </a:t>
+            </a:r>
+            <a:r>
+              <a:rPr lang="en-US" dirty="0" err="1"/>
+              <a:t>tidyverse</a:t>
+            </a:r>
             <a:r>
               <a:rPr lang="en-US" dirty="0"/>
-              <a:t>https://raw.githubusercontent.com/CharlotteLoobyRTI/IFDTC_Materials/main/PII_toydata2.csv </a:t>
+              <a:t>, </a:t>
+            </a:r>
+            <a:r>
+              <a:rPr lang="en-US" dirty="0" err="1"/>
+              <a:t>campfin</a:t>
+            </a:r>
+            <a:r>
+              <a:rPr lang="en-US" dirty="0"/>
+              <a:t>, </a:t>
+            </a:r>
+            <a:r>
+              <a:rPr lang="en-US" dirty="0" err="1"/>
+              <a:t>kableExtra</a:t>
+            </a:r>
+            <a:endParaRPr lang="en-US" dirty="0"/>
+          </a:p>
+          <a:p>
+            <a:r>
+              <a:rPr lang="en-US" dirty="0"/>
+              <a:t>Import CSV of dataset we’ll use for exercises and name the dataset “dataset”.</a:t>
+            </a:r>
+          </a:p>
+          <a:p>
+            <a:pPr lvl="1"/>
+            <a:r>
+              <a:rPr lang="en-US" dirty="0"/>
+              <a:t>The </a:t>
+            </a:r>
+            <a:r>
+              <a:rPr lang="en-US" dirty="0" err="1"/>
+              <a:t>filepath</a:t>
+            </a:r>
+            <a:r>
+              <a:rPr lang="en-US" dirty="0"/>
+              <a:t> can be found on the IFDTC program. Do CTRL+F for “7D”.</a:t>
+            </a:r>
+          </a:p>
+          <a:p>
+            <a:pPr lvl="1"/>
+            <a:r>
+              <a:rPr lang="en-US" dirty="0"/>
+              <a:t>The link for “testing data to use during session” will be the input for the </a:t>
+            </a:r>
+            <a:r>
+              <a:rPr lang="en-US" dirty="0" err="1"/>
+              <a:t>read_csv</a:t>
+            </a:r>
+            <a:r>
+              <a:rPr lang="en-US" dirty="0"/>
+              <a:t> function.</a:t>
             </a:r>
           </a:p>
         </p:txBody>
@@ -11865,8 +13203,8 @@
         </p:nvSpPr>
         <p:spPr>
           <a:xfrm>
-            <a:off x="913795" y="1367407"/>
-            <a:ext cx="10353762" cy="4423794"/>
+            <a:off x="600635" y="1367407"/>
+            <a:ext cx="10666922" cy="4423794"/>
           </a:xfrm>
         </p:spPr>
         <p:txBody>
@@ -11880,8 +13218,14 @@
             </a:pPr>
             <a:r>
               <a:rPr lang="en-US" dirty="0"/>
-              <a:t>Depending on the format, some dates will be read from CSV files as character. These should be converted to classification “Date”.</a:t>
-            </a:r>
+              <a:t>Depending on the format, some dates will be read from CSV files as character. These should be converted to classification “Date”. An R “Date” variable will be in the format YYYY-MM-DD.</a:t>
+            </a:r>
+          </a:p>
+          <a:p>
+            <a:pPr marL="0" indent="0">
+              <a:buNone/>
+            </a:pPr>
+            <a:endParaRPr lang="en-US" dirty="0"/>
           </a:p>
           <a:p>
             <a:pPr marL="0" indent="0">
@@ -11989,7 +13333,7 @@
         </p:blipFill>
         <p:spPr>
           <a:xfrm>
-            <a:off x="1002570" y="5171606"/>
+            <a:off x="714435" y="5602613"/>
             <a:ext cx="2343150" cy="771525"/>
           </a:xfrm>
           <a:prstGeom prst="rect">
@@ -12024,7 +13368,7 @@
         </p:blipFill>
         <p:spPr>
           <a:xfrm>
-            <a:off x="1002571" y="3845257"/>
+            <a:off x="716158" y="4293678"/>
             <a:ext cx="9373536" cy="374425"/>
           </a:xfrm>
           <a:prstGeom prst="rect">
@@ -12059,7 +13403,7 @@
         </p:blipFill>
         <p:spPr>
           <a:xfrm>
-            <a:off x="1002570" y="2511667"/>
+            <a:off x="716158" y="2937600"/>
             <a:ext cx="9946359" cy="501076"/>
           </a:xfrm>
           <a:prstGeom prst="rect">
